--- a/b609/lec08.pptx
+++ b/b609/lec08.pptx
@@ -16,6 +16,13 @@
     <p:sldId id="264" r:id="rId10"/>
     <p:sldId id="265" r:id="rId11"/>
     <p:sldId id="266" r:id="rId12"/>
+    <p:sldId id="272" r:id="rId13"/>
+    <p:sldId id="273" r:id="rId14"/>
+    <p:sldId id="276" r:id="rId15"/>
+    <p:sldId id="268" r:id="rId16"/>
+    <p:sldId id="271" r:id="rId17"/>
+    <p:sldId id="274" r:id="rId18"/>
+    <p:sldId id="275" r:id="rId19"/>
   </p:sldIdLst>
   <p:sldSz cx="9144000" cy="6858000" type="screen4x3"/>
   <p:notesSz cx="6858000" cy="9144000"/>
@@ -3255,7 +3262,7 @@
             </a:r>
             <a:r>
               <a:rPr lang="en-US" sz="4400" b="1" dirty="0" smtClean="0"/>
-              <a:t>13/14: Gradient Descent and Applications</a:t>
+              <a:t>13/14: Gradient Descent, Boosting and Learning from Experts</a:t>
             </a:r>
             <a:endParaRPr lang="en-US" sz="4400" b="1" dirty="0"/>
           </a:p>
@@ -3366,8 +3373,8 @@
           </a:p>
         </p:txBody>
       </p:sp>
-      <mc:AlternateContent xmlns:mc="http://schemas.openxmlformats.org/markup-compatibility/2006" xmlns:a14="http://schemas.microsoft.com/office/drawing/2010/main">
-        <mc:Choice Requires="a14">
+      <mc:AlternateContent xmlns:mc="http://schemas.openxmlformats.org/markup-compatibility/2006">
+        <mc:Choice xmlns:a14="http://schemas.microsoft.com/office/drawing/2010/main" Requires="a14">
           <p:sp>
             <p:nvSpPr>
               <p:cNvPr id="3" name="Content Placeholder 2"/>
@@ -3596,14 +3603,14 @@
                       </a:rPr>
                       <m:t>=</m:t>
                     </m:r>
-                    <m:sSub>
-                      <m:sSubPr>
+                    <m:sSubSup>
+                      <m:sSubSupPr>
                         <m:ctrlPr>
                           <a:rPr lang="en-US" b="0" i="1" smtClean="0">
                             <a:latin typeface="Cambria Math"/>
                           </a:rPr>
                         </m:ctrlPr>
-                      </m:sSubPr>
+                      </m:sSubSupPr>
                       <m:e>
                         <m:r>
                           <a:rPr lang="en-US" b="0" i="1" smtClean="0">
@@ -3620,7 +3627,15 @@
                           <m:t>𝑖</m:t>
                         </m:r>
                       </m:sub>
-                    </m:sSub>
+                      <m:sup>
+                        <m:r>
+                          <a:rPr lang="en-US" b="0" i="1" smtClean="0">
+                            <a:latin typeface="Cambria Math"/>
+                          </a:rPr>
+                          <m:t>𝑇</m:t>
+                        </m:r>
+                      </m:sup>
+                    </m:sSubSup>
                     <m:r>
                       <a:rPr lang="en-US" b="0" i="1" smtClean="0">
                         <a:latin typeface="Cambria Math"/>
@@ -3803,7 +3818,7 @@
             </p:txBody>
           </p:sp>
         </mc:Choice>
-        <mc:Fallback xmlns="">
+        <mc:Fallback>
           <p:sp>
             <p:nvSpPr>
               <p:cNvPr id="3" name="Content Placeholder 2"/>
@@ -4898,14 +4913,14 @@
                       </a:rPr>
                       <m:t>[</m:t>
                     </m:r>
-                    <m:sSub>
-                      <m:sSubPr>
+                    <m:sSubSup>
+                      <m:sSubSupPr>
                         <m:ctrlPr>
                           <a:rPr lang="en-US" b="0" i="1" smtClean="0">
                             <a:latin typeface="Cambria Math"/>
                           </a:rPr>
                         </m:ctrlPr>
-                      </m:sSubPr>
+                      </m:sSubSupPr>
                       <m:e>
                         <m:r>
                           <a:rPr lang="en-US" b="0" i="1" smtClean="0">
@@ -4922,7 +4937,15 @@
                           <m:t>𝑖</m:t>
                         </m:r>
                       </m:sub>
-                    </m:sSub>
+                      <m:sup>
+                        <m:r>
+                          <a:rPr lang="en-US" b="0" i="1" smtClean="0">
+                            <a:latin typeface="Cambria Math"/>
+                          </a:rPr>
+                          <m:t>𝑇</m:t>
+                        </m:r>
+                      </m:sup>
+                    </m:sSubSup>
                     <m:r>
                       <a:rPr lang="en-US" b="0" i="1" smtClean="0">
                         <a:latin typeface="Cambria Math"/>
@@ -5925,6 +5948,9632 @@
 </p:sld>
 </file>
 
+<file path=ppt/slides/slide12.xml><?xml version="1.0" encoding="utf-8"?>
+<p:sld xmlns:a="http://schemas.openxmlformats.org/drawingml/2006/main" xmlns:r="http://schemas.openxmlformats.org/officeDocument/2006/relationships" xmlns:p="http://schemas.openxmlformats.org/presentationml/2006/main">
+  <p:cSld>
+    <p:spTree>
+      <p:nvGrpSpPr>
+        <p:cNvPr id="1" name=""/>
+        <p:cNvGrpSpPr/>
+        <p:nvPr/>
+      </p:nvGrpSpPr>
+      <p:grpSpPr>
+        <a:xfrm>
+          <a:off x="0" y="0"/>
+          <a:ext cx="0" cy="0"/>
+          <a:chOff x="0" y="0"/>
+          <a:chExt cx="0" cy="0"/>
+        </a:xfrm>
+      </p:grpSpPr>
+      <p:sp>
+        <p:nvSpPr>
+          <p:cNvPr id="2" name="Title 1"/>
+          <p:cNvSpPr>
+            <a:spLocks noGrp="1"/>
+          </p:cNvSpPr>
+          <p:nvPr>
+            <p:ph type="title"/>
+          </p:nvPr>
+        </p:nvSpPr>
+        <p:spPr/>
+        <p:txBody>
+          <a:bodyPr>
+            <a:normAutofit fontScale="90000"/>
+          </a:bodyPr>
+          <a:lstStyle/>
+          <a:p>
+            <a:r>
+              <a:rPr lang="en-US" dirty="0" smtClean="0">
+                <a:solidFill>
+                  <a:srgbClr val="0070C0"/>
+                </a:solidFill>
+              </a:rPr>
+              <a:t>VC-dim of combinations of concepts</a:t>
+            </a:r>
+            <a:endParaRPr lang="en-US" dirty="0">
+              <a:solidFill>
+                <a:srgbClr val="0070C0"/>
+              </a:solidFill>
+            </a:endParaRPr>
+          </a:p>
+        </p:txBody>
+      </p:sp>
+      <mc:AlternateContent xmlns:mc="http://schemas.openxmlformats.org/markup-compatibility/2006">
+        <mc:Choice xmlns:a14="http://schemas.microsoft.com/office/drawing/2010/main" Requires="a14">
+          <p:sp>
+            <p:nvSpPr>
+              <p:cNvPr id="3" name="Content Placeholder 2"/>
+              <p:cNvSpPr>
+                <a:spLocks noGrp="1"/>
+              </p:cNvSpPr>
+              <p:nvPr>
+                <p:ph idx="1"/>
+              </p:nvPr>
+            </p:nvSpPr>
+            <p:spPr>
+              <a:xfrm>
+                <a:off x="228600" y="1524000"/>
+                <a:ext cx="8915400" cy="5486400"/>
+              </a:xfrm>
+            </p:spPr>
+            <p:txBody>
+              <a:bodyPr/>
+              <a:lstStyle/>
+              <a:p>
+                <a:r>
+                  <a:rPr lang="en-US" dirty="0" smtClean="0"/>
+                  <a:t>For </a:t>
+                </a:r>
+                <a14:m>
+                  <m:oMath xmlns:m="http://schemas.openxmlformats.org/officeDocument/2006/math">
+                    <m:r>
+                      <a:rPr lang="en-US" b="1" i="1" smtClean="0">
+                        <a:latin typeface="Cambria Math"/>
+                      </a:rPr>
+                      <m:t>𝒌</m:t>
+                    </m:r>
+                  </m:oMath>
+                </a14:m>
+                <a:r>
+                  <a:rPr lang="en-US" dirty="0" smtClean="0"/>
+                  <a:t> concepts </a:t>
+                </a:r>
+                <a14:m>
+                  <m:oMath xmlns:m="http://schemas.openxmlformats.org/officeDocument/2006/math">
+                    <m:sSub>
+                      <m:sSubPr>
+                        <m:ctrlPr>
+                          <a:rPr lang="en-US" b="0" i="1" smtClean="0">
+                            <a:latin typeface="Cambria Math"/>
+                          </a:rPr>
+                        </m:ctrlPr>
+                      </m:sSubPr>
+                      <m:e>
+                        <m:r>
+                          <a:rPr lang="en-US" b="0" i="1" smtClean="0">
+                            <a:latin typeface="Cambria Math"/>
+                          </a:rPr>
+                          <m:t>h</m:t>
+                        </m:r>
+                      </m:e>
+                      <m:sub>
+                        <m:r>
+                          <a:rPr lang="en-US" b="0" i="1" smtClean="0">
+                            <a:latin typeface="Cambria Math"/>
+                          </a:rPr>
+                          <m:t>1</m:t>
+                        </m:r>
+                      </m:sub>
+                    </m:sSub>
+                    <m:r>
+                      <a:rPr lang="en-US" b="0" i="1" smtClean="0">
+                        <a:latin typeface="Cambria Math"/>
+                      </a:rPr>
+                      <m:t>,…, </m:t>
+                    </m:r>
+                    <m:sSub>
+                      <m:sSubPr>
+                        <m:ctrlPr>
+                          <a:rPr lang="en-US" b="0" i="1" smtClean="0">
+                            <a:latin typeface="Cambria Math"/>
+                          </a:rPr>
+                        </m:ctrlPr>
+                      </m:sSubPr>
+                      <m:e>
+                        <m:r>
+                          <a:rPr lang="en-US" b="0" i="1" smtClean="0">
+                            <a:latin typeface="Cambria Math"/>
+                          </a:rPr>
+                          <m:t>h</m:t>
+                        </m:r>
+                      </m:e>
+                      <m:sub>
+                        <m:r>
+                          <a:rPr lang="en-US" b="1" i="1" smtClean="0">
+                            <a:latin typeface="Cambria Math"/>
+                          </a:rPr>
+                          <m:t>𝒌</m:t>
+                        </m:r>
+                      </m:sub>
+                    </m:sSub>
+                  </m:oMath>
+                </a14:m>
+                <a:r>
+                  <a:rPr lang="en-US" dirty="0" smtClean="0"/>
+                  <a:t> + a Boolean function </a:t>
+                </a:r>
+                <a14:m>
+                  <m:oMath xmlns:m="http://schemas.openxmlformats.org/officeDocument/2006/math">
+                    <m:r>
+                      <a:rPr lang="en-US" i="1" dirty="0" smtClean="0">
+                        <a:latin typeface="Cambria Math"/>
+                      </a:rPr>
+                      <m:t>𝑓</m:t>
+                    </m:r>
+                  </m:oMath>
+                </a14:m>
+                <a:r>
+                  <a:rPr lang="en-US" dirty="0" smtClean="0"/>
+                  <a:t>:</a:t>
+                </a:r>
+                <a:endParaRPr lang="en-US" dirty="0" smtClean="0"/>
+              </a:p>
+              <a:p>
+                <a:pPr marL="0" indent="0" algn="ctr">
+                  <a:buNone/>
+                </a:pPr>
+                <a14:m>
+                  <m:oMathPara xmlns:m="http://schemas.openxmlformats.org/officeDocument/2006/math">
+                    <m:oMathParaPr>
+                      <m:jc m:val="left"/>
+                    </m:oMathParaPr>
+                    <m:oMath xmlns:m="http://schemas.openxmlformats.org/officeDocument/2006/math">
+                      <m:r>
+                        <a:rPr lang="en-US" b="0" i="1" smtClean="0">
+                          <a:latin typeface="Cambria Math"/>
+                        </a:rPr>
+                        <m:t>𝑐𝑜𝑚</m:t>
+                      </m:r>
+                      <m:sSub>
+                        <m:sSubPr>
+                          <m:ctrlPr>
+                            <a:rPr lang="en-US" b="0" i="1" smtClean="0">
+                              <a:latin typeface="Cambria Math"/>
+                            </a:rPr>
+                          </m:ctrlPr>
+                        </m:sSubPr>
+                        <m:e>
+                          <m:r>
+                            <a:rPr lang="en-US" b="0" i="1" smtClean="0">
+                              <a:latin typeface="Cambria Math"/>
+                            </a:rPr>
+                            <m:t>𝑏</m:t>
+                          </m:r>
+                        </m:e>
+                        <m:sub>
+                          <m:r>
+                            <a:rPr lang="en-US" b="0" i="1" smtClean="0">
+                              <a:latin typeface="Cambria Math"/>
+                            </a:rPr>
+                            <m:t>𝑓</m:t>
+                          </m:r>
+                        </m:sub>
+                      </m:sSub>
+                      <m:d>
+                        <m:dPr>
+                          <m:ctrlPr>
+                            <a:rPr lang="en-US" b="0" i="1" smtClean="0">
+                              <a:latin typeface="Cambria Math"/>
+                            </a:rPr>
+                          </m:ctrlPr>
+                        </m:dPr>
+                        <m:e>
+                          <m:sSub>
+                            <m:sSubPr>
+                              <m:ctrlPr>
+                                <a:rPr lang="en-US" b="0" i="1" smtClean="0">
+                                  <a:latin typeface="Cambria Math"/>
+                                </a:rPr>
+                              </m:ctrlPr>
+                            </m:sSubPr>
+                            <m:e>
+                              <m:r>
+                                <a:rPr lang="en-US" b="0" i="1" smtClean="0">
+                                  <a:latin typeface="Cambria Math"/>
+                                </a:rPr>
+                                <m:t>h</m:t>
+                              </m:r>
+                            </m:e>
+                            <m:sub>
+                              <m:r>
+                                <a:rPr lang="en-US" b="0" i="1" smtClean="0">
+                                  <a:latin typeface="Cambria Math"/>
+                                </a:rPr>
+                                <m:t>1</m:t>
+                              </m:r>
+                            </m:sub>
+                          </m:sSub>
+                          <m:r>
+                            <a:rPr lang="en-US" b="0" i="1" smtClean="0">
+                              <a:latin typeface="Cambria Math"/>
+                            </a:rPr>
+                            <m:t>,… </m:t>
+                          </m:r>
+                          <m:sSub>
+                            <m:sSubPr>
+                              <m:ctrlPr>
+                                <a:rPr lang="en-US" b="0" i="1" smtClean="0">
+                                  <a:latin typeface="Cambria Math"/>
+                                </a:rPr>
+                              </m:ctrlPr>
+                            </m:sSubPr>
+                            <m:e>
+                              <m:r>
+                                <a:rPr lang="en-US" b="0" i="1" smtClean="0">
+                                  <a:latin typeface="Cambria Math"/>
+                                </a:rPr>
+                                <m:t>h</m:t>
+                              </m:r>
+                            </m:e>
+                            <m:sub>
+                              <m:r>
+                                <a:rPr lang="en-US" b="1" i="1" smtClean="0">
+                                  <a:latin typeface="Cambria Math"/>
+                                </a:rPr>
+                                <m:t>𝒌</m:t>
+                              </m:r>
+                            </m:sub>
+                          </m:sSub>
+                        </m:e>
+                      </m:d>
+                      <m:r>
+                        <a:rPr lang="en-US" b="0" i="1" smtClean="0">
+                          <a:latin typeface="Cambria Math"/>
+                        </a:rPr>
+                        <m:t>={</m:t>
+                      </m:r>
+                      <m:r>
+                        <a:rPr lang="en-US" b="0" i="1" smtClean="0">
+                          <a:latin typeface="Cambria Math"/>
+                        </a:rPr>
+                        <m:t>𝑥</m:t>
+                      </m:r>
+                      <m:r>
+                        <a:rPr lang="en-US" b="0" i="1" smtClean="0">
+                          <a:latin typeface="Cambria Math"/>
+                        </a:rPr>
+                        <m:t>∈</m:t>
+                      </m:r>
+                      <m:r>
+                        <a:rPr lang="en-US" b="0" i="1" smtClean="0">
+                          <a:latin typeface="Cambria Math"/>
+                        </a:rPr>
+                        <m:t>𝑋</m:t>
+                      </m:r>
+                      <m:r>
+                        <a:rPr lang="en-US" b="0" i="1" smtClean="0">
+                          <a:latin typeface="Cambria Math"/>
+                        </a:rPr>
+                        <m:t>:</m:t>
+                      </m:r>
+                      <m:r>
+                        <a:rPr lang="en-US" b="0" i="1" smtClean="0">
+                          <a:latin typeface="Cambria Math"/>
+                        </a:rPr>
+                        <m:t>𝑓</m:t>
+                      </m:r>
+                      <m:d>
+                        <m:dPr>
+                          <m:ctrlPr>
+                            <a:rPr lang="en-US" b="0" i="1" smtClean="0">
+                              <a:latin typeface="Cambria Math"/>
+                            </a:rPr>
+                          </m:ctrlPr>
+                        </m:dPr>
+                        <m:e>
+                          <m:sSub>
+                            <m:sSubPr>
+                              <m:ctrlPr>
+                                <a:rPr lang="en-US" b="0" i="1" smtClean="0">
+                                  <a:latin typeface="Cambria Math"/>
+                                </a:rPr>
+                              </m:ctrlPr>
+                            </m:sSubPr>
+                            <m:e>
+                              <m:r>
+                                <a:rPr lang="en-US" b="0" i="1" smtClean="0">
+                                  <a:latin typeface="Cambria Math"/>
+                                </a:rPr>
+                                <m:t>h</m:t>
+                              </m:r>
+                            </m:e>
+                            <m:sub>
+                              <m:r>
+                                <a:rPr lang="en-US" b="0" i="1" smtClean="0">
+                                  <a:latin typeface="Cambria Math"/>
+                                </a:rPr>
+                                <m:t>1</m:t>
+                              </m:r>
+                            </m:sub>
+                          </m:sSub>
+                          <m:d>
+                            <m:dPr>
+                              <m:ctrlPr>
+                                <a:rPr lang="en-US" b="0" i="1" smtClean="0">
+                                  <a:latin typeface="Cambria Math"/>
+                                </a:rPr>
+                              </m:ctrlPr>
+                            </m:dPr>
+                            <m:e>
+                              <m:r>
+                                <a:rPr lang="en-US" b="0" i="1" smtClean="0">
+                                  <a:latin typeface="Cambria Math"/>
+                                </a:rPr>
+                                <m:t>𝑥</m:t>
+                              </m:r>
+                            </m:e>
+                          </m:d>
+                          <m:r>
+                            <a:rPr lang="en-US" b="0" i="1" smtClean="0">
+                              <a:latin typeface="Cambria Math"/>
+                            </a:rPr>
+                            <m:t>,</m:t>
+                          </m:r>
+                          <m:r>
+                            <a:rPr lang="en-US" b="0" i="1" smtClean="0">
+                              <a:latin typeface="Cambria Math"/>
+                            </a:rPr>
+                            <m:t>…</m:t>
+                          </m:r>
+                          <m:sSub>
+                            <m:sSubPr>
+                              <m:ctrlPr>
+                                <a:rPr lang="en-US" b="0" i="1" smtClean="0">
+                                  <a:latin typeface="Cambria Math"/>
+                                </a:rPr>
+                              </m:ctrlPr>
+                            </m:sSubPr>
+                            <m:e>
+                              <m:r>
+                                <a:rPr lang="en-US" b="0" i="1" smtClean="0">
+                                  <a:latin typeface="Cambria Math"/>
+                                </a:rPr>
+                                <m:t>h</m:t>
+                              </m:r>
+                            </m:e>
+                            <m:sub>
+                              <m:r>
+                                <a:rPr lang="en-US" b="1" i="1" smtClean="0">
+                                  <a:latin typeface="Cambria Math"/>
+                                </a:rPr>
+                                <m:t>𝒌</m:t>
+                              </m:r>
+                            </m:sub>
+                          </m:sSub>
+                          <m:d>
+                            <m:dPr>
+                              <m:ctrlPr>
+                                <a:rPr lang="en-US" b="0" i="1" smtClean="0">
+                                  <a:latin typeface="Cambria Math"/>
+                                </a:rPr>
+                              </m:ctrlPr>
+                            </m:dPr>
+                            <m:e>
+                              <m:r>
+                                <a:rPr lang="en-US" b="0" i="1" smtClean="0">
+                                  <a:latin typeface="Cambria Math"/>
+                                </a:rPr>
+                                <m:t>𝑥</m:t>
+                              </m:r>
+                            </m:e>
+                          </m:d>
+                        </m:e>
+                      </m:d>
+                      <m:r>
+                        <a:rPr lang="en-US" b="0" i="1" smtClean="0">
+                          <a:latin typeface="Cambria Math"/>
+                        </a:rPr>
+                        <m:t>=1</m:t>
+                      </m:r>
+                      <m:r>
+                        <a:rPr lang="en-US" b="0" i="1" smtClean="0">
+                          <a:latin typeface="Cambria Math"/>
+                        </a:rPr>
+                        <m:t>}</m:t>
+                      </m:r>
+                    </m:oMath>
+                  </m:oMathPara>
+                </a14:m>
+                <a:endParaRPr lang="en-US" dirty="0" smtClean="0"/>
+              </a:p>
+              <a:p>
+                <a:pPr/>
+                <a:r>
+                  <a:rPr lang="en-US" dirty="0" smtClean="0"/>
+                  <a:t>Ex: </a:t>
+                </a:r>
+                <a14:m>
+                  <m:oMath xmlns:m="http://schemas.openxmlformats.org/officeDocument/2006/math">
+                    <m:r>
+                      <a:rPr lang="en-US" i="1" dirty="0" smtClean="0">
+                        <a:latin typeface="Cambria Math"/>
+                      </a:rPr>
+                      <m:t>𝐻</m:t>
+                    </m:r>
+                  </m:oMath>
+                </a14:m>
+                <a:r>
+                  <a:rPr lang="en-US" dirty="0" smtClean="0"/>
+                  <a:t> = lin. separators, </a:t>
+                </a:r>
+                <a14:m>
+                  <m:oMath xmlns:m="http://schemas.openxmlformats.org/officeDocument/2006/math">
+                    <m:r>
+                      <a:rPr lang="en-US" b="0" i="1" smtClean="0">
+                        <a:latin typeface="Cambria Math"/>
+                      </a:rPr>
+                      <m:t>𝑓</m:t>
+                    </m:r>
+                    <m:r>
+                      <a:rPr lang="en-US" b="0" i="1" smtClean="0">
+                        <a:latin typeface="Cambria Math"/>
+                      </a:rPr>
+                      <m:t>=</m:t>
+                    </m:r>
+                    <m:r>
+                      <a:rPr lang="en-US" b="0" i="1" smtClean="0">
+                        <a:latin typeface="Cambria Math"/>
+                      </a:rPr>
+                      <m:t>𝐴𝑁𝐷</m:t>
+                    </m:r>
+                  </m:oMath>
+                </a14:m>
+                <a:r>
+                  <a:rPr lang="en-US" dirty="0" smtClean="0"/>
+                  <a:t> / </a:t>
+                </a:r>
+                <a14:m>
+                  <m:oMath xmlns:m="http://schemas.openxmlformats.org/officeDocument/2006/math">
+                    <m:r>
+                      <a:rPr lang="en-US" b="0" i="1" smtClean="0">
+                        <a:latin typeface="Cambria Math"/>
+                      </a:rPr>
+                      <m:t>𝑓</m:t>
+                    </m:r>
+                    <m:r>
+                      <a:rPr lang="en-US" b="0" i="1" smtClean="0">
+                        <a:latin typeface="Cambria Math"/>
+                      </a:rPr>
+                      <m:t>=</m:t>
+                    </m:r>
+                    <m:r>
+                      <a:rPr lang="en-US" b="0" i="1" smtClean="0">
+                        <a:latin typeface="Cambria Math"/>
+                      </a:rPr>
+                      <m:t>𝑀𝑎𝑗𝑜𝑟𝑖𝑡𝑦</m:t>
+                    </m:r>
+                  </m:oMath>
+                </a14:m>
+                <a:endParaRPr lang="en-US" b="0" dirty="0" smtClean="0"/>
+              </a:p>
+              <a:p>
+                <a:pPr/>
+                <a:r>
+                  <a:rPr lang="en-US" dirty="0" smtClean="0"/>
+                  <a:t>For a concept class </a:t>
+                </a:r>
+                <a14:m>
+                  <m:oMath xmlns:m="http://schemas.openxmlformats.org/officeDocument/2006/math">
+                    <m:r>
+                      <a:rPr lang="en-US" b="0" i="1" smtClean="0">
+                        <a:latin typeface="Cambria Math"/>
+                      </a:rPr>
+                      <m:t>𝐻</m:t>
+                    </m:r>
+                  </m:oMath>
+                </a14:m>
+                <a:r>
+                  <a:rPr lang="en-US" dirty="0" smtClean="0"/>
+                  <a:t> + a Boolean function </a:t>
+                </a:r>
+                <a14:m>
+                  <m:oMath xmlns:m="http://schemas.openxmlformats.org/officeDocument/2006/math">
+                    <m:r>
+                      <a:rPr lang="en-US" i="1" dirty="0" smtClean="0">
+                        <a:latin typeface="Cambria Math"/>
+                      </a:rPr>
+                      <m:t>𝑓</m:t>
+                    </m:r>
+                  </m:oMath>
+                </a14:m>
+                <a:r>
+                  <a:rPr lang="en-US" dirty="0" smtClean="0"/>
+                  <a:t>:</a:t>
+                </a:r>
+              </a:p>
+              <a:p>
+                <a:pPr marL="0" indent="0">
+                  <a:buNone/>
+                </a:pPr>
+                <a14:m>
+                  <m:oMathPara xmlns:m="http://schemas.openxmlformats.org/officeDocument/2006/math">
+                    <m:oMathParaPr>
+                      <m:jc m:val="center"/>
+                    </m:oMathParaPr>
+                    <m:oMath xmlns:m="http://schemas.openxmlformats.org/officeDocument/2006/math">
+                      <m:r>
+                        <a:rPr lang="en-US" b="0" i="1" smtClean="0">
+                          <a:latin typeface="Cambria Math"/>
+                        </a:rPr>
+                        <m:t>𝐶𝑂𝑀</m:t>
+                      </m:r>
+                      <m:sSub>
+                        <m:sSubPr>
+                          <m:ctrlPr>
+                            <a:rPr lang="en-US" b="0" i="1" smtClean="0">
+                              <a:latin typeface="Cambria Math"/>
+                            </a:rPr>
+                          </m:ctrlPr>
+                        </m:sSubPr>
+                        <m:e>
+                          <m:r>
+                            <a:rPr lang="en-US" b="0" i="1" smtClean="0">
+                              <a:latin typeface="Cambria Math"/>
+                            </a:rPr>
+                            <m:t>𝐵</m:t>
+                          </m:r>
+                        </m:e>
+                        <m:sub>
+                          <m:r>
+                            <a:rPr lang="en-US" b="0" i="1" smtClean="0">
+                              <a:latin typeface="Cambria Math"/>
+                            </a:rPr>
+                            <m:t>𝑓</m:t>
+                          </m:r>
+                          <m:r>
+                            <a:rPr lang="en-US" b="0" i="1" smtClean="0">
+                              <a:latin typeface="Cambria Math"/>
+                            </a:rPr>
+                            <m:t>,</m:t>
+                          </m:r>
+                          <m:r>
+                            <a:rPr lang="en-US" b="1" i="1" smtClean="0">
+                              <a:latin typeface="Cambria Math"/>
+                            </a:rPr>
+                            <m:t>𝒌</m:t>
+                          </m:r>
+                        </m:sub>
+                      </m:sSub>
+                      <m:d>
+                        <m:dPr>
+                          <m:ctrlPr>
+                            <a:rPr lang="en-US" b="0" i="1" smtClean="0">
+                              <a:latin typeface="Cambria Math"/>
+                            </a:rPr>
+                          </m:ctrlPr>
+                        </m:dPr>
+                        <m:e>
+                          <m:r>
+                            <a:rPr lang="en-US" b="0" i="1" smtClean="0">
+                              <a:latin typeface="Cambria Math"/>
+                            </a:rPr>
+                            <m:t>𝐻</m:t>
+                          </m:r>
+                        </m:e>
+                      </m:d>
+                      <m:r>
+                        <a:rPr lang="en-US" b="0" i="1" smtClean="0">
+                          <a:latin typeface="Cambria Math"/>
+                        </a:rPr>
+                        <m:t>={</m:t>
+                      </m:r>
+                      <m:r>
+                        <a:rPr lang="en-US" b="0" i="1" smtClean="0">
+                          <a:latin typeface="Cambria Math"/>
+                        </a:rPr>
+                        <m:t>𝑐𝑜𝑚</m:t>
+                      </m:r>
+                      <m:sSub>
+                        <m:sSubPr>
+                          <m:ctrlPr>
+                            <a:rPr lang="en-US" b="0" i="1" smtClean="0">
+                              <a:latin typeface="Cambria Math"/>
+                            </a:rPr>
+                          </m:ctrlPr>
+                        </m:sSubPr>
+                        <m:e>
+                          <m:r>
+                            <a:rPr lang="en-US" b="0" i="1" smtClean="0">
+                              <a:latin typeface="Cambria Math"/>
+                            </a:rPr>
+                            <m:t>𝑏</m:t>
+                          </m:r>
+                        </m:e>
+                        <m:sub>
+                          <m:r>
+                            <a:rPr lang="en-US" b="0" i="1" smtClean="0">
+                              <a:latin typeface="Cambria Math"/>
+                            </a:rPr>
+                            <m:t>𝑓</m:t>
+                          </m:r>
+                        </m:sub>
+                      </m:sSub>
+                      <m:d>
+                        <m:dPr>
+                          <m:ctrlPr>
+                            <a:rPr lang="en-US" b="0" i="1" smtClean="0">
+                              <a:latin typeface="Cambria Math"/>
+                            </a:rPr>
+                          </m:ctrlPr>
+                        </m:dPr>
+                        <m:e>
+                          <m:sSub>
+                            <m:sSubPr>
+                              <m:ctrlPr>
+                                <a:rPr lang="en-US" b="0" i="1" smtClean="0">
+                                  <a:latin typeface="Cambria Math"/>
+                                </a:rPr>
+                              </m:ctrlPr>
+                            </m:sSubPr>
+                            <m:e>
+                              <m:r>
+                                <a:rPr lang="en-US" b="0" i="1" smtClean="0">
+                                  <a:latin typeface="Cambria Math"/>
+                                </a:rPr>
+                                <m:t>h</m:t>
+                              </m:r>
+                            </m:e>
+                            <m:sub>
+                              <m:r>
+                                <a:rPr lang="en-US" b="0" i="1" smtClean="0">
+                                  <a:latin typeface="Cambria Math"/>
+                                </a:rPr>
+                                <m:t>1</m:t>
+                              </m:r>
+                            </m:sub>
+                          </m:sSub>
+                          <m:r>
+                            <a:rPr lang="en-US" b="0" i="1" smtClean="0">
+                              <a:latin typeface="Cambria Math"/>
+                            </a:rPr>
+                            <m:t>,… </m:t>
+                          </m:r>
+                          <m:sSub>
+                            <m:sSubPr>
+                              <m:ctrlPr>
+                                <a:rPr lang="en-US" b="0" i="1" smtClean="0">
+                                  <a:latin typeface="Cambria Math"/>
+                                </a:rPr>
+                              </m:ctrlPr>
+                            </m:sSubPr>
+                            <m:e>
+                              <m:r>
+                                <a:rPr lang="en-US" b="0" i="1" smtClean="0">
+                                  <a:latin typeface="Cambria Math"/>
+                                </a:rPr>
+                                <m:t>h</m:t>
+                              </m:r>
+                            </m:e>
+                            <m:sub>
+                              <m:r>
+                                <a:rPr lang="en-US" b="1" i="1" smtClean="0">
+                                  <a:latin typeface="Cambria Math"/>
+                                </a:rPr>
+                                <m:t>𝒌</m:t>
+                              </m:r>
+                            </m:sub>
+                          </m:sSub>
+                        </m:e>
+                      </m:d>
+                      <m:r>
+                        <a:rPr lang="en-US" b="0" i="1" smtClean="0">
+                          <a:latin typeface="Cambria Math"/>
+                        </a:rPr>
+                        <m:t>:</m:t>
+                      </m:r>
+                      <m:sSub>
+                        <m:sSubPr>
+                          <m:ctrlPr>
+                            <a:rPr lang="en-US" b="0" i="1" smtClean="0">
+                              <a:latin typeface="Cambria Math"/>
+                            </a:rPr>
+                          </m:ctrlPr>
+                        </m:sSubPr>
+                        <m:e>
+                          <m:r>
+                            <a:rPr lang="en-US" b="0" i="1" smtClean="0">
+                              <a:latin typeface="Cambria Math"/>
+                            </a:rPr>
+                            <m:t>h</m:t>
+                          </m:r>
+                        </m:e>
+                        <m:sub>
+                          <m:r>
+                            <a:rPr lang="en-US" b="0" i="1" smtClean="0">
+                              <a:latin typeface="Cambria Math"/>
+                            </a:rPr>
+                            <m:t>𝑖</m:t>
+                          </m:r>
+                        </m:sub>
+                      </m:sSub>
+                      <m:r>
+                        <a:rPr lang="en-US" b="0" i="1" smtClean="0">
+                          <a:latin typeface="Cambria Math"/>
+                        </a:rPr>
+                        <m:t>∈</m:t>
+                      </m:r>
+                      <m:r>
+                        <a:rPr lang="en-US" b="0" i="1" smtClean="0">
+                          <a:latin typeface="Cambria Math"/>
+                        </a:rPr>
+                        <m:t>𝐻</m:t>
+                      </m:r>
+                      <m:r>
+                        <a:rPr lang="en-US" b="0" i="1" smtClean="0">
+                          <a:latin typeface="Cambria Math"/>
+                        </a:rPr>
+                        <m:t>}</m:t>
+                      </m:r>
+                    </m:oMath>
+                  </m:oMathPara>
+                </a14:m>
+                <a:endParaRPr lang="en-US" dirty="0" smtClean="0"/>
+              </a:p>
+              <a:p>
+                <a:pPr/>
+                <a:r>
+                  <a:rPr lang="en-US" b="1" dirty="0" err="1" smtClean="0"/>
+                  <a:t>Lem</a:t>
+                </a:r>
+                <a:r>
+                  <a:rPr lang="en-US" dirty="0" smtClean="0"/>
+                  <a:t>. If </a:t>
+                </a:r>
+                <a14:m>
+                  <m:oMath xmlns:m="http://schemas.openxmlformats.org/officeDocument/2006/math">
+                    <m:r>
+                      <a:rPr lang="en-US" b="0" i="1" smtClean="0">
+                        <a:latin typeface="Cambria Math"/>
+                      </a:rPr>
+                      <m:t>𝑉𝐶</m:t>
+                    </m:r>
+                  </m:oMath>
+                </a14:m>
+                <a:r>
+                  <a:rPr lang="en-US" dirty="0" smtClean="0"/>
+                  <a:t>-dim(</a:t>
+                </a:r>
+                <a14:m>
+                  <m:oMath xmlns:m="http://schemas.openxmlformats.org/officeDocument/2006/math">
+                    <m:r>
+                      <a:rPr lang="en-US" b="0" i="1" smtClean="0">
+                        <a:latin typeface="Cambria Math"/>
+                      </a:rPr>
+                      <m:t>𝐻</m:t>
+                    </m:r>
+                  </m:oMath>
+                </a14:m>
+                <a:r>
+                  <a:rPr lang="en-US" dirty="0" smtClean="0"/>
+                  <a:t>)</a:t>
+                </a:r>
+                <a14:m>
+                  <m:oMath xmlns:m="http://schemas.openxmlformats.org/officeDocument/2006/math">
+                    <m:r>
+                      <a:rPr lang="en-US" b="0" i="1" dirty="0" smtClean="0">
+                        <a:latin typeface="Cambria Math"/>
+                      </a:rPr>
+                      <m:t>=</m:t>
+                    </m:r>
+                    <m:r>
+                      <a:rPr lang="en-US" b="1" i="1" dirty="0" smtClean="0">
+                        <a:solidFill>
+                          <a:srgbClr val="0070C0"/>
+                        </a:solidFill>
+                        <a:latin typeface="Cambria Math"/>
+                      </a:rPr>
+                      <m:t>𝒅</m:t>
+                    </m:r>
+                  </m:oMath>
+                </a14:m>
+                <a:r>
+                  <a:rPr lang="en-US" dirty="0" smtClean="0"/>
+                  <a:t> then for any </a:t>
+                </a:r>
+                <a14:m>
+                  <m:oMath xmlns:m="http://schemas.openxmlformats.org/officeDocument/2006/math">
+                    <m:r>
+                      <a:rPr lang="en-US" i="1" dirty="0" smtClean="0">
+                        <a:latin typeface="Cambria Math"/>
+                      </a:rPr>
+                      <m:t>𝑓</m:t>
+                    </m:r>
+                    <m:r>
+                      <a:rPr lang="en-US" b="0" i="1" dirty="0" smtClean="0">
+                        <a:latin typeface="Cambria Math"/>
+                      </a:rPr>
+                      <m:t>:</m:t>
+                    </m:r>
+                  </m:oMath>
+                </a14:m>
+                <a:endParaRPr lang="en-US" dirty="0" smtClean="0"/>
+              </a:p>
+              <a:p>
+                <a:pPr marL="0" indent="0" algn="ctr">
+                  <a:buNone/>
+                </a:pPr>
+                <a14:m>
+                  <m:oMath xmlns:m="http://schemas.openxmlformats.org/officeDocument/2006/math">
+                    <m:r>
+                      <a:rPr lang="en-US" b="0" i="1" smtClean="0">
+                        <a:latin typeface="Cambria Math"/>
+                      </a:rPr>
+                      <m:t>𝑉𝐶</m:t>
+                    </m:r>
+                  </m:oMath>
+                </a14:m>
+                <a:r>
+                  <a:rPr lang="en-US" b="0" dirty="0" smtClean="0"/>
+                  <a:t>-dim</a:t>
+                </a:r>
+                <a14:m>
+                  <m:oMath xmlns:m="http://schemas.openxmlformats.org/officeDocument/2006/math">
+                    <m:d>
+                      <m:dPr>
+                        <m:ctrlPr>
+                          <a:rPr lang="en-US" b="0" i="0" smtClean="0">
+                            <a:latin typeface="Cambria Math"/>
+                          </a:rPr>
+                        </m:ctrlPr>
+                      </m:dPr>
+                      <m:e>
+                        <m:r>
+                          <a:rPr lang="en-US" b="0" i="1" smtClean="0">
+                            <a:latin typeface="Cambria Math"/>
+                          </a:rPr>
+                          <m:t>𝐶𝑂𝑀</m:t>
+                        </m:r>
+                        <m:sSub>
+                          <m:sSubPr>
+                            <m:ctrlPr>
+                              <a:rPr lang="en-US" b="0" i="1" smtClean="0">
+                                <a:latin typeface="Cambria Math"/>
+                              </a:rPr>
+                            </m:ctrlPr>
+                          </m:sSubPr>
+                          <m:e>
+                            <m:r>
+                              <a:rPr lang="en-US" b="0" i="1" smtClean="0">
+                                <a:latin typeface="Cambria Math"/>
+                              </a:rPr>
+                              <m:t>𝐵</m:t>
+                            </m:r>
+                          </m:e>
+                          <m:sub>
+                            <m:r>
+                              <a:rPr lang="en-US" b="0" i="1" smtClean="0">
+                                <a:latin typeface="Cambria Math"/>
+                              </a:rPr>
+                              <m:t>𝑓</m:t>
+                            </m:r>
+                            <m:r>
+                              <a:rPr lang="en-US" b="0" i="1" smtClean="0">
+                                <a:latin typeface="Cambria Math"/>
+                              </a:rPr>
+                              <m:t>,</m:t>
+                            </m:r>
+                            <m:r>
+                              <a:rPr lang="en-US" b="1" i="1" smtClean="0">
+                                <a:latin typeface="Cambria Math"/>
+                              </a:rPr>
+                              <m:t>𝒌</m:t>
+                            </m:r>
+                          </m:sub>
+                        </m:sSub>
+                        <m:d>
+                          <m:dPr>
+                            <m:ctrlPr>
+                              <a:rPr lang="en-US" b="0" i="1" smtClean="0">
+                                <a:latin typeface="Cambria Math"/>
+                              </a:rPr>
+                            </m:ctrlPr>
+                          </m:dPr>
+                          <m:e>
+                            <m:r>
+                              <a:rPr lang="en-US" b="0" i="1" smtClean="0">
+                                <a:latin typeface="Cambria Math"/>
+                              </a:rPr>
+                              <m:t>𝐻</m:t>
+                            </m:r>
+                          </m:e>
+                        </m:d>
+                      </m:e>
+                    </m:d>
+                    <m:r>
+                      <a:rPr lang="en-US" b="0" i="1" smtClean="0">
+                        <a:latin typeface="Cambria Math"/>
+                      </a:rPr>
+                      <m:t>≤</m:t>
+                    </m:r>
+                    <m:r>
+                      <a:rPr lang="en-US" b="0" i="1" smtClean="0">
+                        <a:latin typeface="Cambria Math"/>
+                      </a:rPr>
+                      <m:t>𝑂</m:t>
+                    </m:r>
+                    <m:r>
+                      <a:rPr lang="en-US" b="0" i="1" smtClean="0">
+                        <a:latin typeface="Cambria Math"/>
+                      </a:rPr>
+                      <m:t>(</m:t>
+                    </m:r>
+                    <m:r>
+                      <a:rPr lang="en-US" b="1" i="1" smtClean="0">
+                        <a:latin typeface="Cambria Math"/>
+                      </a:rPr>
+                      <m:t>𝒌</m:t>
+                    </m:r>
+                    <m:r>
+                      <a:rPr lang="en-US" b="1" i="1" smtClean="0">
+                        <a:solidFill>
+                          <a:srgbClr val="0070C0"/>
+                        </a:solidFill>
+                        <a:latin typeface="Cambria Math"/>
+                      </a:rPr>
+                      <m:t>𝒅</m:t>
+                    </m:r>
+                    <m:r>
+                      <a:rPr lang="en-US" b="0" i="1" smtClean="0">
+                        <a:latin typeface="Cambria Math"/>
+                      </a:rPr>
+                      <m:t> </m:t>
+                    </m:r>
+                    <m:r>
+                      <m:rPr>
+                        <m:sty m:val="p"/>
+                      </m:rPr>
+                      <a:rPr lang="en-US" b="0" i="1" smtClean="0">
+                        <a:latin typeface="Cambria Math"/>
+                      </a:rPr>
+                      <m:t>log</m:t>
+                    </m:r>
+                    <m:r>
+                      <a:rPr lang="en-US" b="0" i="1" smtClean="0">
+                        <a:latin typeface="Cambria Math"/>
+                      </a:rPr>
+                      <m:t>(</m:t>
+                    </m:r>
+                    <m:r>
+                      <a:rPr lang="en-US" b="1" i="1" smtClean="0">
+                        <a:latin typeface="Cambria Math"/>
+                      </a:rPr>
+                      <m:t>𝒌</m:t>
+                    </m:r>
+                    <m:r>
+                      <a:rPr lang="en-US" b="1" i="1" smtClean="0">
+                        <a:solidFill>
+                          <a:srgbClr val="0070C0"/>
+                        </a:solidFill>
+                        <a:latin typeface="Cambria Math"/>
+                      </a:rPr>
+                      <m:t>𝒅</m:t>
+                    </m:r>
+                    <m:r>
+                      <a:rPr lang="en-US" b="0" i="1" smtClean="0">
+                        <a:latin typeface="Cambria Math"/>
+                      </a:rPr>
+                      <m:t>))</m:t>
+                    </m:r>
+                  </m:oMath>
+                </a14:m>
+                <a:endParaRPr lang="en-US" dirty="0" smtClean="0"/>
+              </a:p>
+              <a:p>
+                <a:pPr marL="0" indent="0">
+                  <a:buNone/>
+                </a:pPr>
+                <a:endParaRPr lang="en-US" dirty="0" smtClean="0"/>
+              </a:p>
+              <a:p>
+                <a:pPr marL="0" indent="0">
+                  <a:buNone/>
+                </a:pPr>
+                <a:endParaRPr lang="en-US" dirty="0" smtClean="0"/>
+              </a:p>
+              <a:p>
+                <a:pPr marL="0" indent="0">
+                  <a:buNone/>
+                </a:pPr>
+                <a:endParaRPr lang="en-US" dirty="0" smtClean="0"/>
+              </a:p>
+              <a:p>
+                <a:pPr/>
+                <a:endParaRPr lang="en-US" dirty="0" smtClean="0"/>
+              </a:p>
+              <a:p>
+                <a:pPr/>
+                <a:endParaRPr lang="en-US" dirty="0" smtClean="0"/>
+              </a:p>
+            </p:txBody>
+          </p:sp>
+        </mc:Choice>
+        <mc:Fallback>
+          <p:sp>
+            <p:nvSpPr>
+              <p:cNvPr id="3" name="Content Placeholder 2"/>
+              <p:cNvSpPr>
+                <a:spLocks noGrp="1" noRot="1" noChangeAspect="1" noMove="1" noResize="1" noEditPoints="1" noAdjustHandles="1" noChangeArrowheads="1" noChangeShapeType="1" noTextEdit="1"/>
+              </p:cNvSpPr>
+              <p:nvPr>
+                <p:ph idx="1"/>
+              </p:nvPr>
+            </p:nvSpPr>
+            <p:spPr>
+              <a:xfrm>
+                <a:off x="228600" y="1524000"/>
+                <a:ext cx="8915400" cy="5486400"/>
+              </a:xfrm>
+              <a:blipFill rotWithShape="1">
+                <a:blip r:embed="rId2"/>
+                <a:stretch>
+                  <a:fillRect l="-1573" t="-1333"/>
+                </a:stretch>
+              </a:blipFill>
+            </p:spPr>
+            <p:txBody>
+              <a:bodyPr/>
+              <a:lstStyle/>
+              <a:p>
+                <a:r>
+                  <a:rPr lang="en-US">
+                    <a:noFill/>
+                  </a:rPr>
+                  <a:t> </a:t>
+                </a:r>
+              </a:p>
+            </p:txBody>
+          </p:sp>
+        </mc:Fallback>
+      </mc:AlternateContent>
+    </p:spTree>
+    <p:extLst>
+      <p:ext uri="{BB962C8B-B14F-4D97-AF65-F5344CB8AC3E}">
+        <p14:creationId xmlns:p14="http://schemas.microsoft.com/office/powerpoint/2010/main" val="2223503437"/>
+      </p:ext>
+    </p:extLst>
+  </p:cSld>
+  <p:clrMapOvr>
+    <a:masterClrMapping/>
+  </p:clrMapOvr>
+  <p:timing>
+    <p:tnLst>
+      <p:par>
+        <p:cTn id="1" dur="indefinite" restart="never" nodeType="tmRoot">
+          <p:childTnLst>
+            <p:seq concurrent="1" nextAc="seek">
+              <p:cTn id="2" dur="indefinite" nodeType="mainSeq">
+                <p:childTnLst>
+                  <p:par>
+                    <p:cTn id="3" fill="hold">
+                      <p:stCondLst>
+                        <p:cond delay="indefinite"/>
+                      </p:stCondLst>
+                      <p:childTnLst>
+                        <p:par>
+                          <p:cTn id="4" fill="hold">
+                            <p:stCondLst>
+                              <p:cond delay="0"/>
+                            </p:stCondLst>
+                            <p:childTnLst>
+                              <p:par>
+                                <p:cTn id="5" presetID="1" presetClass="entr" presetSubtype="0" fill="hold" grpId="0" nodeType="clickEffect">
+                                  <p:stCondLst>
+                                    <p:cond delay="0"/>
+                                  </p:stCondLst>
+                                  <p:childTnLst>
+                                    <p:set>
+                                      <p:cBhvr>
+                                        <p:cTn id="6" dur="1" fill="hold">
+                                          <p:stCondLst>
+                                            <p:cond delay="0"/>
+                                          </p:stCondLst>
+                                        </p:cTn>
+                                        <p:tgtEl>
+                                          <p:spTgt spid="3">
+                                            <p:txEl>
+                                              <p:pRg st="0" end="0"/>
+                                            </p:txEl>
+                                          </p:spTgt>
+                                        </p:tgtEl>
+                                        <p:attrNameLst>
+                                          <p:attrName>style.visibility</p:attrName>
+                                        </p:attrNameLst>
+                                      </p:cBhvr>
+                                      <p:to>
+                                        <p:strVal val="visible"/>
+                                      </p:to>
+                                    </p:set>
+                                  </p:childTnLst>
+                                </p:cTn>
+                              </p:par>
+                              <p:par>
+                                <p:cTn id="7" presetID="1" presetClass="entr" presetSubtype="0" fill="hold" grpId="0" nodeType="withEffect">
+                                  <p:stCondLst>
+                                    <p:cond delay="0"/>
+                                  </p:stCondLst>
+                                  <p:childTnLst>
+                                    <p:set>
+                                      <p:cBhvr>
+                                        <p:cTn id="8" dur="1" fill="hold">
+                                          <p:stCondLst>
+                                            <p:cond delay="0"/>
+                                          </p:stCondLst>
+                                        </p:cTn>
+                                        <p:tgtEl>
+                                          <p:spTgt spid="3">
+                                            <p:txEl>
+                                              <p:pRg st="1" end="1"/>
+                                            </p:txEl>
+                                          </p:spTgt>
+                                        </p:tgtEl>
+                                        <p:attrNameLst>
+                                          <p:attrName>style.visibility</p:attrName>
+                                        </p:attrNameLst>
+                                      </p:cBhvr>
+                                      <p:to>
+                                        <p:strVal val="visible"/>
+                                      </p:to>
+                                    </p:set>
+                                  </p:childTnLst>
+                                </p:cTn>
+                              </p:par>
+                            </p:childTnLst>
+                          </p:cTn>
+                        </p:par>
+                      </p:childTnLst>
+                    </p:cTn>
+                  </p:par>
+                  <p:par>
+                    <p:cTn id="9" fill="hold">
+                      <p:stCondLst>
+                        <p:cond delay="indefinite"/>
+                      </p:stCondLst>
+                      <p:childTnLst>
+                        <p:par>
+                          <p:cTn id="10" fill="hold">
+                            <p:stCondLst>
+                              <p:cond delay="0"/>
+                            </p:stCondLst>
+                            <p:childTnLst>
+                              <p:par>
+                                <p:cTn id="11" presetID="1" presetClass="entr" presetSubtype="0" fill="hold" grpId="0" nodeType="clickEffect">
+                                  <p:stCondLst>
+                                    <p:cond delay="0"/>
+                                  </p:stCondLst>
+                                  <p:childTnLst>
+                                    <p:set>
+                                      <p:cBhvr>
+                                        <p:cTn id="12" dur="1" fill="hold">
+                                          <p:stCondLst>
+                                            <p:cond delay="0"/>
+                                          </p:stCondLst>
+                                        </p:cTn>
+                                        <p:tgtEl>
+                                          <p:spTgt spid="3">
+                                            <p:txEl>
+                                              <p:pRg st="2" end="2"/>
+                                            </p:txEl>
+                                          </p:spTgt>
+                                        </p:tgtEl>
+                                        <p:attrNameLst>
+                                          <p:attrName>style.visibility</p:attrName>
+                                        </p:attrNameLst>
+                                      </p:cBhvr>
+                                      <p:to>
+                                        <p:strVal val="visible"/>
+                                      </p:to>
+                                    </p:set>
+                                  </p:childTnLst>
+                                </p:cTn>
+                              </p:par>
+                            </p:childTnLst>
+                          </p:cTn>
+                        </p:par>
+                      </p:childTnLst>
+                    </p:cTn>
+                  </p:par>
+                  <p:par>
+                    <p:cTn id="13" fill="hold">
+                      <p:stCondLst>
+                        <p:cond delay="indefinite"/>
+                      </p:stCondLst>
+                      <p:childTnLst>
+                        <p:par>
+                          <p:cTn id="14" fill="hold">
+                            <p:stCondLst>
+                              <p:cond delay="0"/>
+                            </p:stCondLst>
+                            <p:childTnLst>
+                              <p:par>
+                                <p:cTn id="15" presetID="1" presetClass="entr" presetSubtype="0" fill="hold" grpId="0" nodeType="clickEffect">
+                                  <p:stCondLst>
+                                    <p:cond delay="0"/>
+                                  </p:stCondLst>
+                                  <p:childTnLst>
+                                    <p:set>
+                                      <p:cBhvr>
+                                        <p:cTn id="16" dur="1" fill="hold">
+                                          <p:stCondLst>
+                                            <p:cond delay="0"/>
+                                          </p:stCondLst>
+                                        </p:cTn>
+                                        <p:tgtEl>
+                                          <p:spTgt spid="3">
+                                            <p:txEl>
+                                              <p:pRg st="3" end="3"/>
+                                            </p:txEl>
+                                          </p:spTgt>
+                                        </p:tgtEl>
+                                        <p:attrNameLst>
+                                          <p:attrName>style.visibility</p:attrName>
+                                        </p:attrNameLst>
+                                      </p:cBhvr>
+                                      <p:to>
+                                        <p:strVal val="visible"/>
+                                      </p:to>
+                                    </p:set>
+                                  </p:childTnLst>
+                                </p:cTn>
+                              </p:par>
+                              <p:par>
+                                <p:cTn id="17" presetID="1" presetClass="entr" presetSubtype="0" fill="hold" grpId="0" nodeType="withEffect">
+                                  <p:stCondLst>
+                                    <p:cond delay="0"/>
+                                  </p:stCondLst>
+                                  <p:childTnLst>
+                                    <p:set>
+                                      <p:cBhvr>
+                                        <p:cTn id="18" dur="1" fill="hold">
+                                          <p:stCondLst>
+                                            <p:cond delay="0"/>
+                                          </p:stCondLst>
+                                        </p:cTn>
+                                        <p:tgtEl>
+                                          <p:spTgt spid="3">
+                                            <p:txEl>
+                                              <p:pRg st="4" end="4"/>
+                                            </p:txEl>
+                                          </p:spTgt>
+                                        </p:tgtEl>
+                                        <p:attrNameLst>
+                                          <p:attrName>style.visibility</p:attrName>
+                                        </p:attrNameLst>
+                                      </p:cBhvr>
+                                      <p:to>
+                                        <p:strVal val="visible"/>
+                                      </p:to>
+                                    </p:set>
+                                  </p:childTnLst>
+                                </p:cTn>
+                              </p:par>
+                            </p:childTnLst>
+                          </p:cTn>
+                        </p:par>
+                      </p:childTnLst>
+                    </p:cTn>
+                  </p:par>
+                  <p:par>
+                    <p:cTn id="19" fill="hold">
+                      <p:stCondLst>
+                        <p:cond delay="indefinite"/>
+                      </p:stCondLst>
+                      <p:childTnLst>
+                        <p:par>
+                          <p:cTn id="20" fill="hold">
+                            <p:stCondLst>
+                              <p:cond delay="0"/>
+                            </p:stCondLst>
+                            <p:childTnLst>
+                              <p:par>
+                                <p:cTn id="21" presetID="1" presetClass="entr" presetSubtype="0" fill="hold" grpId="0" nodeType="clickEffect">
+                                  <p:stCondLst>
+                                    <p:cond delay="0"/>
+                                  </p:stCondLst>
+                                  <p:childTnLst>
+                                    <p:set>
+                                      <p:cBhvr>
+                                        <p:cTn id="22" dur="1" fill="hold">
+                                          <p:stCondLst>
+                                            <p:cond delay="0"/>
+                                          </p:stCondLst>
+                                        </p:cTn>
+                                        <p:tgtEl>
+                                          <p:spTgt spid="3">
+                                            <p:txEl>
+                                              <p:pRg st="5" end="5"/>
+                                            </p:txEl>
+                                          </p:spTgt>
+                                        </p:tgtEl>
+                                        <p:attrNameLst>
+                                          <p:attrName>style.visibility</p:attrName>
+                                        </p:attrNameLst>
+                                      </p:cBhvr>
+                                      <p:to>
+                                        <p:strVal val="visible"/>
+                                      </p:to>
+                                    </p:set>
+                                  </p:childTnLst>
+                                </p:cTn>
+                              </p:par>
+                              <p:par>
+                                <p:cTn id="23" presetID="1" presetClass="entr" presetSubtype="0" fill="hold" grpId="0" nodeType="withEffect">
+                                  <p:stCondLst>
+                                    <p:cond delay="0"/>
+                                  </p:stCondLst>
+                                  <p:childTnLst>
+                                    <p:set>
+                                      <p:cBhvr>
+                                        <p:cTn id="24" dur="1" fill="hold">
+                                          <p:stCondLst>
+                                            <p:cond delay="0"/>
+                                          </p:stCondLst>
+                                        </p:cTn>
+                                        <p:tgtEl>
+                                          <p:spTgt spid="3">
+                                            <p:txEl>
+                                              <p:pRg st="6" end="6"/>
+                                            </p:txEl>
+                                          </p:spTgt>
+                                        </p:tgtEl>
+                                        <p:attrNameLst>
+                                          <p:attrName>style.visibility</p:attrName>
+                                        </p:attrNameLst>
+                                      </p:cBhvr>
+                                      <p:to>
+                                        <p:strVal val="visible"/>
+                                      </p:to>
+                                    </p:set>
+                                  </p:childTnLst>
+                                </p:cTn>
+                              </p:par>
+                            </p:childTnLst>
+                          </p:cTn>
+                        </p:par>
+                      </p:childTnLst>
+                    </p:cTn>
+                  </p:par>
+                </p:childTnLst>
+              </p:cTn>
+              <p:prevCondLst>
+                <p:cond evt="onPrev" delay="0">
+                  <p:tgtEl>
+                    <p:sldTgt/>
+                  </p:tgtEl>
+                </p:cond>
+              </p:prevCondLst>
+              <p:nextCondLst>
+                <p:cond evt="onNext" delay="0">
+                  <p:tgtEl>
+                    <p:sldTgt/>
+                  </p:tgtEl>
+                </p:cond>
+              </p:nextCondLst>
+            </p:seq>
+          </p:childTnLst>
+        </p:cTn>
+      </p:par>
+    </p:tnLst>
+    <p:bldLst>
+      <p:bldP spid="3" grpId="0" uiExpand="1" build="p"/>
+    </p:bldLst>
+  </p:timing>
+</p:sld>
+</file>
+
+<file path=ppt/slides/slide13.xml><?xml version="1.0" encoding="utf-8"?>
+<p:sld xmlns:a="http://schemas.openxmlformats.org/drawingml/2006/main" xmlns:r="http://schemas.openxmlformats.org/officeDocument/2006/relationships" xmlns:p="http://schemas.openxmlformats.org/presentationml/2006/main">
+  <p:cSld>
+    <p:spTree>
+      <p:nvGrpSpPr>
+        <p:cNvPr id="1" name=""/>
+        <p:cNvGrpSpPr/>
+        <p:nvPr/>
+      </p:nvGrpSpPr>
+      <p:grpSpPr>
+        <a:xfrm>
+          <a:off x="0" y="0"/>
+          <a:ext cx="0" cy="0"/>
+          <a:chOff x="0" y="0"/>
+          <a:chExt cx="0" cy="0"/>
+        </a:xfrm>
+      </p:grpSpPr>
+      <p:sp>
+        <p:nvSpPr>
+          <p:cNvPr id="2" name="Title 1"/>
+          <p:cNvSpPr>
+            <a:spLocks noGrp="1"/>
+          </p:cNvSpPr>
+          <p:nvPr>
+            <p:ph type="title"/>
+          </p:nvPr>
+        </p:nvSpPr>
+        <p:spPr/>
+        <p:txBody>
+          <a:bodyPr>
+            <a:normAutofit fontScale="90000"/>
+          </a:bodyPr>
+          <a:lstStyle/>
+          <a:p>
+            <a:r>
+              <a:rPr lang="en-US" dirty="0" smtClean="0">
+                <a:solidFill>
+                  <a:srgbClr val="0070C0"/>
+                </a:solidFill>
+              </a:rPr>
+              <a:t>VC-dim of combinations of concepts</a:t>
+            </a:r>
+            <a:endParaRPr lang="en-US" dirty="0"/>
+          </a:p>
+        </p:txBody>
+      </p:sp>
+      <mc:AlternateContent xmlns:mc="http://schemas.openxmlformats.org/markup-compatibility/2006">
+        <mc:Choice xmlns:a14="http://schemas.microsoft.com/office/drawing/2010/main" Requires="a14">
+          <p:sp>
+            <p:nvSpPr>
+              <p:cNvPr id="3" name="Content Placeholder 2"/>
+              <p:cNvSpPr>
+                <a:spLocks noGrp="1"/>
+              </p:cNvSpPr>
+              <p:nvPr>
+                <p:ph idx="1"/>
+              </p:nvPr>
+            </p:nvSpPr>
+            <p:spPr>
+              <a:xfrm>
+                <a:off x="457200" y="1600200"/>
+                <a:ext cx="8686800" cy="5257800"/>
+              </a:xfrm>
+            </p:spPr>
+            <p:txBody>
+              <a:bodyPr>
+                <a:normAutofit lnSpcReduction="10000"/>
+              </a:bodyPr>
+              <a:lstStyle/>
+              <a:p>
+                <a:r>
+                  <a:rPr lang="en-US" b="1" dirty="0" smtClean="0"/>
+                  <a:t>Lem</a:t>
+                </a:r>
+                <a:r>
+                  <a:rPr lang="en-US" dirty="0" smtClean="0"/>
+                  <a:t>. If </a:t>
+                </a:r>
+                <a14:m>
+                  <m:oMath xmlns:m="http://schemas.openxmlformats.org/officeDocument/2006/math">
+                    <m:r>
+                      <a:rPr lang="en-US" b="0" i="1" smtClean="0">
+                        <a:latin typeface="Cambria Math"/>
+                      </a:rPr>
+                      <m:t>𝑉𝐶</m:t>
+                    </m:r>
+                  </m:oMath>
+                </a14:m>
+                <a:r>
+                  <a:rPr lang="en-US" dirty="0" smtClean="0"/>
+                  <a:t>-dim(</a:t>
+                </a:r>
+                <a14:m>
+                  <m:oMath xmlns:m="http://schemas.openxmlformats.org/officeDocument/2006/math">
+                    <m:r>
+                      <a:rPr lang="en-US" b="0" i="1" smtClean="0">
+                        <a:latin typeface="Cambria Math"/>
+                      </a:rPr>
+                      <m:t>𝐻</m:t>
+                    </m:r>
+                  </m:oMath>
+                </a14:m>
+                <a:r>
+                  <a:rPr lang="en-US" dirty="0" smtClean="0"/>
+                  <a:t>)</a:t>
+                </a:r>
+                <a14:m>
+                  <m:oMath xmlns:m="http://schemas.openxmlformats.org/officeDocument/2006/math">
+                    <m:r>
+                      <a:rPr lang="en-US" b="0" i="1" dirty="0" smtClean="0">
+                        <a:latin typeface="Cambria Math"/>
+                      </a:rPr>
+                      <m:t>=</m:t>
+                    </m:r>
+                    <m:r>
+                      <a:rPr lang="en-US" b="0" i="1" dirty="0" smtClean="0">
+                        <a:latin typeface="Cambria Math"/>
+                      </a:rPr>
+                      <m:t>𝑑</m:t>
+                    </m:r>
+                  </m:oMath>
+                </a14:m>
+                <a:r>
+                  <a:rPr lang="en-US" dirty="0" smtClean="0"/>
+                  <a:t> then for any </a:t>
+                </a:r>
+                <a14:m>
+                  <m:oMath xmlns:m="http://schemas.openxmlformats.org/officeDocument/2006/math">
+                    <m:r>
+                      <a:rPr lang="en-US" i="1" dirty="0" smtClean="0">
+                        <a:latin typeface="Cambria Math"/>
+                      </a:rPr>
+                      <m:t>𝑓</m:t>
+                    </m:r>
+                    <m:r>
+                      <a:rPr lang="en-US" b="0" i="1" dirty="0" smtClean="0">
+                        <a:latin typeface="Cambria Math"/>
+                      </a:rPr>
+                      <m:t>:</m:t>
+                    </m:r>
+                  </m:oMath>
+                </a14:m>
+                <a:endParaRPr lang="en-US" dirty="0" smtClean="0"/>
+              </a:p>
+              <a:p>
+                <a:pPr marL="0" indent="0" algn="ctr">
+                  <a:buNone/>
+                </a:pPr>
+                <a14:m>
+                  <m:oMath xmlns:m="http://schemas.openxmlformats.org/officeDocument/2006/math">
+                    <m:r>
+                      <a:rPr lang="en-US" b="0" i="1" smtClean="0">
+                        <a:latin typeface="Cambria Math"/>
+                      </a:rPr>
+                      <m:t>𝑉𝐶</m:t>
+                    </m:r>
+                  </m:oMath>
+                </a14:m>
+                <a:r>
+                  <a:rPr lang="en-US" b="0" dirty="0" smtClean="0"/>
+                  <a:t>-dim</a:t>
+                </a:r>
+                <a14:m>
+                  <m:oMath xmlns:m="http://schemas.openxmlformats.org/officeDocument/2006/math">
+                    <m:d>
+                      <m:dPr>
+                        <m:ctrlPr>
+                          <a:rPr lang="en-US" b="0" i="1" smtClean="0">
+                            <a:latin typeface="Cambria Math"/>
+                          </a:rPr>
+                        </m:ctrlPr>
+                      </m:dPr>
+                      <m:e>
+                        <m:r>
+                          <a:rPr lang="en-US" b="0" i="1" smtClean="0">
+                            <a:latin typeface="Cambria Math"/>
+                          </a:rPr>
+                          <m:t>𝐶𝑂𝑀</m:t>
+                        </m:r>
+                        <m:sSub>
+                          <m:sSubPr>
+                            <m:ctrlPr>
+                              <a:rPr lang="en-US" b="0" i="1" smtClean="0">
+                                <a:latin typeface="Cambria Math"/>
+                              </a:rPr>
+                            </m:ctrlPr>
+                          </m:sSubPr>
+                          <m:e>
+                            <m:r>
+                              <a:rPr lang="en-US" b="0" i="1" smtClean="0">
+                                <a:latin typeface="Cambria Math"/>
+                              </a:rPr>
+                              <m:t>𝐵</m:t>
+                            </m:r>
+                          </m:e>
+                          <m:sub>
+                            <m:r>
+                              <a:rPr lang="en-US" b="0" i="1" smtClean="0">
+                                <a:latin typeface="Cambria Math"/>
+                              </a:rPr>
+                              <m:t>𝑓</m:t>
+                            </m:r>
+                            <m:r>
+                              <a:rPr lang="en-US" b="0" i="1" smtClean="0">
+                                <a:latin typeface="Cambria Math"/>
+                              </a:rPr>
+                              <m:t>,</m:t>
+                            </m:r>
+                            <m:r>
+                              <a:rPr lang="en-US" b="1" i="1" smtClean="0">
+                                <a:latin typeface="Cambria Math"/>
+                              </a:rPr>
+                              <m:t>𝒌</m:t>
+                            </m:r>
+                          </m:sub>
+                        </m:sSub>
+                        <m:d>
+                          <m:dPr>
+                            <m:ctrlPr>
+                              <a:rPr lang="en-US" b="0" i="1" smtClean="0">
+                                <a:latin typeface="Cambria Math"/>
+                              </a:rPr>
+                            </m:ctrlPr>
+                          </m:dPr>
+                          <m:e>
+                            <m:r>
+                              <a:rPr lang="en-US" b="0" i="1" smtClean="0">
+                                <a:latin typeface="Cambria Math"/>
+                              </a:rPr>
+                              <m:t>𝐻</m:t>
+                            </m:r>
+                          </m:e>
+                        </m:d>
+                      </m:e>
+                    </m:d>
+                    <m:r>
+                      <a:rPr lang="en-US" b="0" i="1" smtClean="0">
+                        <a:latin typeface="Cambria Math"/>
+                      </a:rPr>
+                      <m:t>≤</m:t>
+                    </m:r>
+                    <m:r>
+                      <a:rPr lang="en-US" b="0" i="1" smtClean="0">
+                        <a:latin typeface="Cambria Math"/>
+                      </a:rPr>
+                      <m:t>𝑂</m:t>
+                    </m:r>
+                    <m:r>
+                      <a:rPr lang="en-US" b="0" i="1" smtClean="0">
+                        <a:latin typeface="Cambria Math"/>
+                      </a:rPr>
+                      <m:t>(</m:t>
+                    </m:r>
+                    <m:r>
+                      <a:rPr lang="en-US" b="1" i="1" smtClean="0">
+                        <a:latin typeface="Cambria Math"/>
+                      </a:rPr>
+                      <m:t>𝒌</m:t>
+                    </m:r>
+                    <m:r>
+                      <a:rPr lang="en-US" b="1" i="1" smtClean="0">
+                        <a:solidFill>
+                          <a:srgbClr val="0070C0"/>
+                        </a:solidFill>
+                        <a:latin typeface="Cambria Math"/>
+                      </a:rPr>
+                      <m:t>𝒅</m:t>
+                    </m:r>
+                    <m:r>
+                      <a:rPr lang="en-US" b="0" i="1" smtClean="0">
+                        <a:latin typeface="Cambria Math"/>
+                      </a:rPr>
+                      <m:t> </m:t>
+                    </m:r>
+                    <m:r>
+                      <m:rPr>
+                        <m:sty m:val="p"/>
+                      </m:rPr>
+                      <a:rPr lang="en-US" b="0" i="1" smtClean="0">
+                        <a:latin typeface="Cambria Math"/>
+                      </a:rPr>
+                      <m:t>log</m:t>
+                    </m:r>
+                    <m:r>
+                      <a:rPr lang="en-US" b="0" i="1" smtClean="0">
+                        <a:latin typeface="Cambria Math"/>
+                      </a:rPr>
+                      <m:t>(</m:t>
+                    </m:r>
+                    <m:r>
+                      <a:rPr lang="en-US" b="1" i="1" smtClean="0">
+                        <a:latin typeface="Cambria Math"/>
+                      </a:rPr>
+                      <m:t>𝒌</m:t>
+                    </m:r>
+                    <m:r>
+                      <a:rPr lang="en-US" b="1" i="1" smtClean="0">
+                        <a:solidFill>
+                          <a:srgbClr val="0070C0"/>
+                        </a:solidFill>
+                        <a:latin typeface="Cambria Math"/>
+                      </a:rPr>
+                      <m:t>𝒅</m:t>
+                    </m:r>
+                    <m:r>
+                      <a:rPr lang="en-US" b="0" i="1" smtClean="0">
+                        <a:latin typeface="Cambria Math"/>
+                      </a:rPr>
+                      <m:t>))</m:t>
+                    </m:r>
+                  </m:oMath>
+                </a14:m>
+                <a:endParaRPr lang="en-US" dirty="0" smtClean="0"/>
+              </a:p>
+              <a:p>
+                <a:r>
+                  <a:rPr lang="en-US" dirty="0" smtClean="0"/>
+                  <a:t>Let </a:t>
+                </a:r>
+                <a14:m>
+                  <m:oMath xmlns:m="http://schemas.openxmlformats.org/officeDocument/2006/math">
+                    <m:r>
+                      <a:rPr lang="en-US" i="1" dirty="0" smtClean="0">
+                        <a:latin typeface="Cambria Math"/>
+                      </a:rPr>
+                      <m:t>𝑛</m:t>
+                    </m:r>
+                    <m:r>
+                      <a:rPr lang="en-US" b="0" i="1" dirty="0" smtClean="0">
+                        <a:latin typeface="Cambria Math"/>
+                      </a:rPr>
+                      <m:t>=</m:t>
+                    </m:r>
+                    <m:r>
+                      <a:rPr lang="en-US" b="0" i="1" smtClean="0">
+                        <a:latin typeface="Cambria Math"/>
+                      </a:rPr>
+                      <m:t>𝑉𝐶</m:t>
+                    </m:r>
+                    <m:r>
+                      <m:rPr>
+                        <m:nor/>
+                      </m:rPr>
+                      <a:rPr lang="en-US" b="0" dirty="0" smtClean="0"/>
+                      <m:t>-</m:t>
+                    </m:r>
+                    <m:r>
+                      <m:rPr>
+                        <m:nor/>
+                      </m:rPr>
+                      <a:rPr lang="en-US" b="0" dirty="0" smtClean="0"/>
+                      <m:t>dim</m:t>
+                    </m:r>
+                    <m:d>
+                      <m:dPr>
+                        <m:ctrlPr>
+                          <a:rPr lang="en-US" b="0" i="1" smtClean="0">
+                            <a:latin typeface="Cambria Math"/>
+                          </a:rPr>
+                        </m:ctrlPr>
+                      </m:dPr>
+                      <m:e>
+                        <m:r>
+                          <a:rPr lang="en-US" b="0" i="1" smtClean="0">
+                            <a:latin typeface="Cambria Math"/>
+                          </a:rPr>
+                          <m:t>𝐶𝑂𝑀</m:t>
+                        </m:r>
+                        <m:sSub>
+                          <m:sSubPr>
+                            <m:ctrlPr>
+                              <a:rPr lang="en-US" b="0" i="1" smtClean="0">
+                                <a:latin typeface="Cambria Math"/>
+                              </a:rPr>
+                            </m:ctrlPr>
+                          </m:sSubPr>
+                          <m:e>
+                            <m:r>
+                              <a:rPr lang="en-US" b="0" i="1" smtClean="0">
+                                <a:latin typeface="Cambria Math"/>
+                              </a:rPr>
+                              <m:t>𝐵</m:t>
+                            </m:r>
+                          </m:e>
+                          <m:sub>
+                            <m:r>
+                              <a:rPr lang="en-US" b="0" i="1" smtClean="0">
+                                <a:latin typeface="Cambria Math"/>
+                              </a:rPr>
+                              <m:t>𝑓</m:t>
+                            </m:r>
+                            <m:r>
+                              <a:rPr lang="en-US" b="0" i="1" smtClean="0">
+                                <a:latin typeface="Cambria Math"/>
+                              </a:rPr>
+                              <m:t>,</m:t>
+                            </m:r>
+                            <m:r>
+                              <a:rPr lang="en-US" b="1" i="1" smtClean="0">
+                                <a:latin typeface="Cambria Math"/>
+                              </a:rPr>
+                              <m:t>𝒌</m:t>
+                            </m:r>
+                          </m:sub>
+                        </m:sSub>
+                        <m:d>
+                          <m:dPr>
+                            <m:ctrlPr>
+                              <a:rPr lang="en-US" b="0" i="1" smtClean="0">
+                                <a:latin typeface="Cambria Math"/>
+                              </a:rPr>
+                            </m:ctrlPr>
+                          </m:dPr>
+                          <m:e>
+                            <m:r>
+                              <a:rPr lang="en-US" b="0" i="1" smtClean="0">
+                                <a:latin typeface="Cambria Math"/>
+                              </a:rPr>
+                              <m:t>𝐻</m:t>
+                            </m:r>
+                          </m:e>
+                        </m:d>
+                      </m:e>
+                    </m:d>
+                  </m:oMath>
+                </a14:m>
+                <a:endParaRPr lang="en-US" dirty="0" smtClean="0"/>
+              </a:p>
+              <a:p>
+                <a14:m>
+                  <m:oMath xmlns:m="http://schemas.openxmlformats.org/officeDocument/2006/math">
+                    <m:r>
+                      <a:rPr lang="en-US" b="0" i="1" smtClean="0">
+                        <a:latin typeface="Cambria Math"/>
+                      </a:rPr>
+                      <m:t>⇒∃</m:t>
+                    </m:r>
+                  </m:oMath>
+                </a14:m>
+                <a:r>
+                  <a:rPr lang="en-US" dirty="0" smtClean="0"/>
+                  <a:t> </a:t>
+                </a:r>
+                <a:r>
+                  <a:rPr lang="en-US" dirty="0" smtClean="0"/>
+                  <a:t>set </a:t>
+                </a:r>
+                <a14:m>
+                  <m:oMath xmlns:m="http://schemas.openxmlformats.org/officeDocument/2006/math">
+                    <m:r>
+                      <a:rPr lang="en-US" b="0" i="1" smtClean="0">
+                        <a:latin typeface="Cambria Math"/>
+                      </a:rPr>
+                      <m:t>𝑆</m:t>
+                    </m:r>
+                  </m:oMath>
+                </a14:m>
+                <a:r>
+                  <a:rPr lang="en-US" dirty="0" smtClean="0"/>
+                  <a:t> of </a:t>
+                </a:r>
+                <a14:m>
+                  <m:oMath xmlns:m="http://schemas.openxmlformats.org/officeDocument/2006/math">
+                    <m:r>
+                      <a:rPr lang="en-US" b="0" i="1" smtClean="0">
+                        <a:latin typeface="Cambria Math"/>
+                      </a:rPr>
+                      <m:t>𝑛</m:t>
+                    </m:r>
+                  </m:oMath>
+                </a14:m>
+                <a:r>
+                  <a:rPr lang="en-US" dirty="0" smtClean="0"/>
+                  <a:t> points shattered by </a:t>
+                </a:r>
+                <a14:m>
+                  <m:oMath xmlns:m="http://schemas.openxmlformats.org/officeDocument/2006/math">
+                    <m:r>
+                      <a:rPr lang="en-US" b="0" i="1" smtClean="0">
+                        <a:latin typeface="Cambria Math"/>
+                      </a:rPr>
+                      <m:t>𝐶𝑂𝑀</m:t>
+                    </m:r>
+                    <m:sSub>
+                      <m:sSubPr>
+                        <m:ctrlPr>
+                          <a:rPr lang="en-US" b="0" i="1" smtClean="0">
+                            <a:latin typeface="Cambria Math"/>
+                          </a:rPr>
+                        </m:ctrlPr>
+                      </m:sSubPr>
+                      <m:e>
+                        <m:r>
+                          <a:rPr lang="en-US" b="0" i="1" smtClean="0">
+                            <a:latin typeface="Cambria Math"/>
+                          </a:rPr>
+                          <m:t>𝐵</m:t>
+                        </m:r>
+                      </m:e>
+                      <m:sub>
+                        <m:r>
+                          <a:rPr lang="en-US" b="0" i="1" smtClean="0">
+                            <a:latin typeface="Cambria Math"/>
+                          </a:rPr>
+                          <m:t>𝑓</m:t>
+                        </m:r>
+                        <m:r>
+                          <a:rPr lang="en-US" b="0" i="1" smtClean="0">
+                            <a:latin typeface="Cambria Math"/>
+                          </a:rPr>
+                          <m:t>,</m:t>
+                        </m:r>
+                        <m:r>
+                          <a:rPr lang="en-US" b="1" i="1" smtClean="0">
+                            <a:latin typeface="Cambria Math"/>
+                          </a:rPr>
+                          <m:t>𝒌</m:t>
+                        </m:r>
+                      </m:sub>
+                    </m:sSub>
+                    <m:d>
+                      <m:dPr>
+                        <m:ctrlPr>
+                          <a:rPr lang="en-US" b="0" i="1" smtClean="0">
+                            <a:latin typeface="Cambria Math"/>
+                          </a:rPr>
+                        </m:ctrlPr>
+                      </m:dPr>
+                      <m:e>
+                        <m:r>
+                          <a:rPr lang="en-US" b="0" i="1" smtClean="0">
+                            <a:latin typeface="Cambria Math"/>
+                          </a:rPr>
+                          <m:t>𝐻</m:t>
+                        </m:r>
+                      </m:e>
+                    </m:d>
+                  </m:oMath>
+                </a14:m>
+                <a:endParaRPr lang="en-US" dirty="0" smtClean="0"/>
+              </a:p>
+              <a:p>
+                <a:r>
+                  <a:rPr lang="en-US" dirty="0" smtClean="0"/>
+                  <a:t>Sauer’s lemma </a:t>
+                </a:r>
+                <a14:m>
+                  <m:oMath xmlns:m="http://schemas.openxmlformats.org/officeDocument/2006/math">
+                    <m:r>
+                      <a:rPr lang="en-US" b="0" i="1" smtClean="0">
+                        <a:latin typeface="Cambria Math"/>
+                      </a:rPr>
+                      <m:t>⇒ ≤</m:t>
+                    </m:r>
+                    <m:sSup>
+                      <m:sSupPr>
+                        <m:ctrlPr>
+                          <a:rPr lang="en-US" b="0" i="1" smtClean="0">
+                            <a:latin typeface="Cambria Math"/>
+                          </a:rPr>
+                        </m:ctrlPr>
+                      </m:sSupPr>
+                      <m:e>
+                        <m:r>
+                          <a:rPr lang="en-US" b="0" i="1" smtClean="0">
+                            <a:latin typeface="Cambria Math"/>
+                          </a:rPr>
+                          <m:t>𝑛</m:t>
+                        </m:r>
+                      </m:e>
+                      <m:sup>
+                        <m:r>
+                          <a:rPr lang="en-US" b="0" i="1" smtClean="0">
+                            <a:latin typeface="Cambria Math"/>
+                          </a:rPr>
+                          <m:t>𝑑</m:t>
+                        </m:r>
+                      </m:sup>
+                    </m:sSup>
+                  </m:oMath>
+                </a14:m>
+                <a:r>
+                  <a:rPr lang="en-US" dirty="0" smtClean="0"/>
+                  <a:t> ways of labeling </a:t>
+                </a:r>
+                <a14:m>
+                  <m:oMath xmlns:m="http://schemas.openxmlformats.org/officeDocument/2006/math">
+                    <m:r>
+                      <a:rPr lang="en-US" b="0" i="1" smtClean="0">
+                        <a:latin typeface="Cambria Math"/>
+                      </a:rPr>
+                      <m:t>𝑆</m:t>
+                    </m:r>
+                  </m:oMath>
+                </a14:m>
+                <a:r>
+                  <a:rPr lang="en-US" dirty="0" smtClean="0"/>
+                  <a:t> by </a:t>
+                </a:r>
+                <a14:m>
+                  <m:oMath xmlns:m="http://schemas.openxmlformats.org/officeDocument/2006/math">
+                    <m:r>
+                      <a:rPr lang="en-US" b="0" i="1" smtClean="0">
+                        <a:latin typeface="Cambria Math"/>
+                      </a:rPr>
+                      <m:t>𝐻</m:t>
+                    </m:r>
+                  </m:oMath>
+                </a14:m>
+                <a:endParaRPr lang="en-US" dirty="0" smtClean="0"/>
+              </a:p>
+              <a:p>
+                <a:r>
+                  <a:rPr lang="en-US" dirty="0" smtClean="0"/>
+                  <a:t>Each labeling in </a:t>
+                </a:r>
+                <a14:m>
+                  <m:oMath xmlns:m="http://schemas.openxmlformats.org/officeDocument/2006/math">
+                    <m:r>
+                      <a:rPr lang="en-US" b="0" i="1" smtClean="0">
+                        <a:latin typeface="Cambria Math"/>
+                      </a:rPr>
+                      <m:t>𝐶𝑂𝑀</m:t>
+                    </m:r>
+                    <m:sSub>
+                      <m:sSubPr>
+                        <m:ctrlPr>
+                          <a:rPr lang="en-US" b="0" i="1" smtClean="0">
+                            <a:latin typeface="Cambria Math"/>
+                          </a:rPr>
+                        </m:ctrlPr>
+                      </m:sSubPr>
+                      <m:e>
+                        <m:r>
+                          <a:rPr lang="en-US" b="0" i="1" smtClean="0">
+                            <a:latin typeface="Cambria Math"/>
+                          </a:rPr>
+                          <m:t>𝐵</m:t>
+                        </m:r>
+                      </m:e>
+                      <m:sub>
+                        <m:r>
+                          <a:rPr lang="en-US" b="0" i="1" smtClean="0">
+                            <a:latin typeface="Cambria Math"/>
+                          </a:rPr>
+                          <m:t>𝑓</m:t>
+                        </m:r>
+                        <m:r>
+                          <a:rPr lang="en-US" b="0" i="1" smtClean="0">
+                            <a:latin typeface="Cambria Math"/>
+                          </a:rPr>
+                          <m:t>,</m:t>
+                        </m:r>
+                        <m:r>
+                          <a:rPr lang="en-US" b="1" i="1" smtClean="0">
+                            <a:latin typeface="Cambria Math"/>
+                          </a:rPr>
+                          <m:t>𝒌</m:t>
+                        </m:r>
+                      </m:sub>
+                    </m:sSub>
+                    <m:d>
+                      <m:dPr>
+                        <m:ctrlPr>
+                          <a:rPr lang="en-US" b="0" i="1" smtClean="0">
+                            <a:latin typeface="Cambria Math"/>
+                          </a:rPr>
+                        </m:ctrlPr>
+                      </m:dPr>
+                      <m:e>
+                        <m:r>
+                          <a:rPr lang="en-US" b="0" i="1" smtClean="0">
+                            <a:latin typeface="Cambria Math"/>
+                          </a:rPr>
+                          <m:t>𝐻</m:t>
+                        </m:r>
+                      </m:e>
+                    </m:d>
+                  </m:oMath>
+                </a14:m>
+                <a:r>
+                  <a:rPr lang="en-US" dirty="0" smtClean="0"/>
+                  <a:t> determined by </a:t>
+                </a:r>
+                <a14:m>
+                  <m:oMath xmlns:m="http://schemas.openxmlformats.org/officeDocument/2006/math">
+                    <m:r>
+                      <a:rPr lang="en-US" b="1" i="1" smtClean="0">
+                        <a:latin typeface="Cambria Math"/>
+                      </a:rPr>
+                      <m:t>𝒌</m:t>
+                    </m:r>
+                  </m:oMath>
+                </a14:m>
+                <a:r>
+                  <a:rPr lang="en-US" dirty="0" smtClean="0"/>
+                  <a:t> </a:t>
+                </a:r>
+                <a:r>
+                  <a:rPr lang="en-US" dirty="0" err="1" smtClean="0"/>
+                  <a:t>labelings</a:t>
+                </a:r>
+                <a:r>
+                  <a:rPr lang="en-US" dirty="0" smtClean="0"/>
+                  <a:t> of </a:t>
+                </a:r>
+                <a14:m>
+                  <m:oMath xmlns:m="http://schemas.openxmlformats.org/officeDocument/2006/math">
+                    <m:r>
+                      <a:rPr lang="en-US" b="0" i="1" smtClean="0">
+                        <a:latin typeface="Cambria Math"/>
+                      </a:rPr>
+                      <m:t>𝑆</m:t>
+                    </m:r>
+                  </m:oMath>
+                </a14:m>
+                <a:r>
+                  <a:rPr lang="en-US" dirty="0" smtClean="0"/>
+                  <a:t> by </a:t>
+                </a:r>
+                <a14:m>
+                  <m:oMath xmlns:m="http://schemas.openxmlformats.org/officeDocument/2006/math">
+                    <m:r>
+                      <a:rPr lang="en-US" b="0" i="1" smtClean="0">
+                        <a:latin typeface="Cambria Math"/>
+                      </a:rPr>
+                      <m:t>𝐻</m:t>
+                    </m:r>
+                  </m:oMath>
+                </a14:m>
+                <a:r>
+                  <a:rPr lang="en-US" dirty="0" smtClean="0"/>
+                  <a:t> </a:t>
+                </a:r>
+                <a14:m>
+                  <m:oMath xmlns:m="http://schemas.openxmlformats.org/officeDocument/2006/math">
+                    <m:r>
+                      <a:rPr lang="en-US" b="0" i="1" dirty="0" smtClean="0">
+                        <a:latin typeface="Cambria Math"/>
+                      </a:rPr>
+                      <m:t>⇒ ≤</m:t>
+                    </m:r>
+                    <m:sSup>
+                      <m:sSupPr>
+                        <m:ctrlPr>
+                          <a:rPr lang="en-US" b="0" i="1" dirty="0" smtClean="0">
+                            <a:latin typeface="Cambria Math"/>
+                          </a:rPr>
+                        </m:ctrlPr>
+                      </m:sSupPr>
+                      <m:e>
+                        <m:sSup>
+                          <m:sSupPr>
+                            <m:ctrlPr>
+                              <a:rPr lang="en-US" b="0" i="1" dirty="0" smtClean="0">
+                                <a:latin typeface="Cambria Math"/>
+                              </a:rPr>
+                            </m:ctrlPr>
+                          </m:sSupPr>
+                          <m:e>
+                            <m:r>
+                              <a:rPr lang="en-US" b="0" i="1" dirty="0" smtClean="0">
+                                <a:latin typeface="Cambria Math"/>
+                              </a:rPr>
+                              <m:t>(</m:t>
+                            </m:r>
+                            <m:r>
+                              <a:rPr lang="en-US" b="0" i="1" dirty="0" smtClean="0">
+                                <a:latin typeface="Cambria Math"/>
+                              </a:rPr>
+                              <m:t>𝑛</m:t>
+                            </m:r>
+                          </m:e>
+                          <m:sup>
+                            <m:r>
+                              <a:rPr lang="en-US" b="1" i="1" dirty="0" smtClean="0">
+                                <a:solidFill>
+                                  <a:srgbClr val="0070C0"/>
+                                </a:solidFill>
+                                <a:latin typeface="Cambria Math"/>
+                              </a:rPr>
+                              <m:t>𝒅</m:t>
+                            </m:r>
+                          </m:sup>
+                        </m:sSup>
+                        <m:r>
+                          <a:rPr lang="en-US" b="0" i="1" dirty="0" smtClean="0">
+                            <a:latin typeface="Cambria Math"/>
+                          </a:rPr>
+                          <m:t>)</m:t>
+                        </m:r>
+                      </m:e>
+                      <m:sup>
+                        <m:r>
+                          <a:rPr lang="en-US" b="1" i="1" dirty="0" smtClean="0">
+                            <a:solidFill>
+                              <a:schemeClr val="tx1"/>
+                            </a:solidFill>
+                            <a:latin typeface="Cambria Math"/>
+                          </a:rPr>
+                          <m:t>𝒌</m:t>
+                        </m:r>
+                      </m:sup>
+                    </m:sSup>
+                    <m:r>
+                      <a:rPr lang="en-US" b="0" i="1" dirty="0" smtClean="0">
+                        <a:latin typeface="Cambria Math"/>
+                      </a:rPr>
+                      <m:t>=</m:t>
+                    </m:r>
+                    <m:sSup>
+                      <m:sSupPr>
+                        <m:ctrlPr>
+                          <a:rPr lang="en-US" b="0" i="1" dirty="0" smtClean="0">
+                            <a:latin typeface="Cambria Math"/>
+                          </a:rPr>
+                        </m:ctrlPr>
+                      </m:sSupPr>
+                      <m:e>
+                        <m:r>
+                          <a:rPr lang="en-US" b="0" i="1" dirty="0" smtClean="0">
+                            <a:latin typeface="Cambria Math"/>
+                          </a:rPr>
+                          <m:t>𝑛</m:t>
+                        </m:r>
+                      </m:e>
+                      <m:sup>
+                        <m:r>
+                          <a:rPr lang="en-US" b="1" i="1" dirty="0" smtClean="0">
+                            <a:latin typeface="Cambria Math"/>
+                          </a:rPr>
+                          <m:t>𝒌</m:t>
+                        </m:r>
+                        <m:r>
+                          <a:rPr lang="en-US" b="1" i="1" dirty="0" smtClean="0">
+                            <a:solidFill>
+                              <a:srgbClr val="0070C0"/>
+                            </a:solidFill>
+                            <a:latin typeface="Cambria Math"/>
+                          </a:rPr>
+                          <m:t>𝒅</m:t>
+                        </m:r>
+                      </m:sup>
+                    </m:sSup>
+                  </m:oMath>
+                </a14:m>
+                <a:r>
+                  <a:rPr lang="en-US" dirty="0" smtClean="0"/>
+                  <a:t> labelings</a:t>
+                </a:r>
+              </a:p>
+              <a:p>
+                <a14:m>
+                  <m:oMath xmlns:m="http://schemas.openxmlformats.org/officeDocument/2006/math">
+                    <m:sSup>
+                      <m:sSupPr>
+                        <m:ctrlPr>
+                          <a:rPr lang="en-US" i="1" dirty="0" smtClean="0">
+                            <a:latin typeface="Cambria Math"/>
+                          </a:rPr>
+                        </m:ctrlPr>
+                      </m:sSupPr>
+                      <m:e>
+                        <m:r>
+                          <a:rPr lang="en-US" i="1" dirty="0" smtClean="0">
+                            <a:latin typeface="Cambria Math"/>
+                          </a:rPr>
+                          <m:t>2</m:t>
+                        </m:r>
+                      </m:e>
+                      <m:sup>
+                        <m:r>
+                          <a:rPr lang="en-US" i="1" dirty="0" smtClean="0">
+                            <a:latin typeface="Cambria Math"/>
+                          </a:rPr>
+                          <m:t>𝑛</m:t>
+                        </m:r>
+                      </m:sup>
+                    </m:sSup>
+                    <m:r>
+                      <a:rPr lang="en-US" b="0" i="1" dirty="0" smtClean="0">
+                        <a:latin typeface="Cambria Math"/>
+                      </a:rPr>
+                      <m:t>≤</m:t>
+                    </m:r>
+                    <m:sSup>
+                      <m:sSupPr>
+                        <m:ctrlPr>
+                          <a:rPr lang="en-US" b="0" i="1" dirty="0" smtClean="0">
+                            <a:latin typeface="Cambria Math"/>
+                          </a:rPr>
+                        </m:ctrlPr>
+                      </m:sSupPr>
+                      <m:e>
+                        <m:r>
+                          <a:rPr lang="en-US" b="0" i="1" dirty="0" smtClean="0">
+                            <a:latin typeface="Cambria Math"/>
+                          </a:rPr>
+                          <m:t>𝑛</m:t>
+                        </m:r>
+                      </m:e>
+                      <m:sup>
+                        <m:r>
+                          <a:rPr lang="en-US" b="1" i="1" dirty="0" smtClean="0">
+                            <a:latin typeface="Cambria Math"/>
+                          </a:rPr>
+                          <m:t>𝒌</m:t>
+                        </m:r>
+                        <m:r>
+                          <a:rPr lang="en-US" b="1" i="1" dirty="0" smtClean="0">
+                            <a:solidFill>
+                              <a:srgbClr val="0070C0"/>
+                            </a:solidFill>
+                            <a:latin typeface="Cambria Math"/>
+                          </a:rPr>
+                          <m:t>𝒅</m:t>
+                        </m:r>
+                      </m:sup>
+                    </m:sSup>
+                    <m:r>
+                      <a:rPr lang="en-US" b="0" i="1" dirty="0" smtClean="0">
+                        <a:solidFill>
+                          <a:schemeClr val="tx1"/>
+                        </a:solidFill>
+                        <a:latin typeface="Cambria Math"/>
+                      </a:rPr>
+                      <m:t>⇒</m:t>
+                    </m:r>
+                    <m:r>
+                      <a:rPr lang="en-US" b="0" i="1" dirty="0" smtClean="0">
+                        <a:solidFill>
+                          <a:schemeClr val="tx1"/>
+                        </a:solidFill>
+                        <a:latin typeface="Cambria Math"/>
+                      </a:rPr>
+                      <m:t>𝑛</m:t>
+                    </m:r>
+                    <m:r>
+                      <a:rPr lang="en-US" b="0" i="1" dirty="0" smtClean="0">
+                        <a:solidFill>
+                          <a:schemeClr val="tx1"/>
+                        </a:solidFill>
+                        <a:latin typeface="Cambria Math"/>
+                      </a:rPr>
+                      <m:t>≤</m:t>
+                    </m:r>
+                    <m:r>
+                      <a:rPr lang="en-US" b="1" i="1" dirty="0" smtClean="0">
+                        <a:latin typeface="Cambria Math"/>
+                      </a:rPr>
+                      <m:t>𝒌</m:t>
+                    </m:r>
+                    <m:r>
+                      <a:rPr lang="en-US" b="1" i="1" dirty="0" smtClean="0">
+                        <a:solidFill>
+                          <a:srgbClr val="0070C0"/>
+                        </a:solidFill>
+                        <a:latin typeface="Cambria Math"/>
+                      </a:rPr>
+                      <m:t>𝒅</m:t>
+                    </m:r>
+                    <m:func>
+                      <m:funcPr>
+                        <m:ctrlPr>
+                          <a:rPr lang="en-US" b="0" i="1" dirty="0" smtClean="0">
+                            <a:solidFill>
+                              <a:srgbClr val="0070C0"/>
+                            </a:solidFill>
+                            <a:latin typeface="Cambria Math"/>
+                          </a:rPr>
+                        </m:ctrlPr>
+                      </m:funcPr>
+                      <m:fName>
+                        <m:r>
+                          <m:rPr>
+                            <m:sty m:val="p"/>
+                          </m:rPr>
+                          <a:rPr lang="en-US" b="0" i="0" dirty="0" smtClean="0">
+                            <a:solidFill>
+                              <a:schemeClr val="tx1"/>
+                            </a:solidFill>
+                            <a:latin typeface="Cambria Math"/>
+                          </a:rPr>
+                          <m:t>log</m:t>
+                        </m:r>
+                      </m:fName>
+                      <m:e>
+                        <m:r>
+                          <a:rPr lang="en-US" b="0" i="1" dirty="0" smtClean="0">
+                            <a:latin typeface="Cambria Math"/>
+                          </a:rPr>
+                          <m:t>𝑛</m:t>
+                        </m:r>
+                      </m:e>
+                    </m:func>
+                    <m:r>
+                      <a:rPr lang="en-US" b="0" i="1" dirty="0" smtClean="0">
+                        <a:solidFill>
+                          <a:schemeClr val="tx1"/>
+                        </a:solidFill>
+                        <a:latin typeface="Cambria Math"/>
+                      </a:rPr>
+                      <m:t>⇒</m:t>
+                    </m:r>
+                    <m:r>
+                      <a:rPr lang="en-US" b="0" i="1" dirty="0" smtClean="0">
+                        <a:solidFill>
+                          <a:schemeClr val="tx1"/>
+                        </a:solidFill>
+                        <a:latin typeface="Cambria Math"/>
+                      </a:rPr>
+                      <m:t>𝑛</m:t>
+                    </m:r>
+                    <m:r>
+                      <a:rPr lang="en-US" b="0" i="1" dirty="0" smtClean="0">
+                        <a:solidFill>
+                          <a:schemeClr val="tx1"/>
+                        </a:solidFill>
+                        <a:latin typeface="Cambria Math"/>
+                      </a:rPr>
+                      <m:t>≤2</m:t>
+                    </m:r>
+                    <m:r>
+                      <a:rPr lang="en-US" b="1" i="1" dirty="0" smtClean="0">
+                        <a:latin typeface="Cambria Math"/>
+                      </a:rPr>
+                      <m:t>𝒌</m:t>
+                    </m:r>
+                    <m:r>
+                      <a:rPr lang="en-US" b="1" i="1" dirty="0" smtClean="0">
+                        <a:solidFill>
+                          <a:srgbClr val="0070C0"/>
+                        </a:solidFill>
+                        <a:latin typeface="Cambria Math"/>
+                      </a:rPr>
+                      <m:t>𝒅</m:t>
+                    </m:r>
+                    <m:func>
+                      <m:funcPr>
+                        <m:ctrlPr>
+                          <a:rPr lang="en-US" b="0" i="1" dirty="0" smtClean="0">
+                            <a:solidFill>
+                              <a:srgbClr val="0070C0"/>
+                            </a:solidFill>
+                            <a:latin typeface="Cambria Math"/>
+                          </a:rPr>
+                        </m:ctrlPr>
+                      </m:funcPr>
+                      <m:fName>
+                        <m:r>
+                          <m:rPr>
+                            <m:sty m:val="p"/>
+                          </m:rPr>
+                          <a:rPr lang="en-US" b="0" i="0" dirty="0" smtClean="0">
+                            <a:solidFill>
+                              <a:schemeClr val="tx1"/>
+                            </a:solidFill>
+                            <a:latin typeface="Cambria Math"/>
+                          </a:rPr>
+                          <m:t>log</m:t>
+                        </m:r>
+                      </m:fName>
+                      <m:e>
+                        <m:r>
+                          <a:rPr lang="en-US" b="1" i="1" dirty="0" smtClean="0">
+                            <a:latin typeface="Cambria Math"/>
+                          </a:rPr>
+                          <m:t>𝒌</m:t>
+                        </m:r>
+                        <m:r>
+                          <a:rPr lang="en-US" b="1" i="1" dirty="0" smtClean="0">
+                            <a:solidFill>
+                              <a:srgbClr val="0070C0"/>
+                            </a:solidFill>
+                            <a:latin typeface="Cambria Math"/>
+                          </a:rPr>
+                          <m:t>𝒅</m:t>
+                        </m:r>
+                      </m:e>
+                    </m:func>
+                  </m:oMath>
+                </a14:m>
+                <a:endParaRPr lang="en-US" dirty="0" smtClean="0"/>
+              </a:p>
+              <a:p>
+                <a:endParaRPr lang="en-US" dirty="0" smtClean="0"/>
+              </a:p>
+              <a:p>
+                <a:endParaRPr lang="en-US" dirty="0" smtClean="0"/>
+              </a:p>
+              <a:p>
+                <a:endParaRPr lang="en-US" dirty="0"/>
+              </a:p>
+            </p:txBody>
+          </p:sp>
+        </mc:Choice>
+        <mc:Fallback>
+          <p:sp>
+            <p:nvSpPr>
+              <p:cNvPr id="3" name="Content Placeholder 2"/>
+              <p:cNvSpPr>
+                <a:spLocks noGrp="1" noRot="1" noChangeAspect="1" noMove="1" noResize="1" noEditPoints="1" noAdjustHandles="1" noChangeArrowheads="1" noChangeShapeType="1" noTextEdit="1"/>
+              </p:cNvSpPr>
+              <p:nvPr>
+                <p:ph idx="1"/>
+              </p:nvPr>
+            </p:nvSpPr>
+            <p:spPr>
+              <a:xfrm>
+                <a:off x="457200" y="1600200"/>
+                <a:ext cx="8686800" cy="5257800"/>
+              </a:xfrm>
+              <a:blipFill rotWithShape="1">
+                <a:blip r:embed="rId2"/>
+                <a:stretch>
+                  <a:fillRect l="-1544" t="-2320"/>
+                </a:stretch>
+              </a:blipFill>
+            </p:spPr>
+            <p:txBody>
+              <a:bodyPr/>
+              <a:lstStyle/>
+              <a:p>
+                <a:r>
+                  <a:rPr lang="en-US">
+                    <a:noFill/>
+                  </a:rPr>
+                  <a:t> </a:t>
+                </a:r>
+              </a:p>
+            </p:txBody>
+          </p:sp>
+        </mc:Fallback>
+      </mc:AlternateContent>
+    </p:spTree>
+    <p:extLst>
+      <p:ext uri="{BB962C8B-B14F-4D97-AF65-F5344CB8AC3E}">
+        <p14:creationId xmlns:p14="http://schemas.microsoft.com/office/powerpoint/2010/main" val="1262757809"/>
+      </p:ext>
+    </p:extLst>
+  </p:cSld>
+  <p:clrMapOvr>
+    <a:masterClrMapping/>
+  </p:clrMapOvr>
+  <p:timing>
+    <p:tnLst>
+      <p:par>
+        <p:cTn id="1" dur="indefinite" restart="never" nodeType="tmRoot">
+          <p:childTnLst>
+            <p:seq concurrent="1" nextAc="seek">
+              <p:cTn id="2" dur="indefinite" nodeType="mainSeq">
+                <p:childTnLst>
+                  <p:par>
+                    <p:cTn id="3" fill="hold">
+                      <p:stCondLst>
+                        <p:cond delay="indefinite"/>
+                      </p:stCondLst>
+                      <p:childTnLst>
+                        <p:par>
+                          <p:cTn id="4" fill="hold">
+                            <p:stCondLst>
+                              <p:cond delay="0"/>
+                            </p:stCondLst>
+                            <p:childTnLst>
+                              <p:par>
+                                <p:cTn id="5" presetID="1" presetClass="entr" presetSubtype="0" fill="hold" grpId="0" nodeType="clickEffect">
+                                  <p:stCondLst>
+                                    <p:cond delay="0"/>
+                                  </p:stCondLst>
+                                  <p:childTnLst>
+                                    <p:set>
+                                      <p:cBhvr>
+                                        <p:cTn id="6" dur="1" fill="hold">
+                                          <p:stCondLst>
+                                            <p:cond delay="0"/>
+                                          </p:stCondLst>
+                                        </p:cTn>
+                                        <p:tgtEl>
+                                          <p:spTgt spid="3">
+                                            <p:txEl>
+                                              <p:pRg st="0" end="0"/>
+                                            </p:txEl>
+                                          </p:spTgt>
+                                        </p:tgtEl>
+                                        <p:attrNameLst>
+                                          <p:attrName>style.visibility</p:attrName>
+                                        </p:attrNameLst>
+                                      </p:cBhvr>
+                                      <p:to>
+                                        <p:strVal val="visible"/>
+                                      </p:to>
+                                    </p:set>
+                                  </p:childTnLst>
+                                </p:cTn>
+                              </p:par>
+                              <p:par>
+                                <p:cTn id="7" presetID="1" presetClass="entr" presetSubtype="0" fill="hold" grpId="0" nodeType="withEffect">
+                                  <p:stCondLst>
+                                    <p:cond delay="0"/>
+                                  </p:stCondLst>
+                                  <p:childTnLst>
+                                    <p:set>
+                                      <p:cBhvr>
+                                        <p:cTn id="8" dur="1" fill="hold">
+                                          <p:stCondLst>
+                                            <p:cond delay="0"/>
+                                          </p:stCondLst>
+                                        </p:cTn>
+                                        <p:tgtEl>
+                                          <p:spTgt spid="3">
+                                            <p:txEl>
+                                              <p:pRg st="1" end="1"/>
+                                            </p:txEl>
+                                          </p:spTgt>
+                                        </p:tgtEl>
+                                        <p:attrNameLst>
+                                          <p:attrName>style.visibility</p:attrName>
+                                        </p:attrNameLst>
+                                      </p:cBhvr>
+                                      <p:to>
+                                        <p:strVal val="visible"/>
+                                      </p:to>
+                                    </p:set>
+                                  </p:childTnLst>
+                                </p:cTn>
+                              </p:par>
+                            </p:childTnLst>
+                          </p:cTn>
+                        </p:par>
+                      </p:childTnLst>
+                    </p:cTn>
+                  </p:par>
+                  <p:par>
+                    <p:cTn id="9" fill="hold">
+                      <p:stCondLst>
+                        <p:cond delay="indefinite"/>
+                      </p:stCondLst>
+                      <p:childTnLst>
+                        <p:par>
+                          <p:cTn id="10" fill="hold">
+                            <p:stCondLst>
+                              <p:cond delay="0"/>
+                            </p:stCondLst>
+                            <p:childTnLst>
+                              <p:par>
+                                <p:cTn id="11" presetID="1" presetClass="entr" presetSubtype="0" fill="hold" grpId="0" nodeType="clickEffect">
+                                  <p:stCondLst>
+                                    <p:cond delay="0"/>
+                                  </p:stCondLst>
+                                  <p:childTnLst>
+                                    <p:set>
+                                      <p:cBhvr>
+                                        <p:cTn id="12" dur="1" fill="hold">
+                                          <p:stCondLst>
+                                            <p:cond delay="0"/>
+                                          </p:stCondLst>
+                                        </p:cTn>
+                                        <p:tgtEl>
+                                          <p:spTgt spid="3">
+                                            <p:txEl>
+                                              <p:pRg st="2" end="2"/>
+                                            </p:txEl>
+                                          </p:spTgt>
+                                        </p:tgtEl>
+                                        <p:attrNameLst>
+                                          <p:attrName>style.visibility</p:attrName>
+                                        </p:attrNameLst>
+                                      </p:cBhvr>
+                                      <p:to>
+                                        <p:strVal val="visible"/>
+                                      </p:to>
+                                    </p:set>
+                                  </p:childTnLst>
+                                </p:cTn>
+                              </p:par>
+                            </p:childTnLst>
+                          </p:cTn>
+                        </p:par>
+                      </p:childTnLst>
+                    </p:cTn>
+                  </p:par>
+                  <p:par>
+                    <p:cTn id="13" fill="hold">
+                      <p:stCondLst>
+                        <p:cond delay="indefinite"/>
+                      </p:stCondLst>
+                      <p:childTnLst>
+                        <p:par>
+                          <p:cTn id="14" fill="hold">
+                            <p:stCondLst>
+                              <p:cond delay="0"/>
+                            </p:stCondLst>
+                            <p:childTnLst>
+                              <p:par>
+                                <p:cTn id="15" presetID="1" presetClass="entr" presetSubtype="0" fill="hold" grpId="0" nodeType="clickEffect">
+                                  <p:stCondLst>
+                                    <p:cond delay="0"/>
+                                  </p:stCondLst>
+                                  <p:childTnLst>
+                                    <p:set>
+                                      <p:cBhvr>
+                                        <p:cTn id="16" dur="1" fill="hold">
+                                          <p:stCondLst>
+                                            <p:cond delay="0"/>
+                                          </p:stCondLst>
+                                        </p:cTn>
+                                        <p:tgtEl>
+                                          <p:spTgt spid="3">
+                                            <p:txEl>
+                                              <p:pRg st="3" end="3"/>
+                                            </p:txEl>
+                                          </p:spTgt>
+                                        </p:tgtEl>
+                                        <p:attrNameLst>
+                                          <p:attrName>style.visibility</p:attrName>
+                                        </p:attrNameLst>
+                                      </p:cBhvr>
+                                      <p:to>
+                                        <p:strVal val="visible"/>
+                                      </p:to>
+                                    </p:set>
+                                  </p:childTnLst>
+                                </p:cTn>
+                              </p:par>
+                            </p:childTnLst>
+                          </p:cTn>
+                        </p:par>
+                      </p:childTnLst>
+                    </p:cTn>
+                  </p:par>
+                  <p:par>
+                    <p:cTn id="17" fill="hold">
+                      <p:stCondLst>
+                        <p:cond delay="indefinite"/>
+                      </p:stCondLst>
+                      <p:childTnLst>
+                        <p:par>
+                          <p:cTn id="18" fill="hold">
+                            <p:stCondLst>
+                              <p:cond delay="0"/>
+                            </p:stCondLst>
+                            <p:childTnLst>
+                              <p:par>
+                                <p:cTn id="19" presetID="1" presetClass="entr" presetSubtype="0" fill="hold" grpId="0" nodeType="clickEffect">
+                                  <p:stCondLst>
+                                    <p:cond delay="0"/>
+                                  </p:stCondLst>
+                                  <p:childTnLst>
+                                    <p:set>
+                                      <p:cBhvr>
+                                        <p:cTn id="20" dur="1" fill="hold">
+                                          <p:stCondLst>
+                                            <p:cond delay="0"/>
+                                          </p:stCondLst>
+                                        </p:cTn>
+                                        <p:tgtEl>
+                                          <p:spTgt spid="3">
+                                            <p:txEl>
+                                              <p:pRg st="4" end="4"/>
+                                            </p:txEl>
+                                          </p:spTgt>
+                                        </p:tgtEl>
+                                        <p:attrNameLst>
+                                          <p:attrName>style.visibility</p:attrName>
+                                        </p:attrNameLst>
+                                      </p:cBhvr>
+                                      <p:to>
+                                        <p:strVal val="visible"/>
+                                      </p:to>
+                                    </p:set>
+                                  </p:childTnLst>
+                                </p:cTn>
+                              </p:par>
+                            </p:childTnLst>
+                          </p:cTn>
+                        </p:par>
+                      </p:childTnLst>
+                    </p:cTn>
+                  </p:par>
+                  <p:par>
+                    <p:cTn id="21" fill="hold">
+                      <p:stCondLst>
+                        <p:cond delay="indefinite"/>
+                      </p:stCondLst>
+                      <p:childTnLst>
+                        <p:par>
+                          <p:cTn id="22" fill="hold">
+                            <p:stCondLst>
+                              <p:cond delay="0"/>
+                            </p:stCondLst>
+                            <p:childTnLst>
+                              <p:par>
+                                <p:cTn id="23" presetID="1" presetClass="entr" presetSubtype="0" fill="hold" grpId="0" nodeType="clickEffect">
+                                  <p:stCondLst>
+                                    <p:cond delay="0"/>
+                                  </p:stCondLst>
+                                  <p:childTnLst>
+                                    <p:set>
+                                      <p:cBhvr>
+                                        <p:cTn id="24" dur="1" fill="hold">
+                                          <p:stCondLst>
+                                            <p:cond delay="0"/>
+                                          </p:stCondLst>
+                                        </p:cTn>
+                                        <p:tgtEl>
+                                          <p:spTgt spid="3">
+                                            <p:txEl>
+                                              <p:pRg st="5" end="5"/>
+                                            </p:txEl>
+                                          </p:spTgt>
+                                        </p:tgtEl>
+                                        <p:attrNameLst>
+                                          <p:attrName>style.visibility</p:attrName>
+                                        </p:attrNameLst>
+                                      </p:cBhvr>
+                                      <p:to>
+                                        <p:strVal val="visible"/>
+                                      </p:to>
+                                    </p:set>
+                                  </p:childTnLst>
+                                </p:cTn>
+                              </p:par>
+                            </p:childTnLst>
+                          </p:cTn>
+                        </p:par>
+                      </p:childTnLst>
+                    </p:cTn>
+                  </p:par>
+                  <p:par>
+                    <p:cTn id="25" fill="hold">
+                      <p:stCondLst>
+                        <p:cond delay="indefinite"/>
+                      </p:stCondLst>
+                      <p:childTnLst>
+                        <p:par>
+                          <p:cTn id="26" fill="hold">
+                            <p:stCondLst>
+                              <p:cond delay="0"/>
+                            </p:stCondLst>
+                            <p:childTnLst>
+                              <p:par>
+                                <p:cTn id="27" presetID="1" presetClass="entr" presetSubtype="0" fill="hold" grpId="0" nodeType="clickEffect">
+                                  <p:stCondLst>
+                                    <p:cond delay="0"/>
+                                  </p:stCondLst>
+                                  <p:childTnLst>
+                                    <p:set>
+                                      <p:cBhvr>
+                                        <p:cTn id="28" dur="1" fill="hold">
+                                          <p:stCondLst>
+                                            <p:cond delay="0"/>
+                                          </p:stCondLst>
+                                        </p:cTn>
+                                        <p:tgtEl>
+                                          <p:spTgt spid="3">
+                                            <p:txEl>
+                                              <p:pRg st="6" end="6"/>
+                                            </p:txEl>
+                                          </p:spTgt>
+                                        </p:tgtEl>
+                                        <p:attrNameLst>
+                                          <p:attrName>style.visibility</p:attrName>
+                                        </p:attrNameLst>
+                                      </p:cBhvr>
+                                      <p:to>
+                                        <p:strVal val="visible"/>
+                                      </p:to>
+                                    </p:set>
+                                  </p:childTnLst>
+                                </p:cTn>
+                              </p:par>
+                            </p:childTnLst>
+                          </p:cTn>
+                        </p:par>
+                      </p:childTnLst>
+                    </p:cTn>
+                  </p:par>
+                </p:childTnLst>
+              </p:cTn>
+              <p:prevCondLst>
+                <p:cond evt="onPrev" delay="0">
+                  <p:tgtEl>
+                    <p:sldTgt/>
+                  </p:tgtEl>
+                </p:cond>
+              </p:prevCondLst>
+              <p:nextCondLst>
+                <p:cond evt="onNext" delay="0">
+                  <p:tgtEl>
+                    <p:sldTgt/>
+                  </p:tgtEl>
+                </p:cond>
+              </p:nextCondLst>
+            </p:seq>
+          </p:childTnLst>
+        </p:cTn>
+      </p:par>
+    </p:tnLst>
+    <p:bldLst>
+      <p:bldP spid="3" grpId="0" uiExpand="1" build="p"/>
+    </p:bldLst>
+  </p:timing>
+</p:sld>
+</file>
+
+<file path=ppt/slides/slide14.xml><?xml version="1.0" encoding="utf-8"?>
+<p:sld xmlns:a="http://schemas.openxmlformats.org/drawingml/2006/main" xmlns:r="http://schemas.openxmlformats.org/officeDocument/2006/relationships" xmlns:p="http://schemas.openxmlformats.org/presentationml/2006/main">
+  <p:cSld>
+    <p:spTree>
+      <p:nvGrpSpPr>
+        <p:cNvPr id="1" name=""/>
+        <p:cNvGrpSpPr/>
+        <p:nvPr/>
+      </p:nvGrpSpPr>
+      <p:grpSpPr>
+        <a:xfrm>
+          <a:off x="0" y="0"/>
+          <a:ext cx="0" cy="0"/>
+          <a:chOff x="0" y="0"/>
+          <a:chExt cx="0" cy="0"/>
+        </a:xfrm>
+      </p:grpSpPr>
+      <p:sp>
+        <p:nvSpPr>
+          <p:cNvPr id="2" name="Title 1"/>
+          <p:cNvSpPr>
+            <a:spLocks noGrp="1"/>
+          </p:cNvSpPr>
+          <p:nvPr>
+            <p:ph type="title"/>
+          </p:nvPr>
+        </p:nvSpPr>
+        <p:spPr/>
+        <p:txBody>
+          <a:bodyPr>
+            <a:normAutofit/>
+          </a:bodyPr>
+          <a:lstStyle/>
+          <a:p>
+            <a:r>
+              <a:rPr lang="en-US" dirty="0" smtClean="0">
+                <a:solidFill>
+                  <a:srgbClr val="0070C0"/>
+                </a:solidFill>
+              </a:rPr>
+              <a:t>Back to the batch setting</a:t>
+            </a:r>
+            <a:endParaRPr lang="en-US" dirty="0" smtClean="0">
+              <a:solidFill>
+                <a:srgbClr val="0070C0"/>
+              </a:solidFill>
+            </a:endParaRPr>
+          </a:p>
+        </p:txBody>
+      </p:sp>
+      <mc:AlternateContent xmlns:mc="http://schemas.openxmlformats.org/markup-compatibility/2006" xmlns:a14="http://schemas.microsoft.com/office/drawing/2010/main">
+        <mc:Choice Requires="a14">
+          <p:sp>
+            <p:nvSpPr>
+              <p:cNvPr id="3" name="Content Placeholder 2"/>
+              <p:cNvSpPr>
+                <a:spLocks noGrp="1"/>
+              </p:cNvSpPr>
+              <p:nvPr>
+                <p:ph idx="1"/>
+              </p:nvPr>
+            </p:nvSpPr>
+            <p:spPr>
+              <a:xfrm>
+                <a:off x="304800" y="1371600"/>
+                <a:ext cx="8839200" cy="5486400"/>
+              </a:xfrm>
+            </p:spPr>
+            <p:txBody>
+              <a:bodyPr/>
+              <a:lstStyle/>
+              <a:p>
+                <a:r>
+                  <a:rPr lang="en-US" dirty="0" smtClean="0"/>
+                  <a:t>Classification problem</a:t>
+                </a:r>
+              </a:p>
+              <a:p>
+                <a:pPr lvl="1"/>
+                <a:r>
+                  <a:rPr lang="en-US" dirty="0" smtClean="0"/>
+                  <a:t>Instance space </a:t>
+                </a:r>
+                <a14:m>
+                  <m:oMath xmlns:m="http://schemas.openxmlformats.org/officeDocument/2006/math">
+                    <m:r>
+                      <a:rPr lang="en-US" b="0" i="1" smtClean="0">
+                        <a:latin typeface="Cambria Math"/>
+                      </a:rPr>
+                      <m:t>𝑋</m:t>
+                    </m:r>
+                    <m:r>
+                      <a:rPr lang="en-US" b="0" i="1" smtClean="0">
+                        <a:latin typeface="Cambria Math"/>
+                      </a:rPr>
+                      <m:t>:</m:t>
+                    </m:r>
+                    <m:sSup>
+                      <m:sSupPr>
+                        <m:ctrlPr>
+                          <a:rPr lang="en-US" b="0" i="1" smtClean="0">
+                            <a:latin typeface="Cambria Math"/>
+                          </a:rPr>
+                        </m:ctrlPr>
+                      </m:sSupPr>
+                      <m:e>
+                        <m:d>
+                          <m:dPr>
+                            <m:begChr m:val="{"/>
+                            <m:endChr m:val="}"/>
+                            <m:ctrlPr>
+                              <a:rPr lang="en-US" b="0" i="1" smtClean="0">
+                                <a:latin typeface="Cambria Math"/>
+                              </a:rPr>
+                            </m:ctrlPr>
+                          </m:dPr>
+                          <m:e>
+                            <m:r>
+                              <a:rPr lang="en-US" b="0" i="1" smtClean="0">
+                                <a:latin typeface="Cambria Math"/>
+                              </a:rPr>
+                              <m:t>0,1</m:t>
+                            </m:r>
+                          </m:e>
+                        </m:d>
+                      </m:e>
+                      <m:sup>
+                        <m:r>
+                          <a:rPr lang="en-US" b="1" i="1" smtClean="0">
+                            <a:solidFill>
+                              <a:srgbClr val="0070C0"/>
+                            </a:solidFill>
+                            <a:latin typeface="Cambria Math"/>
+                          </a:rPr>
+                          <m:t>𝒅</m:t>
+                        </m:r>
+                      </m:sup>
+                    </m:sSup>
+                  </m:oMath>
+                </a14:m>
+                <a:r>
+                  <a:rPr lang="en-US" dirty="0" smtClean="0"/>
+                  <a:t> or </a:t>
+                </a:r>
+                <a14:m>
+                  <m:oMath xmlns:m="http://schemas.openxmlformats.org/officeDocument/2006/math">
+                    <m:sSup>
+                      <m:sSupPr>
+                        <m:ctrlPr>
+                          <a:rPr lang="en-US" b="0" i="1" smtClean="0">
+                            <a:latin typeface="Cambria Math"/>
+                            <a:ea typeface="Cambria Math"/>
+                          </a:rPr>
+                        </m:ctrlPr>
+                      </m:sSupPr>
+                      <m:e>
+                        <m:r>
+                          <a:rPr lang="en-US" i="1" smtClean="0">
+                            <a:latin typeface="Cambria Math"/>
+                            <a:ea typeface="Cambria Math"/>
+                          </a:rPr>
+                          <m:t>ℝ</m:t>
+                        </m:r>
+                      </m:e>
+                      <m:sup>
+                        <m:r>
+                          <a:rPr lang="en-US" b="1" i="1" smtClean="0">
+                            <a:solidFill>
+                              <a:srgbClr val="0070C0"/>
+                            </a:solidFill>
+                            <a:latin typeface="Cambria Math"/>
+                            <a:ea typeface="Cambria Math"/>
+                          </a:rPr>
+                          <m:t>𝒅</m:t>
+                        </m:r>
+                      </m:sup>
+                    </m:sSup>
+                  </m:oMath>
+                </a14:m>
+                <a:r>
+                  <a:rPr lang="en-US" dirty="0" smtClean="0"/>
+                  <a:t> (feature vectors)</a:t>
+                </a:r>
+              </a:p>
+              <a:p>
+                <a:pPr lvl="1"/>
+                <a:r>
+                  <a:rPr lang="en-US" dirty="0" smtClean="0"/>
+                  <a:t>Classification: come up with a mapping </a:t>
+                </a:r>
+                <a14:m>
+                  <m:oMath xmlns:m="http://schemas.openxmlformats.org/officeDocument/2006/math">
+                    <m:r>
+                      <a:rPr lang="en-US" b="0" i="1" smtClean="0">
+                        <a:latin typeface="Cambria Math"/>
+                      </a:rPr>
+                      <m:t>𝑋</m:t>
+                    </m:r>
+                    <m:r>
+                      <a:rPr lang="en-US" b="0" i="1" smtClean="0">
+                        <a:latin typeface="Cambria Math"/>
+                      </a:rPr>
+                      <m:t>→{0,1}</m:t>
+                    </m:r>
+                  </m:oMath>
+                </a14:m>
+                <a:endParaRPr lang="en-US" dirty="0" smtClean="0"/>
+              </a:p>
+              <a:p>
+                <a:r>
+                  <a:rPr lang="en-US" dirty="0" smtClean="0"/>
+                  <a:t>Formalization:</a:t>
+                </a:r>
+              </a:p>
+              <a:p>
+                <a:pPr lvl="1"/>
+                <a:r>
+                  <a:rPr lang="en-US" dirty="0" smtClean="0"/>
+                  <a:t>Assume there is a probability distribution </a:t>
+                </a:r>
+                <a14:m>
+                  <m:oMath xmlns:m="http://schemas.openxmlformats.org/officeDocument/2006/math">
+                    <m:r>
+                      <a:rPr lang="en-US" b="0" i="1" smtClean="0">
+                        <a:latin typeface="Cambria Math"/>
+                      </a:rPr>
+                      <m:t>𝐷</m:t>
+                    </m:r>
+                  </m:oMath>
+                </a14:m>
+                <a:r>
+                  <a:rPr lang="en-US" dirty="0" smtClean="0"/>
+                  <a:t> over </a:t>
+                </a:r>
+                <a14:m>
+                  <m:oMath xmlns:m="http://schemas.openxmlformats.org/officeDocument/2006/math">
+                    <m:r>
+                      <a:rPr lang="en-US" b="0" i="1" smtClean="0">
+                        <a:latin typeface="Cambria Math"/>
+                      </a:rPr>
+                      <m:t>𝑋</m:t>
+                    </m:r>
+                  </m:oMath>
+                </a14:m>
+                <a:endParaRPr lang="en-US" dirty="0" smtClean="0"/>
+              </a:p>
+              <a:p>
+                <a:pPr lvl="1"/>
+                <a14:m>
+                  <m:oMath xmlns:m="http://schemas.openxmlformats.org/officeDocument/2006/math">
+                    <m:sSup>
+                      <m:sSupPr>
+                        <m:ctrlPr>
+                          <a:rPr lang="en-US" b="1" i="1" smtClean="0">
+                            <a:latin typeface="Cambria Math"/>
+                          </a:rPr>
+                        </m:ctrlPr>
+                      </m:sSupPr>
+                      <m:e>
+                        <m:r>
+                          <a:rPr lang="en-US" b="1" i="1" smtClean="0">
+                            <a:latin typeface="Cambria Math"/>
+                          </a:rPr>
+                          <m:t>𝒄</m:t>
+                        </m:r>
+                      </m:e>
+                      <m:sup>
+                        <m:r>
+                          <a:rPr lang="en-US" b="1" i="1" smtClean="0">
+                            <a:latin typeface="Cambria Math"/>
+                          </a:rPr>
+                          <m:t>∗</m:t>
+                        </m:r>
+                      </m:sup>
+                    </m:sSup>
+                  </m:oMath>
+                </a14:m>
+                <a:r>
+                  <a:rPr lang="en-US" dirty="0" smtClean="0"/>
+                  <a:t>= “target concept” (set </a:t>
+                </a:r>
+                <a14:m>
+                  <m:oMath xmlns:m="http://schemas.openxmlformats.org/officeDocument/2006/math">
+                    <m:sSup>
+                      <m:sSupPr>
+                        <m:ctrlPr>
+                          <a:rPr lang="en-US" b="1" i="1" smtClean="0">
+                            <a:latin typeface="Cambria Math"/>
+                          </a:rPr>
+                        </m:ctrlPr>
+                      </m:sSupPr>
+                      <m:e>
+                        <m:r>
+                          <a:rPr lang="en-US" b="1" i="1" smtClean="0">
+                            <a:latin typeface="Cambria Math"/>
+                          </a:rPr>
+                          <m:t>𝒄</m:t>
+                        </m:r>
+                      </m:e>
+                      <m:sup>
+                        <m:r>
+                          <a:rPr lang="en-US" b="1" i="1" smtClean="0">
+                            <a:latin typeface="Cambria Math"/>
+                          </a:rPr>
+                          <m:t>∗</m:t>
+                        </m:r>
+                      </m:sup>
+                    </m:sSup>
+                    <m:r>
+                      <a:rPr lang="en-US" b="1" i="1" smtClean="0">
+                        <a:latin typeface="Cambria Math"/>
+                      </a:rPr>
+                      <m:t>⊆</m:t>
+                    </m:r>
+                    <m:r>
+                      <a:rPr lang="en-US" b="0" i="1" smtClean="0">
+                        <a:latin typeface="Cambria Math"/>
+                      </a:rPr>
+                      <m:t>𝑋</m:t>
+                    </m:r>
+                  </m:oMath>
+                </a14:m>
+                <a:r>
+                  <a:rPr lang="en-US" dirty="0" smtClean="0"/>
+                  <a:t> of positive instances)</a:t>
+                </a:r>
+              </a:p>
+              <a:p>
+                <a:pPr lvl="1"/>
+                <a:r>
+                  <a:rPr lang="en-US" dirty="0" smtClean="0"/>
+                  <a:t>Given labeled </a:t>
+                </a:r>
+                <a:r>
+                  <a:rPr lang="en-US" dirty="0" err="1" smtClean="0"/>
+                  <a:t>i.i.d</a:t>
+                </a:r>
+                <a:r>
+                  <a:rPr lang="en-US" dirty="0" smtClean="0"/>
+                  <a:t>. samples from </a:t>
+                </a:r>
+                <a14:m>
+                  <m:oMath xmlns:m="http://schemas.openxmlformats.org/officeDocument/2006/math">
+                    <m:r>
+                      <a:rPr lang="en-US" b="0" i="1" smtClean="0">
+                        <a:latin typeface="Cambria Math"/>
+                      </a:rPr>
+                      <m:t>𝐷</m:t>
+                    </m:r>
+                  </m:oMath>
+                </a14:m>
+                <a:r>
+                  <a:rPr lang="en-US" dirty="0" smtClean="0"/>
+                  <a:t> produce </a:t>
+                </a:r>
+                <a14:m>
+                  <m:oMath xmlns:m="http://schemas.openxmlformats.org/officeDocument/2006/math">
+                    <m:r>
+                      <a:rPr lang="en-US" b="1" i="1" smtClean="0">
+                        <a:latin typeface="Cambria Math"/>
+                      </a:rPr>
+                      <m:t>𝒉</m:t>
+                    </m:r>
+                    <m:r>
+                      <a:rPr lang="en-US" b="1" i="1" smtClean="0">
+                        <a:latin typeface="Cambria Math"/>
+                      </a:rPr>
+                      <m:t>⊆</m:t>
+                    </m:r>
+                    <m:r>
+                      <a:rPr lang="en-US" b="0" i="1" smtClean="0">
+                        <a:latin typeface="Cambria Math"/>
+                      </a:rPr>
+                      <m:t>𝑋</m:t>
+                    </m:r>
+                  </m:oMath>
+                </a14:m>
+                <a:endParaRPr lang="en-US" b="1" dirty="0" smtClean="0"/>
+              </a:p>
+              <a:p>
+                <a:pPr lvl="1"/>
+                <a:r>
+                  <a:rPr lang="en-US" b="1" dirty="0" smtClean="0"/>
+                  <a:t>Goal: </a:t>
+                </a:r>
+                <a:r>
+                  <a:rPr lang="en-US" dirty="0" smtClean="0"/>
+                  <a:t>have </a:t>
+                </a:r>
+                <a14:m>
+                  <m:oMath xmlns:m="http://schemas.openxmlformats.org/officeDocument/2006/math">
+                    <m:r>
+                      <a:rPr lang="en-US" b="1" i="1" smtClean="0">
+                        <a:latin typeface="Cambria Math"/>
+                      </a:rPr>
+                      <m:t>𝒉</m:t>
+                    </m:r>
+                  </m:oMath>
+                </a14:m>
+                <a:r>
+                  <a:rPr lang="en-US" b="1" dirty="0" smtClean="0"/>
+                  <a:t> </a:t>
+                </a:r>
+                <a:r>
+                  <a:rPr lang="en-US" dirty="0" smtClean="0"/>
+                  <a:t>agree with </a:t>
+                </a:r>
+                <a14:m>
+                  <m:oMath xmlns:m="http://schemas.openxmlformats.org/officeDocument/2006/math">
+                    <m:sSup>
+                      <m:sSupPr>
+                        <m:ctrlPr>
+                          <a:rPr lang="en-US" b="1" i="1" smtClean="0">
+                            <a:latin typeface="Cambria Math"/>
+                          </a:rPr>
+                        </m:ctrlPr>
+                      </m:sSupPr>
+                      <m:e>
+                        <m:r>
+                          <a:rPr lang="en-US" b="1" i="1" smtClean="0">
+                            <a:latin typeface="Cambria Math"/>
+                          </a:rPr>
+                          <m:t>𝒄</m:t>
+                        </m:r>
+                      </m:e>
+                      <m:sup>
+                        <m:r>
+                          <a:rPr lang="en-US" b="1" i="1" smtClean="0">
+                            <a:latin typeface="Cambria Math"/>
+                          </a:rPr>
+                          <m:t>∗</m:t>
+                        </m:r>
+                      </m:sup>
+                    </m:sSup>
+                  </m:oMath>
+                </a14:m>
+                <a:r>
+                  <a:rPr lang="en-US" dirty="0" smtClean="0"/>
+                  <a:t> over distribution </a:t>
+                </a:r>
+                <a14:m>
+                  <m:oMath xmlns:m="http://schemas.openxmlformats.org/officeDocument/2006/math">
+                    <m:r>
+                      <a:rPr lang="en-US" b="0" i="1" smtClean="0">
+                        <a:latin typeface="Cambria Math"/>
+                      </a:rPr>
+                      <m:t>𝐷</m:t>
+                    </m:r>
+                  </m:oMath>
+                </a14:m>
+                <a:endParaRPr lang="en-US" dirty="0" smtClean="0"/>
+              </a:p>
+              <a:p>
+                <a:pPr lvl="1"/>
+                <a:r>
+                  <a:rPr lang="en-US" dirty="0" smtClean="0"/>
+                  <a:t>Minimize: </a:t>
+                </a:r>
+                <a14:m>
+                  <m:oMath xmlns:m="http://schemas.openxmlformats.org/officeDocument/2006/math">
+                    <m:r>
+                      <a:rPr lang="en-US" b="0" i="1" smtClean="0">
+                        <a:latin typeface="Cambria Math"/>
+                      </a:rPr>
+                      <m:t>𝑒𝑟</m:t>
+                    </m:r>
+                    <m:sSub>
+                      <m:sSubPr>
+                        <m:ctrlPr>
+                          <a:rPr lang="en-US" b="0" i="1" smtClean="0">
+                            <a:latin typeface="Cambria Math"/>
+                          </a:rPr>
+                        </m:ctrlPr>
+                      </m:sSubPr>
+                      <m:e>
+                        <m:r>
+                          <a:rPr lang="en-US" b="0" i="1" smtClean="0">
+                            <a:latin typeface="Cambria Math"/>
+                          </a:rPr>
+                          <m:t>𝑟</m:t>
+                        </m:r>
+                      </m:e>
+                      <m:sub>
+                        <m:r>
+                          <a:rPr lang="en-US" b="0" i="1" smtClean="0">
+                            <a:latin typeface="Cambria Math"/>
+                          </a:rPr>
+                          <m:t>𝐷</m:t>
+                        </m:r>
+                      </m:sub>
+                    </m:sSub>
+                    <m:d>
+                      <m:dPr>
+                        <m:ctrlPr>
+                          <a:rPr lang="en-US" b="0" i="1" smtClean="0">
+                            <a:latin typeface="Cambria Math"/>
+                          </a:rPr>
+                        </m:ctrlPr>
+                      </m:dPr>
+                      <m:e>
+                        <m:r>
+                          <a:rPr lang="en-US" b="1" i="1" smtClean="0">
+                            <a:latin typeface="Cambria Math"/>
+                          </a:rPr>
+                          <m:t>𝒉</m:t>
+                        </m:r>
+                      </m:e>
+                    </m:d>
+                    <m:r>
+                      <a:rPr lang="en-US" b="0" i="1" smtClean="0">
+                        <a:latin typeface="Cambria Math"/>
+                      </a:rPr>
+                      <m:t>=</m:t>
+                    </m:r>
+                    <m:func>
+                      <m:funcPr>
+                        <m:ctrlPr>
+                          <a:rPr lang="en-US" b="0" i="1" smtClean="0">
+                            <a:latin typeface="Cambria Math"/>
+                          </a:rPr>
+                        </m:ctrlPr>
+                      </m:funcPr>
+                      <m:fName>
+                        <m:limLow>
+                          <m:limLowPr>
+                            <m:ctrlPr>
+                              <a:rPr lang="en-US" b="0" i="1" smtClean="0">
+                                <a:latin typeface="Cambria Math"/>
+                              </a:rPr>
+                            </m:ctrlPr>
+                          </m:limLowPr>
+                          <m:e>
+                            <m:r>
+                              <m:rPr>
+                                <m:sty m:val="p"/>
+                              </m:rPr>
+                              <a:rPr lang="en-US" b="0" i="0" smtClean="0">
+                                <a:latin typeface="Cambria Math"/>
+                              </a:rPr>
+                              <m:t>Pr</m:t>
+                            </m:r>
+                          </m:e>
+                          <m:lim>
+                            <m:r>
+                              <a:rPr lang="en-US" b="0" i="1" smtClean="0">
+                                <a:latin typeface="Cambria Math"/>
+                              </a:rPr>
+                              <m:t>𝐷</m:t>
+                            </m:r>
+                          </m:lim>
+                        </m:limLow>
+                      </m:fName>
+                      <m:e>
+                        <m:r>
+                          <a:rPr lang="en-US" b="0" i="1" smtClean="0">
+                            <a:latin typeface="Cambria Math"/>
+                          </a:rPr>
+                          <m:t>[</m:t>
+                        </m:r>
+                        <m:r>
+                          <a:rPr lang="en-US" b="1" i="1" smtClean="0">
+                            <a:latin typeface="Cambria Math"/>
+                          </a:rPr>
+                          <m:t>𝒉</m:t>
+                        </m:r>
+                        <m:r>
+                          <a:rPr lang="en-US" b="0" i="0" smtClean="0">
+                            <a:latin typeface="Cambria Math"/>
+                          </a:rPr>
+                          <m:t> </m:t>
+                        </m:r>
+                        <m:r>
+                          <m:rPr>
+                            <m:sty m:val="p"/>
+                          </m:rPr>
+                          <a:rPr lang="en-US" b="0" i="0" smtClean="0">
+                            <a:latin typeface="Cambria Math"/>
+                          </a:rPr>
+                          <m:t>Δ</m:t>
+                        </m:r>
+                        <m:r>
+                          <a:rPr lang="en-US" b="0" i="0" smtClean="0">
+                            <a:latin typeface="Cambria Math"/>
+                          </a:rPr>
+                          <m:t> </m:t>
+                        </m:r>
+                        <m:sSup>
+                          <m:sSupPr>
+                            <m:ctrlPr>
+                              <a:rPr lang="en-US" b="1" i="1" smtClean="0">
+                                <a:latin typeface="Cambria Math"/>
+                              </a:rPr>
+                            </m:ctrlPr>
+                          </m:sSupPr>
+                          <m:e>
+                            <m:r>
+                              <a:rPr lang="en-US" b="1" i="1" smtClean="0">
+                                <a:latin typeface="Cambria Math"/>
+                              </a:rPr>
+                              <m:t>𝒄</m:t>
+                            </m:r>
+                          </m:e>
+                          <m:sup>
+                            <m:r>
+                              <a:rPr lang="en-US" b="1" i="1" smtClean="0">
+                                <a:latin typeface="Cambria Math"/>
+                              </a:rPr>
+                              <m:t>∗</m:t>
+                            </m:r>
+                          </m:sup>
+                        </m:sSup>
+                        <m:r>
+                          <a:rPr lang="en-US" b="0" i="1" smtClean="0">
+                            <a:latin typeface="Cambria Math"/>
+                          </a:rPr>
+                          <m:t>]</m:t>
+                        </m:r>
+                      </m:e>
+                    </m:func>
+                  </m:oMath>
+                </a14:m>
+                <a:endParaRPr lang="en-US" dirty="0" smtClean="0"/>
+              </a:p>
+              <a:p>
+                <a:pPr lvl="1"/>
+                <a14:m>
+                  <m:oMath xmlns:m="http://schemas.openxmlformats.org/officeDocument/2006/math">
+                    <m:r>
+                      <a:rPr lang="en-US" b="0" i="1" smtClean="0">
+                        <a:latin typeface="Cambria Math"/>
+                      </a:rPr>
+                      <m:t>𝑒𝑟</m:t>
+                    </m:r>
+                    <m:sSub>
+                      <m:sSubPr>
+                        <m:ctrlPr>
+                          <a:rPr lang="en-US" b="0" i="1" smtClean="0">
+                            <a:latin typeface="Cambria Math"/>
+                          </a:rPr>
+                        </m:ctrlPr>
+                      </m:sSubPr>
+                      <m:e>
+                        <m:r>
+                          <a:rPr lang="en-US" b="0" i="1" smtClean="0">
+                            <a:latin typeface="Cambria Math"/>
+                          </a:rPr>
+                          <m:t>𝑟</m:t>
+                        </m:r>
+                      </m:e>
+                      <m:sub>
+                        <m:r>
+                          <a:rPr lang="en-US" b="0" i="1" smtClean="0">
+                            <a:latin typeface="Cambria Math"/>
+                          </a:rPr>
+                          <m:t>𝐷</m:t>
+                        </m:r>
+                      </m:sub>
+                    </m:sSub>
+                    <m:d>
+                      <m:dPr>
+                        <m:ctrlPr>
+                          <a:rPr lang="en-US" b="0" i="1" smtClean="0">
+                            <a:latin typeface="Cambria Math"/>
+                          </a:rPr>
+                        </m:ctrlPr>
+                      </m:dPr>
+                      <m:e>
+                        <m:r>
+                          <a:rPr lang="en-US" b="1" i="1" smtClean="0">
+                            <a:latin typeface="Cambria Math"/>
+                          </a:rPr>
+                          <m:t>𝒉</m:t>
+                        </m:r>
+                      </m:e>
+                    </m:d>
+                  </m:oMath>
+                </a14:m>
+                <a:r>
+                  <a:rPr lang="en-US" dirty="0" smtClean="0"/>
+                  <a:t> = “true” or “generalization” error</a:t>
+                </a:r>
+              </a:p>
+              <a:p>
+                <a:pPr lvl="1"/>
+                <a:endParaRPr lang="en-US" b="1" dirty="0" smtClean="0"/>
+              </a:p>
+              <a:p>
+                <a:pPr lvl="1"/>
+                <a:endParaRPr lang="en-US" dirty="0" smtClean="0"/>
+              </a:p>
+              <a:p>
+                <a:pPr lvl="1"/>
+                <a:endParaRPr lang="en-US" dirty="0" smtClean="0"/>
+              </a:p>
+              <a:p>
+                <a:endParaRPr lang="en-US" dirty="0" smtClean="0"/>
+              </a:p>
+              <a:p>
+                <a:pPr lvl="1"/>
+                <a:endParaRPr lang="en-US" dirty="0"/>
+              </a:p>
+            </p:txBody>
+          </p:sp>
+        </mc:Choice>
+        <mc:Fallback xmlns="">
+          <p:sp>
+            <p:nvSpPr>
+              <p:cNvPr id="3" name="Content Placeholder 2"/>
+              <p:cNvSpPr>
+                <a:spLocks noGrp="1" noRot="1" noChangeAspect="1" noMove="1" noResize="1" noEditPoints="1" noAdjustHandles="1" noChangeArrowheads="1" noChangeShapeType="1" noTextEdit="1"/>
+              </p:cNvSpPr>
+              <p:nvPr>
+                <p:ph idx="1"/>
+              </p:nvPr>
+            </p:nvSpPr>
+            <p:spPr>
+              <a:xfrm>
+                <a:off x="304800" y="1371600"/>
+                <a:ext cx="8839200" cy="5486400"/>
+              </a:xfrm>
+              <a:blipFill rotWithShape="1">
+                <a:blip r:embed="rId2"/>
+                <a:stretch>
+                  <a:fillRect l="-1517" t="-1444" r="-207"/>
+                </a:stretch>
+              </a:blipFill>
+            </p:spPr>
+            <p:txBody>
+              <a:bodyPr/>
+              <a:lstStyle/>
+              <a:p>
+                <a:r>
+                  <a:rPr lang="en-US">
+                    <a:noFill/>
+                  </a:rPr>
+                  <a:t> </a:t>
+                </a:r>
+              </a:p>
+            </p:txBody>
+          </p:sp>
+        </mc:Fallback>
+      </mc:AlternateContent>
+    </p:spTree>
+    <p:extLst>
+      <p:ext uri="{BB962C8B-B14F-4D97-AF65-F5344CB8AC3E}">
+        <p14:creationId xmlns:p14="http://schemas.microsoft.com/office/powerpoint/2010/main" val="4033958242"/>
+      </p:ext>
+    </p:extLst>
+  </p:cSld>
+  <p:clrMapOvr>
+    <a:masterClrMapping/>
+  </p:clrMapOvr>
+  <p:timing>
+    <p:tnLst>
+      <p:par>
+        <p:cTn id="1" dur="indefinite" restart="never" nodeType="tmRoot">
+          <p:childTnLst>
+            <p:seq concurrent="1" nextAc="seek">
+              <p:cTn id="2" dur="indefinite" nodeType="mainSeq">
+                <p:childTnLst>
+                  <p:par>
+                    <p:cTn id="3" fill="hold">
+                      <p:stCondLst>
+                        <p:cond delay="indefinite"/>
+                      </p:stCondLst>
+                      <p:childTnLst>
+                        <p:par>
+                          <p:cTn id="4" fill="hold">
+                            <p:stCondLst>
+                              <p:cond delay="0"/>
+                            </p:stCondLst>
+                            <p:childTnLst>
+                              <p:par>
+                                <p:cTn id="5" presetID="1" presetClass="entr" presetSubtype="0" fill="hold" grpId="0" nodeType="clickEffect">
+                                  <p:stCondLst>
+                                    <p:cond delay="0"/>
+                                  </p:stCondLst>
+                                  <p:childTnLst>
+                                    <p:set>
+                                      <p:cBhvr>
+                                        <p:cTn id="6" dur="1" fill="hold">
+                                          <p:stCondLst>
+                                            <p:cond delay="0"/>
+                                          </p:stCondLst>
+                                        </p:cTn>
+                                        <p:tgtEl>
+                                          <p:spTgt spid="3">
+                                            <p:txEl>
+                                              <p:pRg st="0" end="0"/>
+                                            </p:txEl>
+                                          </p:spTgt>
+                                        </p:tgtEl>
+                                        <p:attrNameLst>
+                                          <p:attrName>style.visibility</p:attrName>
+                                        </p:attrNameLst>
+                                      </p:cBhvr>
+                                      <p:to>
+                                        <p:strVal val="visible"/>
+                                      </p:to>
+                                    </p:set>
+                                  </p:childTnLst>
+                                </p:cTn>
+                              </p:par>
+                              <p:par>
+                                <p:cTn id="7" presetID="1" presetClass="entr" presetSubtype="0" fill="hold" grpId="0" nodeType="withEffect">
+                                  <p:stCondLst>
+                                    <p:cond delay="0"/>
+                                  </p:stCondLst>
+                                  <p:childTnLst>
+                                    <p:set>
+                                      <p:cBhvr>
+                                        <p:cTn id="8" dur="1" fill="hold">
+                                          <p:stCondLst>
+                                            <p:cond delay="0"/>
+                                          </p:stCondLst>
+                                        </p:cTn>
+                                        <p:tgtEl>
+                                          <p:spTgt spid="3">
+                                            <p:txEl>
+                                              <p:pRg st="1" end="1"/>
+                                            </p:txEl>
+                                          </p:spTgt>
+                                        </p:tgtEl>
+                                        <p:attrNameLst>
+                                          <p:attrName>style.visibility</p:attrName>
+                                        </p:attrNameLst>
+                                      </p:cBhvr>
+                                      <p:to>
+                                        <p:strVal val="visible"/>
+                                      </p:to>
+                                    </p:set>
+                                  </p:childTnLst>
+                                </p:cTn>
+                              </p:par>
+                              <p:par>
+                                <p:cTn id="9" presetID="1" presetClass="entr" presetSubtype="0" fill="hold" grpId="0" nodeType="withEffect">
+                                  <p:stCondLst>
+                                    <p:cond delay="0"/>
+                                  </p:stCondLst>
+                                  <p:childTnLst>
+                                    <p:set>
+                                      <p:cBhvr>
+                                        <p:cTn id="10" dur="1" fill="hold">
+                                          <p:stCondLst>
+                                            <p:cond delay="0"/>
+                                          </p:stCondLst>
+                                        </p:cTn>
+                                        <p:tgtEl>
+                                          <p:spTgt spid="3">
+                                            <p:txEl>
+                                              <p:pRg st="2" end="2"/>
+                                            </p:txEl>
+                                          </p:spTgt>
+                                        </p:tgtEl>
+                                        <p:attrNameLst>
+                                          <p:attrName>style.visibility</p:attrName>
+                                        </p:attrNameLst>
+                                      </p:cBhvr>
+                                      <p:to>
+                                        <p:strVal val="visible"/>
+                                      </p:to>
+                                    </p:set>
+                                  </p:childTnLst>
+                                </p:cTn>
+                              </p:par>
+                            </p:childTnLst>
+                          </p:cTn>
+                        </p:par>
+                      </p:childTnLst>
+                    </p:cTn>
+                  </p:par>
+                  <p:par>
+                    <p:cTn id="11" fill="hold">
+                      <p:stCondLst>
+                        <p:cond delay="indefinite"/>
+                      </p:stCondLst>
+                      <p:childTnLst>
+                        <p:par>
+                          <p:cTn id="12" fill="hold">
+                            <p:stCondLst>
+                              <p:cond delay="0"/>
+                            </p:stCondLst>
+                            <p:childTnLst>
+                              <p:par>
+                                <p:cTn id="13" presetID="1" presetClass="entr" presetSubtype="0" fill="hold" grpId="0" nodeType="clickEffect">
+                                  <p:stCondLst>
+                                    <p:cond delay="0"/>
+                                  </p:stCondLst>
+                                  <p:childTnLst>
+                                    <p:set>
+                                      <p:cBhvr>
+                                        <p:cTn id="14" dur="1" fill="hold">
+                                          <p:stCondLst>
+                                            <p:cond delay="0"/>
+                                          </p:stCondLst>
+                                        </p:cTn>
+                                        <p:tgtEl>
+                                          <p:spTgt spid="3">
+                                            <p:txEl>
+                                              <p:pRg st="3" end="3"/>
+                                            </p:txEl>
+                                          </p:spTgt>
+                                        </p:tgtEl>
+                                        <p:attrNameLst>
+                                          <p:attrName>style.visibility</p:attrName>
+                                        </p:attrNameLst>
+                                      </p:cBhvr>
+                                      <p:to>
+                                        <p:strVal val="visible"/>
+                                      </p:to>
+                                    </p:set>
+                                  </p:childTnLst>
+                                </p:cTn>
+                              </p:par>
+                            </p:childTnLst>
+                          </p:cTn>
+                        </p:par>
+                      </p:childTnLst>
+                    </p:cTn>
+                  </p:par>
+                  <p:par>
+                    <p:cTn id="15" fill="hold">
+                      <p:stCondLst>
+                        <p:cond delay="indefinite"/>
+                      </p:stCondLst>
+                      <p:childTnLst>
+                        <p:par>
+                          <p:cTn id="16" fill="hold">
+                            <p:stCondLst>
+                              <p:cond delay="0"/>
+                            </p:stCondLst>
+                            <p:childTnLst>
+                              <p:par>
+                                <p:cTn id="17" presetID="1" presetClass="entr" presetSubtype="0" fill="hold" grpId="0" nodeType="clickEffect">
+                                  <p:stCondLst>
+                                    <p:cond delay="0"/>
+                                  </p:stCondLst>
+                                  <p:childTnLst>
+                                    <p:set>
+                                      <p:cBhvr>
+                                        <p:cTn id="18" dur="1" fill="hold">
+                                          <p:stCondLst>
+                                            <p:cond delay="0"/>
+                                          </p:stCondLst>
+                                        </p:cTn>
+                                        <p:tgtEl>
+                                          <p:spTgt spid="3">
+                                            <p:txEl>
+                                              <p:pRg st="4" end="4"/>
+                                            </p:txEl>
+                                          </p:spTgt>
+                                        </p:tgtEl>
+                                        <p:attrNameLst>
+                                          <p:attrName>style.visibility</p:attrName>
+                                        </p:attrNameLst>
+                                      </p:cBhvr>
+                                      <p:to>
+                                        <p:strVal val="visible"/>
+                                      </p:to>
+                                    </p:set>
+                                  </p:childTnLst>
+                                </p:cTn>
+                              </p:par>
+                            </p:childTnLst>
+                          </p:cTn>
+                        </p:par>
+                      </p:childTnLst>
+                    </p:cTn>
+                  </p:par>
+                  <p:par>
+                    <p:cTn id="19" fill="hold">
+                      <p:stCondLst>
+                        <p:cond delay="indefinite"/>
+                      </p:stCondLst>
+                      <p:childTnLst>
+                        <p:par>
+                          <p:cTn id="20" fill="hold">
+                            <p:stCondLst>
+                              <p:cond delay="0"/>
+                            </p:stCondLst>
+                            <p:childTnLst>
+                              <p:par>
+                                <p:cTn id="21" presetID="1" presetClass="entr" presetSubtype="0" fill="hold" grpId="0" nodeType="clickEffect">
+                                  <p:stCondLst>
+                                    <p:cond delay="0"/>
+                                  </p:stCondLst>
+                                  <p:childTnLst>
+                                    <p:set>
+                                      <p:cBhvr>
+                                        <p:cTn id="22" dur="1" fill="hold">
+                                          <p:stCondLst>
+                                            <p:cond delay="0"/>
+                                          </p:stCondLst>
+                                        </p:cTn>
+                                        <p:tgtEl>
+                                          <p:spTgt spid="3">
+                                            <p:txEl>
+                                              <p:pRg st="5" end="5"/>
+                                            </p:txEl>
+                                          </p:spTgt>
+                                        </p:tgtEl>
+                                        <p:attrNameLst>
+                                          <p:attrName>style.visibility</p:attrName>
+                                        </p:attrNameLst>
+                                      </p:cBhvr>
+                                      <p:to>
+                                        <p:strVal val="visible"/>
+                                      </p:to>
+                                    </p:set>
+                                  </p:childTnLst>
+                                </p:cTn>
+                              </p:par>
+                            </p:childTnLst>
+                          </p:cTn>
+                        </p:par>
+                      </p:childTnLst>
+                    </p:cTn>
+                  </p:par>
+                  <p:par>
+                    <p:cTn id="23" fill="hold">
+                      <p:stCondLst>
+                        <p:cond delay="indefinite"/>
+                      </p:stCondLst>
+                      <p:childTnLst>
+                        <p:par>
+                          <p:cTn id="24" fill="hold">
+                            <p:stCondLst>
+                              <p:cond delay="0"/>
+                            </p:stCondLst>
+                            <p:childTnLst>
+                              <p:par>
+                                <p:cTn id="25" presetID="1" presetClass="entr" presetSubtype="0" fill="hold" grpId="0" nodeType="clickEffect">
+                                  <p:stCondLst>
+                                    <p:cond delay="0"/>
+                                  </p:stCondLst>
+                                  <p:childTnLst>
+                                    <p:set>
+                                      <p:cBhvr>
+                                        <p:cTn id="26" dur="1" fill="hold">
+                                          <p:stCondLst>
+                                            <p:cond delay="0"/>
+                                          </p:stCondLst>
+                                        </p:cTn>
+                                        <p:tgtEl>
+                                          <p:spTgt spid="3">
+                                            <p:txEl>
+                                              <p:pRg st="6" end="6"/>
+                                            </p:txEl>
+                                          </p:spTgt>
+                                        </p:tgtEl>
+                                        <p:attrNameLst>
+                                          <p:attrName>style.visibility</p:attrName>
+                                        </p:attrNameLst>
+                                      </p:cBhvr>
+                                      <p:to>
+                                        <p:strVal val="visible"/>
+                                      </p:to>
+                                    </p:set>
+                                  </p:childTnLst>
+                                </p:cTn>
+                              </p:par>
+                            </p:childTnLst>
+                          </p:cTn>
+                        </p:par>
+                      </p:childTnLst>
+                    </p:cTn>
+                  </p:par>
+                  <p:par>
+                    <p:cTn id="27" fill="hold">
+                      <p:stCondLst>
+                        <p:cond delay="indefinite"/>
+                      </p:stCondLst>
+                      <p:childTnLst>
+                        <p:par>
+                          <p:cTn id="28" fill="hold">
+                            <p:stCondLst>
+                              <p:cond delay="0"/>
+                            </p:stCondLst>
+                            <p:childTnLst>
+                              <p:par>
+                                <p:cTn id="29" presetID="1" presetClass="entr" presetSubtype="0" fill="hold" grpId="0" nodeType="clickEffect">
+                                  <p:stCondLst>
+                                    <p:cond delay="0"/>
+                                  </p:stCondLst>
+                                  <p:childTnLst>
+                                    <p:set>
+                                      <p:cBhvr>
+                                        <p:cTn id="30" dur="1" fill="hold">
+                                          <p:stCondLst>
+                                            <p:cond delay="0"/>
+                                          </p:stCondLst>
+                                        </p:cTn>
+                                        <p:tgtEl>
+                                          <p:spTgt spid="3">
+                                            <p:txEl>
+                                              <p:pRg st="7" end="7"/>
+                                            </p:txEl>
+                                          </p:spTgt>
+                                        </p:tgtEl>
+                                        <p:attrNameLst>
+                                          <p:attrName>style.visibility</p:attrName>
+                                        </p:attrNameLst>
+                                      </p:cBhvr>
+                                      <p:to>
+                                        <p:strVal val="visible"/>
+                                      </p:to>
+                                    </p:set>
+                                  </p:childTnLst>
+                                </p:cTn>
+                              </p:par>
+                            </p:childTnLst>
+                          </p:cTn>
+                        </p:par>
+                      </p:childTnLst>
+                    </p:cTn>
+                  </p:par>
+                  <p:par>
+                    <p:cTn id="31" fill="hold">
+                      <p:stCondLst>
+                        <p:cond delay="indefinite"/>
+                      </p:stCondLst>
+                      <p:childTnLst>
+                        <p:par>
+                          <p:cTn id="32" fill="hold">
+                            <p:stCondLst>
+                              <p:cond delay="0"/>
+                            </p:stCondLst>
+                            <p:childTnLst>
+                              <p:par>
+                                <p:cTn id="33" presetID="1" presetClass="entr" presetSubtype="0" fill="hold" grpId="0" nodeType="clickEffect">
+                                  <p:stCondLst>
+                                    <p:cond delay="0"/>
+                                  </p:stCondLst>
+                                  <p:childTnLst>
+                                    <p:set>
+                                      <p:cBhvr>
+                                        <p:cTn id="34" dur="1" fill="hold">
+                                          <p:stCondLst>
+                                            <p:cond delay="0"/>
+                                          </p:stCondLst>
+                                        </p:cTn>
+                                        <p:tgtEl>
+                                          <p:spTgt spid="3">
+                                            <p:txEl>
+                                              <p:pRg st="8" end="8"/>
+                                            </p:txEl>
+                                          </p:spTgt>
+                                        </p:tgtEl>
+                                        <p:attrNameLst>
+                                          <p:attrName>style.visibility</p:attrName>
+                                        </p:attrNameLst>
+                                      </p:cBhvr>
+                                      <p:to>
+                                        <p:strVal val="visible"/>
+                                      </p:to>
+                                    </p:set>
+                                  </p:childTnLst>
+                                </p:cTn>
+                              </p:par>
+                            </p:childTnLst>
+                          </p:cTn>
+                        </p:par>
+                      </p:childTnLst>
+                    </p:cTn>
+                  </p:par>
+                  <p:par>
+                    <p:cTn id="35" fill="hold">
+                      <p:stCondLst>
+                        <p:cond delay="indefinite"/>
+                      </p:stCondLst>
+                      <p:childTnLst>
+                        <p:par>
+                          <p:cTn id="36" fill="hold">
+                            <p:stCondLst>
+                              <p:cond delay="0"/>
+                            </p:stCondLst>
+                            <p:childTnLst>
+                              <p:par>
+                                <p:cTn id="37" presetID="1" presetClass="entr" presetSubtype="0" fill="hold" grpId="0" nodeType="clickEffect">
+                                  <p:stCondLst>
+                                    <p:cond delay="0"/>
+                                  </p:stCondLst>
+                                  <p:childTnLst>
+                                    <p:set>
+                                      <p:cBhvr>
+                                        <p:cTn id="38" dur="1" fill="hold">
+                                          <p:stCondLst>
+                                            <p:cond delay="0"/>
+                                          </p:stCondLst>
+                                        </p:cTn>
+                                        <p:tgtEl>
+                                          <p:spTgt spid="3">
+                                            <p:txEl>
+                                              <p:pRg st="9" end="9"/>
+                                            </p:txEl>
+                                          </p:spTgt>
+                                        </p:tgtEl>
+                                        <p:attrNameLst>
+                                          <p:attrName>style.visibility</p:attrName>
+                                        </p:attrNameLst>
+                                      </p:cBhvr>
+                                      <p:to>
+                                        <p:strVal val="visible"/>
+                                      </p:to>
+                                    </p:set>
+                                  </p:childTnLst>
+                                </p:cTn>
+                              </p:par>
+                            </p:childTnLst>
+                          </p:cTn>
+                        </p:par>
+                      </p:childTnLst>
+                    </p:cTn>
+                  </p:par>
+                </p:childTnLst>
+              </p:cTn>
+              <p:prevCondLst>
+                <p:cond evt="onPrev" delay="0">
+                  <p:tgtEl>
+                    <p:sldTgt/>
+                  </p:tgtEl>
+                </p:cond>
+              </p:prevCondLst>
+              <p:nextCondLst>
+                <p:cond evt="onNext" delay="0">
+                  <p:tgtEl>
+                    <p:sldTgt/>
+                  </p:tgtEl>
+                </p:cond>
+              </p:nextCondLst>
+            </p:seq>
+          </p:childTnLst>
+        </p:cTn>
+      </p:par>
+    </p:tnLst>
+    <p:bldLst>
+      <p:bldP spid="3" grpId="0" build="p"/>
+    </p:bldLst>
+  </p:timing>
+</p:sld>
+</file>
+
+<file path=ppt/slides/slide15.xml><?xml version="1.0" encoding="utf-8"?>
+<p:sld xmlns:a="http://schemas.openxmlformats.org/drawingml/2006/main" xmlns:r="http://schemas.openxmlformats.org/officeDocument/2006/relationships" xmlns:p="http://schemas.openxmlformats.org/presentationml/2006/main">
+  <p:cSld>
+    <p:spTree>
+      <p:nvGrpSpPr>
+        <p:cNvPr id="1" name=""/>
+        <p:cNvGrpSpPr/>
+        <p:nvPr/>
+      </p:nvGrpSpPr>
+      <p:grpSpPr>
+        <a:xfrm>
+          <a:off x="0" y="0"/>
+          <a:ext cx="0" cy="0"/>
+          <a:chOff x="0" y="0"/>
+          <a:chExt cx="0" cy="0"/>
+        </a:xfrm>
+      </p:grpSpPr>
+      <p:sp>
+        <p:nvSpPr>
+          <p:cNvPr id="2" name="Title 1"/>
+          <p:cNvSpPr>
+            <a:spLocks noGrp="1"/>
+          </p:cNvSpPr>
+          <p:nvPr>
+            <p:ph type="title"/>
+          </p:nvPr>
+        </p:nvSpPr>
+        <p:spPr/>
+        <p:txBody>
+          <a:bodyPr/>
+          <a:lstStyle/>
+          <a:p>
+            <a:r>
+              <a:rPr lang="en-US" dirty="0" smtClean="0">
+                <a:solidFill>
+                  <a:srgbClr val="0070C0"/>
+                </a:solidFill>
+              </a:rPr>
+              <a:t>Boosting</a:t>
+            </a:r>
+            <a:endParaRPr lang="en-US" dirty="0">
+              <a:solidFill>
+                <a:srgbClr val="0070C0"/>
+              </a:solidFill>
+            </a:endParaRPr>
+          </a:p>
+        </p:txBody>
+      </p:sp>
+      <mc:AlternateContent xmlns:mc="http://schemas.openxmlformats.org/markup-compatibility/2006">
+        <mc:Choice xmlns:a14="http://schemas.microsoft.com/office/drawing/2010/main" Requires="a14">
+          <p:sp>
+            <p:nvSpPr>
+              <p:cNvPr id="3" name="Content Placeholder 2"/>
+              <p:cNvSpPr>
+                <a:spLocks noGrp="1"/>
+              </p:cNvSpPr>
+              <p:nvPr>
+                <p:ph idx="1"/>
+              </p:nvPr>
+            </p:nvSpPr>
+            <p:spPr>
+              <a:xfrm>
+                <a:off x="457200" y="1600200"/>
+                <a:ext cx="8610600" cy="5181600"/>
+              </a:xfrm>
+            </p:spPr>
+            <p:txBody>
+              <a:bodyPr/>
+              <a:lstStyle/>
+              <a:p>
+                <a:r>
+                  <a:rPr lang="en-US" b="1" dirty="0" smtClean="0"/>
+                  <a:t>Strong learner</a:t>
+                </a:r>
+                <a:r>
+                  <a:rPr lang="en-US" dirty="0" smtClean="0"/>
+                  <a:t>: succeeds with prob. </a:t>
+                </a:r>
+                <a14:m>
+                  <m:oMath xmlns:m="http://schemas.openxmlformats.org/officeDocument/2006/math">
+                    <m:r>
+                      <a:rPr lang="en-US" b="0" i="1" smtClean="0">
+                        <a:latin typeface="Cambria Math"/>
+                      </a:rPr>
+                      <m:t>≥1 −</m:t>
+                    </m:r>
+                    <m:r>
+                      <a:rPr lang="en-US" b="0" i="1" smtClean="0">
+                        <a:latin typeface="Cambria Math"/>
+                      </a:rPr>
+                      <m:t>𝜖</m:t>
+                    </m:r>
+                  </m:oMath>
+                </a14:m>
+                <a:endParaRPr lang="en-US" dirty="0" smtClean="0"/>
+              </a:p>
+              <a:p>
+                <a:r>
+                  <a:rPr lang="en-US" b="1" dirty="0" smtClean="0"/>
+                  <a:t>Weak learner</a:t>
+                </a:r>
+                <a:r>
+                  <a:rPr lang="en-US" dirty="0" smtClean="0"/>
+                  <a:t>: succeeds with prob. </a:t>
+                </a:r>
+                <a14:m>
+                  <m:oMath xmlns:m="http://schemas.openxmlformats.org/officeDocument/2006/math">
+                    <m:r>
+                      <a:rPr lang="en-US" b="0" i="1" smtClean="0">
+                        <a:latin typeface="Cambria Math"/>
+                      </a:rPr>
+                      <m:t>≥</m:t>
+                    </m:r>
+                    <m:f>
+                      <m:fPr>
+                        <m:ctrlPr>
+                          <a:rPr lang="en-US" b="0" i="1" smtClean="0">
+                            <a:latin typeface="Cambria Math"/>
+                          </a:rPr>
+                        </m:ctrlPr>
+                      </m:fPr>
+                      <m:num>
+                        <m:r>
+                          <a:rPr lang="en-US" b="0" i="1" smtClean="0">
+                            <a:latin typeface="Cambria Math"/>
+                          </a:rPr>
+                          <m:t>1</m:t>
+                        </m:r>
+                      </m:num>
+                      <m:den>
+                        <m:r>
+                          <a:rPr lang="en-US" b="0" i="1" smtClean="0">
+                            <a:latin typeface="Cambria Math"/>
+                          </a:rPr>
+                          <m:t>2</m:t>
+                        </m:r>
+                      </m:den>
+                    </m:f>
+                    <m:r>
+                      <a:rPr lang="en-US" b="0" i="1" smtClean="0">
+                        <a:latin typeface="Cambria Math"/>
+                      </a:rPr>
+                      <m:t>+</m:t>
+                    </m:r>
+                    <m:r>
+                      <a:rPr lang="en-US" b="0" i="1" smtClean="0">
+                        <a:latin typeface="Cambria Math"/>
+                      </a:rPr>
+                      <m:t>𝛾</m:t>
+                    </m:r>
+                  </m:oMath>
+                </a14:m>
+                <a:endParaRPr lang="en-US" dirty="0" smtClean="0"/>
+              </a:p>
+              <a:p>
+                <a:r>
+                  <a:rPr lang="en-US" b="1" dirty="0" smtClean="0"/>
+                  <a:t>Boosting (informal): </a:t>
+                </a:r>
+                <a:r>
+                  <a:rPr lang="en-US" dirty="0" smtClean="0"/>
+                  <a:t>weak learner that works under any distribution </a:t>
+                </a:r>
+                <a14:m>
+                  <m:oMath xmlns:m="http://schemas.openxmlformats.org/officeDocument/2006/math">
+                    <m:r>
+                      <a:rPr lang="en-US" b="0" i="1" smtClean="0">
+                        <a:latin typeface="Cambria Math"/>
+                      </a:rPr>
+                      <m:t>⇒</m:t>
+                    </m:r>
+                  </m:oMath>
+                </a14:m>
+                <a:r>
+                  <a:rPr lang="en-US" dirty="0" smtClean="0"/>
+                  <a:t> strong learner</a:t>
+                </a:r>
+              </a:p>
+              <a:p>
+                <a:r>
+                  <a:rPr lang="en-US" b="1" dirty="0" smtClean="0"/>
+                  <a:t>Idea: </a:t>
+                </a:r>
+                <a:r>
+                  <a:rPr lang="en-US" dirty="0" smtClean="0"/>
+                  <a:t>run weak leaner </a:t>
+                </a:r>
+                <a14:m>
+                  <m:oMath xmlns:m="http://schemas.openxmlformats.org/officeDocument/2006/math">
+                    <m:r>
+                      <a:rPr lang="en-US" b="1" i="1" dirty="0" smtClean="0">
+                        <a:solidFill>
+                          <a:srgbClr val="0070C0"/>
+                        </a:solidFill>
+                        <a:latin typeface="Cambria Math"/>
+                      </a:rPr>
+                      <m:t>𝑨</m:t>
+                    </m:r>
+                  </m:oMath>
+                </a14:m>
+                <a:r>
+                  <a:rPr lang="en-US" dirty="0" smtClean="0"/>
+                  <a:t> on sample </a:t>
+                </a:r>
+                <a14:m>
+                  <m:oMath xmlns:m="http://schemas.openxmlformats.org/officeDocument/2006/math">
+                    <m:r>
+                      <a:rPr lang="en-US" i="1" dirty="0" smtClean="0">
+                        <a:latin typeface="Cambria Math"/>
+                      </a:rPr>
+                      <m:t>𝑆</m:t>
+                    </m:r>
+                  </m:oMath>
+                </a14:m>
+                <a:r>
+                  <a:rPr lang="en-US" dirty="0" smtClean="0"/>
+                  <a:t> under </a:t>
+                </a:r>
+                <a:r>
+                  <a:rPr lang="en-US" u="sng" dirty="0" err="1" smtClean="0"/>
+                  <a:t>reweightings</a:t>
+                </a:r>
+                <a:r>
+                  <a:rPr lang="en-US" dirty="0" smtClean="0"/>
+                  <a:t> focusing on misclassified examples</a:t>
+                </a:r>
+              </a:p>
+            </p:txBody>
+          </p:sp>
+        </mc:Choice>
+        <mc:Fallback>
+          <p:sp>
+            <p:nvSpPr>
+              <p:cNvPr id="3" name="Content Placeholder 2"/>
+              <p:cNvSpPr>
+                <a:spLocks noGrp="1" noRot="1" noChangeAspect="1" noMove="1" noResize="1" noEditPoints="1" noAdjustHandles="1" noChangeArrowheads="1" noChangeShapeType="1" noTextEdit="1"/>
+              </p:cNvSpPr>
+              <p:nvPr>
+                <p:ph idx="1"/>
+              </p:nvPr>
+            </p:nvSpPr>
+            <p:spPr>
+              <a:xfrm>
+                <a:off x="457200" y="1600200"/>
+                <a:ext cx="8610600" cy="5181600"/>
+              </a:xfrm>
+              <a:blipFill rotWithShape="1">
+                <a:blip r:embed="rId2"/>
+                <a:stretch>
+                  <a:fillRect l="-1557" t="-1412"/>
+                </a:stretch>
+              </a:blipFill>
+            </p:spPr>
+            <p:txBody>
+              <a:bodyPr/>
+              <a:lstStyle/>
+              <a:p>
+                <a:r>
+                  <a:rPr lang="en-US">
+                    <a:noFill/>
+                  </a:rPr>
+                  <a:t> </a:t>
+                </a:r>
+              </a:p>
+            </p:txBody>
+          </p:sp>
+        </mc:Fallback>
+      </mc:AlternateContent>
+    </p:spTree>
+    <p:extLst>
+      <p:ext uri="{BB962C8B-B14F-4D97-AF65-F5344CB8AC3E}">
+        <p14:creationId xmlns:p14="http://schemas.microsoft.com/office/powerpoint/2010/main" val="1194901410"/>
+      </p:ext>
+    </p:extLst>
+  </p:cSld>
+  <p:clrMapOvr>
+    <a:masterClrMapping/>
+  </p:clrMapOvr>
+  <p:timing>
+    <p:tnLst>
+      <p:par>
+        <p:cTn id="1" dur="indefinite" restart="never" nodeType="tmRoot">
+          <p:childTnLst>
+            <p:seq concurrent="1" nextAc="seek">
+              <p:cTn id="2" dur="indefinite" nodeType="mainSeq">
+                <p:childTnLst>
+                  <p:par>
+                    <p:cTn id="3" fill="hold">
+                      <p:stCondLst>
+                        <p:cond delay="indefinite"/>
+                      </p:stCondLst>
+                      <p:childTnLst>
+                        <p:par>
+                          <p:cTn id="4" fill="hold">
+                            <p:stCondLst>
+                              <p:cond delay="0"/>
+                            </p:stCondLst>
+                            <p:childTnLst>
+                              <p:par>
+                                <p:cTn id="5" presetID="1" presetClass="entr" presetSubtype="0" fill="hold" grpId="0" nodeType="clickEffect">
+                                  <p:stCondLst>
+                                    <p:cond delay="0"/>
+                                  </p:stCondLst>
+                                  <p:childTnLst>
+                                    <p:set>
+                                      <p:cBhvr>
+                                        <p:cTn id="6" dur="1" fill="hold">
+                                          <p:stCondLst>
+                                            <p:cond delay="0"/>
+                                          </p:stCondLst>
+                                        </p:cTn>
+                                        <p:tgtEl>
+                                          <p:spTgt spid="3">
+                                            <p:txEl>
+                                              <p:pRg st="0" end="0"/>
+                                            </p:txEl>
+                                          </p:spTgt>
+                                        </p:tgtEl>
+                                        <p:attrNameLst>
+                                          <p:attrName>style.visibility</p:attrName>
+                                        </p:attrNameLst>
+                                      </p:cBhvr>
+                                      <p:to>
+                                        <p:strVal val="visible"/>
+                                      </p:to>
+                                    </p:set>
+                                  </p:childTnLst>
+                                </p:cTn>
+                              </p:par>
+                            </p:childTnLst>
+                          </p:cTn>
+                        </p:par>
+                      </p:childTnLst>
+                    </p:cTn>
+                  </p:par>
+                  <p:par>
+                    <p:cTn id="7" fill="hold">
+                      <p:stCondLst>
+                        <p:cond delay="indefinite"/>
+                      </p:stCondLst>
+                      <p:childTnLst>
+                        <p:par>
+                          <p:cTn id="8" fill="hold">
+                            <p:stCondLst>
+                              <p:cond delay="0"/>
+                            </p:stCondLst>
+                            <p:childTnLst>
+                              <p:par>
+                                <p:cTn id="9" presetID="1" presetClass="entr" presetSubtype="0" fill="hold" grpId="0" nodeType="clickEffect">
+                                  <p:stCondLst>
+                                    <p:cond delay="0"/>
+                                  </p:stCondLst>
+                                  <p:childTnLst>
+                                    <p:set>
+                                      <p:cBhvr>
+                                        <p:cTn id="10" dur="1" fill="hold">
+                                          <p:stCondLst>
+                                            <p:cond delay="0"/>
+                                          </p:stCondLst>
+                                        </p:cTn>
+                                        <p:tgtEl>
+                                          <p:spTgt spid="3">
+                                            <p:txEl>
+                                              <p:pRg st="1" end="1"/>
+                                            </p:txEl>
+                                          </p:spTgt>
+                                        </p:tgtEl>
+                                        <p:attrNameLst>
+                                          <p:attrName>style.visibility</p:attrName>
+                                        </p:attrNameLst>
+                                      </p:cBhvr>
+                                      <p:to>
+                                        <p:strVal val="visible"/>
+                                      </p:to>
+                                    </p:set>
+                                  </p:childTnLst>
+                                </p:cTn>
+                              </p:par>
+                            </p:childTnLst>
+                          </p:cTn>
+                        </p:par>
+                      </p:childTnLst>
+                    </p:cTn>
+                  </p:par>
+                  <p:par>
+                    <p:cTn id="11" fill="hold">
+                      <p:stCondLst>
+                        <p:cond delay="indefinite"/>
+                      </p:stCondLst>
+                      <p:childTnLst>
+                        <p:par>
+                          <p:cTn id="12" fill="hold">
+                            <p:stCondLst>
+                              <p:cond delay="0"/>
+                            </p:stCondLst>
+                            <p:childTnLst>
+                              <p:par>
+                                <p:cTn id="13" presetID="1" presetClass="entr" presetSubtype="0" fill="hold" grpId="0" nodeType="clickEffect">
+                                  <p:stCondLst>
+                                    <p:cond delay="0"/>
+                                  </p:stCondLst>
+                                  <p:childTnLst>
+                                    <p:set>
+                                      <p:cBhvr>
+                                        <p:cTn id="14" dur="1" fill="hold">
+                                          <p:stCondLst>
+                                            <p:cond delay="0"/>
+                                          </p:stCondLst>
+                                        </p:cTn>
+                                        <p:tgtEl>
+                                          <p:spTgt spid="3">
+                                            <p:txEl>
+                                              <p:pRg st="2" end="2"/>
+                                            </p:txEl>
+                                          </p:spTgt>
+                                        </p:tgtEl>
+                                        <p:attrNameLst>
+                                          <p:attrName>style.visibility</p:attrName>
+                                        </p:attrNameLst>
+                                      </p:cBhvr>
+                                      <p:to>
+                                        <p:strVal val="visible"/>
+                                      </p:to>
+                                    </p:set>
+                                  </p:childTnLst>
+                                </p:cTn>
+                              </p:par>
+                            </p:childTnLst>
+                          </p:cTn>
+                        </p:par>
+                      </p:childTnLst>
+                    </p:cTn>
+                  </p:par>
+                  <p:par>
+                    <p:cTn id="15" fill="hold">
+                      <p:stCondLst>
+                        <p:cond delay="indefinite"/>
+                      </p:stCondLst>
+                      <p:childTnLst>
+                        <p:par>
+                          <p:cTn id="16" fill="hold">
+                            <p:stCondLst>
+                              <p:cond delay="0"/>
+                            </p:stCondLst>
+                            <p:childTnLst>
+                              <p:par>
+                                <p:cTn id="17" presetID="1" presetClass="entr" presetSubtype="0" fill="hold" grpId="0" nodeType="clickEffect">
+                                  <p:stCondLst>
+                                    <p:cond delay="0"/>
+                                  </p:stCondLst>
+                                  <p:childTnLst>
+                                    <p:set>
+                                      <p:cBhvr>
+                                        <p:cTn id="18" dur="1" fill="hold">
+                                          <p:stCondLst>
+                                            <p:cond delay="0"/>
+                                          </p:stCondLst>
+                                        </p:cTn>
+                                        <p:tgtEl>
+                                          <p:spTgt spid="3">
+                                            <p:txEl>
+                                              <p:pRg st="3" end="3"/>
+                                            </p:txEl>
+                                          </p:spTgt>
+                                        </p:tgtEl>
+                                        <p:attrNameLst>
+                                          <p:attrName>style.visibility</p:attrName>
+                                        </p:attrNameLst>
+                                      </p:cBhvr>
+                                      <p:to>
+                                        <p:strVal val="visible"/>
+                                      </p:to>
+                                    </p:set>
+                                  </p:childTnLst>
+                                </p:cTn>
+                              </p:par>
+                            </p:childTnLst>
+                          </p:cTn>
+                        </p:par>
+                      </p:childTnLst>
+                    </p:cTn>
+                  </p:par>
+                </p:childTnLst>
+              </p:cTn>
+              <p:prevCondLst>
+                <p:cond evt="onPrev" delay="0">
+                  <p:tgtEl>
+                    <p:sldTgt/>
+                  </p:tgtEl>
+                </p:cond>
+              </p:prevCondLst>
+              <p:nextCondLst>
+                <p:cond evt="onNext" delay="0">
+                  <p:tgtEl>
+                    <p:sldTgt/>
+                  </p:tgtEl>
+                </p:cond>
+              </p:nextCondLst>
+            </p:seq>
+          </p:childTnLst>
+        </p:cTn>
+      </p:par>
+    </p:tnLst>
+    <p:bldLst>
+      <p:bldP spid="3" grpId="0" build="p"/>
+    </p:bldLst>
+  </p:timing>
+</p:sld>
+</file>
+
+<file path=ppt/slides/slide16.xml><?xml version="1.0" encoding="utf-8"?>
+<p:sld xmlns:a="http://schemas.openxmlformats.org/drawingml/2006/main" xmlns:r="http://schemas.openxmlformats.org/officeDocument/2006/relationships" xmlns:p="http://schemas.openxmlformats.org/presentationml/2006/main">
+  <p:cSld>
+    <p:spTree>
+      <p:nvGrpSpPr>
+        <p:cNvPr id="1" name=""/>
+        <p:cNvGrpSpPr/>
+        <p:nvPr/>
+      </p:nvGrpSpPr>
+      <p:grpSpPr>
+        <a:xfrm>
+          <a:off x="0" y="0"/>
+          <a:ext cx="0" cy="0"/>
+          <a:chOff x="0" y="0"/>
+          <a:chExt cx="0" cy="0"/>
+        </a:xfrm>
+      </p:grpSpPr>
+      <p:sp>
+        <p:nvSpPr>
+          <p:cNvPr id="2" name="Title 1"/>
+          <p:cNvSpPr>
+            <a:spLocks noGrp="1"/>
+          </p:cNvSpPr>
+          <p:nvPr>
+            <p:ph type="title"/>
+          </p:nvPr>
+        </p:nvSpPr>
+        <p:spPr/>
+        <p:txBody>
+          <a:bodyPr/>
+          <a:lstStyle/>
+          <a:p>
+            <a:r>
+              <a:rPr lang="en-US" dirty="0" smtClean="0">
+                <a:solidFill>
+                  <a:srgbClr val="0070C0"/>
+                </a:solidFill>
+              </a:rPr>
+              <a:t>Boosting (cont.)</a:t>
+            </a:r>
+            <a:endParaRPr lang="en-US" dirty="0">
+              <a:solidFill>
+                <a:srgbClr val="0070C0"/>
+              </a:solidFill>
+            </a:endParaRPr>
+          </a:p>
+        </p:txBody>
+      </p:sp>
+      <mc:AlternateContent xmlns:mc="http://schemas.openxmlformats.org/markup-compatibility/2006">
+        <mc:Choice xmlns:a14="http://schemas.microsoft.com/office/drawing/2010/main" Requires="a14">
+          <p:sp>
+            <p:nvSpPr>
+              <p:cNvPr id="3" name="Content Placeholder 2"/>
+              <p:cNvSpPr>
+                <a:spLocks noGrp="1"/>
+              </p:cNvSpPr>
+              <p:nvPr>
+                <p:ph idx="1"/>
+              </p:nvPr>
+            </p:nvSpPr>
+            <p:spPr>
+              <a:xfrm>
+                <a:off x="304800" y="1371600"/>
+                <a:ext cx="8839200" cy="5486400"/>
+              </a:xfrm>
+            </p:spPr>
+            <p:txBody>
+              <a:bodyPr>
+                <a:normAutofit/>
+              </a:bodyPr>
+              <a:lstStyle/>
+              <a:p>
+                <a14:m>
+                  <m:oMath xmlns:m="http://schemas.openxmlformats.org/officeDocument/2006/math">
+                    <m:r>
+                      <a:rPr lang="en-US" sz="3000" b="0" i="1" smtClean="0">
+                        <a:latin typeface="Cambria Math"/>
+                      </a:rPr>
+                      <m:t>𝐻</m:t>
+                    </m:r>
+                  </m:oMath>
+                </a14:m>
+                <a:r>
+                  <a:rPr lang="en-US" sz="3000" dirty="0" smtClean="0"/>
+                  <a:t> = class of hypothesis produced by </a:t>
+                </a:r>
+                <a14:m>
+                  <m:oMath xmlns:m="http://schemas.openxmlformats.org/officeDocument/2006/math">
+                    <m:r>
+                      <a:rPr lang="en-US" sz="3000" b="1" i="1" dirty="0" smtClean="0">
+                        <a:solidFill>
+                          <a:srgbClr val="0070C0"/>
+                        </a:solidFill>
+                        <a:latin typeface="Cambria Math"/>
+                      </a:rPr>
+                      <m:t>𝑨</m:t>
+                    </m:r>
+                  </m:oMath>
+                </a14:m>
+                <a:endParaRPr lang="en-US" sz="3000" dirty="0"/>
+              </a:p>
+              <a:p>
+                <a:r>
+                  <a:rPr lang="en-US" sz="3000" dirty="0" smtClean="0"/>
+                  <a:t>Apply majority rule to </a:t>
+                </a:r>
+                <a14:m>
+                  <m:oMath xmlns:m="http://schemas.openxmlformats.org/officeDocument/2006/math">
+                    <m:sSub>
+                      <m:sSubPr>
+                        <m:ctrlPr>
+                          <a:rPr lang="en-US" sz="3000" b="0" i="1" smtClean="0">
+                            <a:latin typeface="Cambria Math"/>
+                          </a:rPr>
+                        </m:ctrlPr>
+                      </m:sSubPr>
+                      <m:e>
+                        <m:r>
+                          <a:rPr lang="en-US" sz="3000" b="0" i="1" smtClean="0">
+                            <a:latin typeface="Cambria Math"/>
+                          </a:rPr>
+                          <m:t>h</m:t>
+                        </m:r>
+                      </m:e>
+                      <m:sub>
+                        <m:r>
+                          <a:rPr lang="en-US" sz="3000" b="0" i="1" smtClean="0">
+                            <a:latin typeface="Cambria Math"/>
+                          </a:rPr>
+                          <m:t>1</m:t>
+                        </m:r>
+                      </m:sub>
+                    </m:sSub>
+                    <m:r>
+                      <a:rPr lang="en-US" sz="3000" b="0" i="1" smtClean="0">
+                        <a:latin typeface="Cambria Math"/>
+                      </a:rPr>
+                      <m:t>,…, </m:t>
+                    </m:r>
+                    <m:sSub>
+                      <m:sSubPr>
+                        <m:ctrlPr>
+                          <a:rPr lang="en-US" sz="3000" b="0" i="1" smtClean="0">
+                            <a:latin typeface="Cambria Math"/>
+                          </a:rPr>
+                        </m:ctrlPr>
+                      </m:sSubPr>
+                      <m:e>
+                        <m:r>
+                          <a:rPr lang="en-US" sz="3000" b="0" i="1" smtClean="0">
+                            <a:latin typeface="Cambria Math"/>
+                          </a:rPr>
+                          <m:t>h</m:t>
+                        </m:r>
+                      </m:e>
+                      <m:sub>
+                        <m:sSub>
+                          <m:sSubPr>
+                            <m:ctrlPr>
+                              <a:rPr lang="en-US" sz="3000" b="1" i="1" smtClean="0">
+                                <a:latin typeface="Cambria Math"/>
+                              </a:rPr>
+                            </m:ctrlPr>
+                          </m:sSubPr>
+                          <m:e>
+                            <m:r>
+                              <a:rPr lang="en-US" sz="3000" b="1" i="1" smtClean="0">
+                                <a:latin typeface="Cambria Math"/>
+                              </a:rPr>
+                              <m:t>𝒕</m:t>
+                            </m:r>
+                          </m:e>
+                          <m:sub>
+                            <m:r>
+                              <a:rPr lang="en-US" sz="3000" b="1" i="1" smtClean="0">
+                                <a:latin typeface="Cambria Math"/>
+                              </a:rPr>
+                              <m:t>𝟎</m:t>
+                            </m:r>
+                          </m:sub>
+                        </m:sSub>
+                      </m:sub>
+                    </m:sSub>
+                    <m:r>
+                      <a:rPr lang="en-US" sz="3000" b="0" i="1" smtClean="0">
+                        <a:latin typeface="Cambria Math"/>
+                      </a:rPr>
+                      <m:t>∼</m:t>
+                    </m:r>
+                    <m:r>
+                      <a:rPr lang="en-US" sz="3000" b="0" i="1" smtClean="0">
+                        <a:latin typeface="Cambria Math"/>
+                      </a:rPr>
+                      <m:t>𝐻</m:t>
+                    </m:r>
+                  </m:oMath>
+                </a14:m>
+                <a:r>
+                  <a:rPr lang="en-US" sz="3000" dirty="0" smtClean="0"/>
+                  <a:t>:</a:t>
+                </a:r>
+              </a:p>
+              <a:p>
+                <a:pPr marL="0" indent="0" algn="ctr">
+                  <a:buNone/>
+                </a:pPr>
+                <a:r>
+                  <a:rPr lang="en-US" sz="3000" dirty="0" smtClean="0"/>
+                  <a:t>VC-dim </a:t>
+                </a:r>
+                <a14:m>
+                  <m:oMath xmlns:m="http://schemas.openxmlformats.org/officeDocument/2006/math">
+                    <m:r>
+                      <a:rPr lang="en-US" sz="3000" b="0" i="1" smtClean="0">
+                        <a:latin typeface="Cambria Math"/>
+                      </a:rPr>
+                      <m:t>≤</m:t>
+                    </m:r>
+                    <m:r>
+                      <a:rPr lang="en-US" sz="3000" b="0" i="1" smtClean="0">
+                        <a:latin typeface="Cambria Math"/>
+                      </a:rPr>
+                      <m:t>𝑂</m:t>
+                    </m:r>
+                    <m:r>
+                      <a:rPr lang="en-US" sz="3000" b="0" i="1" smtClean="0">
+                        <a:latin typeface="Cambria Math"/>
+                      </a:rPr>
+                      <m:t>(</m:t>
+                    </m:r>
+                    <m:sSub>
+                      <m:sSubPr>
+                        <m:ctrlPr>
+                          <a:rPr lang="en-US" sz="3000" b="1" i="1" smtClean="0">
+                            <a:latin typeface="Cambria Math"/>
+                          </a:rPr>
+                        </m:ctrlPr>
+                      </m:sSubPr>
+                      <m:e>
+                        <m:r>
+                          <a:rPr lang="en-US" sz="3000" b="1" i="1" smtClean="0">
+                            <a:latin typeface="Cambria Math"/>
+                          </a:rPr>
+                          <m:t>𝒕</m:t>
+                        </m:r>
+                      </m:e>
+                      <m:sub>
+                        <m:r>
+                          <a:rPr lang="en-US" sz="3000" b="1" i="1" smtClean="0">
+                            <a:latin typeface="Cambria Math"/>
+                          </a:rPr>
+                          <m:t>𝟎</m:t>
+                        </m:r>
+                      </m:sub>
+                    </m:sSub>
+                    <m:r>
+                      <m:rPr>
+                        <m:nor/>
+                      </m:rPr>
+                      <a:rPr lang="en-US" sz="3000" dirty="0" smtClean="0"/>
+                      <m:t>VC</m:t>
+                    </m:r>
+                    <m:r>
+                      <m:rPr>
+                        <m:nor/>
+                      </m:rPr>
+                      <a:rPr lang="en-US" sz="3000" dirty="0" smtClean="0"/>
+                      <m:t>-</m:t>
+                    </m:r>
+                    <m:r>
+                      <m:rPr>
+                        <m:nor/>
+                      </m:rPr>
+                      <a:rPr lang="en-US" sz="3000" dirty="0" smtClean="0"/>
+                      <m:t>dim</m:t>
+                    </m:r>
+                    <m:d>
+                      <m:dPr>
+                        <m:ctrlPr>
+                          <a:rPr lang="en-US" sz="3000" b="0" i="1" dirty="0" smtClean="0">
+                            <a:latin typeface="Cambria Math"/>
+                          </a:rPr>
+                        </m:ctrlPr>
+                      </m:dPr>
+                      <m:e>
+                        <m:r>
+                          <a:rPr lang="en-US" sz="3000" b="0" i="1" dirty="0" smtClean="0">
+                            <a:latin typeface="Cambria Math"/>
+                          </a:rPr>
+                          <m:t>𝐻</m:t>
+                        </m:r>
+                      </m:e>
+                    </m:d>
+                    <m:func>
+                      <m:funcPr>
+                        <m:ctrlPr>
+                          <a:rPr lang="en-US" sz="3000" b="0" i="1" dirty="0" smtClean="0">
+                            <a:latin typeface="Cambria Math"/>
+                          </a:rPr>
+                        </m:ctrlPr>
+                      </m:funcPr>
+                      <m:fName>
+                        <m:r>
+                          <m:rPr>
+                            <m:sty m:val="p"/>
+                          </m:rPr>
+                          <a:rPr lang="en-US" sz="3000" b="0" i="0" dirty="0" smtClean="0">
+                            <a:latin typeface="Cambria Math"/>
+                          </a:rPr>
+                          <m:t>log</m:t>
+                        </m:r>
+                      </m:fName>
+                      <m:e>
+                        <m:r>
+                          <a:rPr lang="en-US" sz="3000" b="0" i="1" dirty="0" smtClean="0">
+                            <a:latin typeface="Cambria Math"/>
+                          </a:rPr>
+                          <m:t>(</m:t>
+                        </m:r>
+                        <m:sSub>
+                          <m:sSubPr>
+                            <m:ctrlPr>
+                              <a:rPr lang="en-US" sz="3000" b="1" i="1" smtClean="0">
+                                <a:latin typeface="Cambria Math"/>
+                              </a:rPr>
+                            </m:ctrlPr>
+                          </m:sSubPr>
+                          <m:e>
+                            <m:r>
+                              <a:rPr lang="en-US" sz="3000" b="1" i="1" smtClean="0">
+                                <a:latin typeface="Cambria Math"/>
+                              </a:rPr>
+                              <m:t>𝒕</m:t>
+                            </m:r>
+                          </m:e>
+                          <m:sub>
+                            <m:r>
+                              <a:rPr lang="en-US" sz="3000" b="1" i="1" smtClean="0">
+                                <a:latin typeface="Cambria Math"/>
+                              </a:rPr>
+                              <m:t>𝟎</m:t>
+                            </m:r>
+                          </m:sub>
+                        </m:sSub>
+                        <m:r>
+                          <m:rPr>
+                            <m:nor/>
+                          </m:rPr>
+                          <a:rPr lang="en-US" sz="3000" dirty="0" smtClean="0"/>
+                          <m:t>VC</m:t>
+                        </m:r>
+                        <m:r>
+                          <m:rPr>
+                            <m:nor/>
+                          </m:rPr>
+                          <a:rPr lang="en-US" sz="3000" dirty="0" smtClean="0"/>
+                          <m:t>−</m:t>
+                        </m:r>
+                        <m:r>
+                          <m:rPr>
+                            <m:nor/>
+                          </m:rPr>
+                          <a:rPr lang="en-US" sz="3000" dirty="0" smtClean="0"/>
+                          <m:t>dim</m:t>
+                        </m:r>
+                        <m:d>
+                          <m:dPr>
+                            <m:ctrlPr>
+                              <a:rPr lang="en-US" sz="3000" b="0" i="1" dirty="0" smtClean="0">
+                                <a:latin typeface="Cambria Math"/>
+                              </a:rPr>
+                            </m:ctrlPr>
+                          </m:dPr>
+                          <m:e>
+                            <m:r>
+                              <a:rPr lang="en-US" sz="3000" b="0" i="1" dirty="0" smtClean="0">
+                                <a:latin typeface="Cambria Math"/>
+                              </a:rPr>
+                              <m:t>𝐻</m:t>
+                            </m:r>
+                          </m:e>
+                        </m:d>
+                      </m:e>
+                    </m:func>
+                    <m:r>
+                      <a:rPr lang="en-US" sz="3000" b="0" i="1" dirty="0" smtClean="0">
+                        <a:latin typeface="Cambria Math"/>
+                      </a:rPr>
+                      <m:t>)</m:t>
+                    </m:r>
+                    <m:r>
+                      <a:rPr lang="en-US" sz="3000" b="0" i="1" smtClean="0">
+                        <a:latin typeface="Cambria Math"/>
+                      </a:rPr>
+                      <m:t>)</m:t>
+                    </m:r>
+                  </m:oMath>
+                </a14:m>
+                <a:endParaRPr lang="en-US" sz="3000" dirty="0" smtClean="0"/>
+              </a:p>
+              <a:p>
+                <a:pPr marL="0" indent="0">
+                  <a:buNone/>
+                </a:pPr>
+                <a:r>
+                  <a:rPr lang="en-US" sz="3000" dirty="0" smtClean="0"/>
+                  <a:t>Algorithm:</a:t>
+                </a:r>
+              </a:p>
+              <a:p>
+                <a:r>
+                  <a:rPr lang="en-US" sz="3000" dirty="0" smtClean="0"/>
+                  <a:t>Given </a:t>
+                </a:r>
+                <a14:m>
+                  <m:oMath xmlns:m="http://schemas.openxmlformats.org/officeDocument/2006/math">
+                    <m:r>
+                      <a:rPr lang="en-US" sz="3000" b="0" i="1" smtClean="0">
+                        <a:latin typeface="Cambria Math"/>
+                      </a:rPr>
+                      <m:t>𝑆</m:t>
+                    </m:r>
+                    <m:r>
+                      <a:rPr lang="en-US" sz="3000" b="0" i="1" smtClean="0">
+                        <a:latin typeface="Cambria Math"/>
+                      </a:rPr>
+                      <m:t>=(</m:t>
+                    </m:r>
+                    <m:sSub>
+                      <m:sSubPr>
+                        <m:ctrlPr>
+                          <a:rPr lang="en-US" sz="3000" b="0" i="1" smtClean="0">
+                            <a:latin typeface="Cambria Math"/>
+                          </a:rPr>
+                        </m:ctrlPr>
+                      </m:sSubPr>
+                      <m:e>
+                        <m:r>
+                          <a:rPr lang="en-US" sz="3000" b="0" i="1" smtClean="0">
+                            <a:latin typeface="Cambria Math"/>
+                          </a:rPr>
+                          <m:t>𝑥</m:t>
+                        </m:r>
+                      </m:e>
+                      <m:sub>
+                        <m:r>
+                          <a:rPr lang="en-US" sz="3000" b="0" i="1" smtClean="0">
+                            <a:latin typeface="Cambria Math"/>
+                          </a:rPr>
+                          <m:t>1</m:t>
+                        </m:r>
+                      </m:sub>
+                    </m:sSub>
+                    <m:r>
+                      <a:rPr lang="en-US" sz="3000" b="0" i="1" smtClean="0">
+                        <a:latin typeface="Cambria Math"/>
+                      </a:rPr>
+                      <m:t>,…, </m:t>
+                    </m:r>
+                    <m:sSub>
+                      <m:sSubPr>
+                        <m:ctrlPr>
+                          <a:rPr lang="en-US" sz="3000" b="0" i="1" smtClean="0">
+                            <a:latin typeface="Cambria Math"/>
+                          </a:rPr>
+                        </m:ctrlPr>
+                      </m:sSubPr>
+                      <m:e>
+                        <m:r>
+                          <a:rPr lang="en-US" sz="3000" b="0" i="1" smtClean="0">
+                            <a:latin typeface="Cambria Math"/>
+                          </a:rPr>
+                          <m:t>𝑥</m:t>
+                        </m:r>
+                      </m:e>
+                      <m:sub>
+                        <m:r>
+                          <a:rPr lang="en-US" sz="3000" b="0" i="1" smtClean="0">
+                            <a:latin typeface="Cambria Math"/>
+                          </a:rPr>
+                          <m:t>𝑛</m:t>
+                        </m:r>
+                      </m:sub>
+                    </m:sSub>
+                    <m:r>
+                      <a:rPr lang="en-US" sz="3000" b="0" i="1" smtClean="0">
+                        <a:latin typeface="Cambria Math"/>
+                      </a:rPr>
+                      <m:t>)</m:t>
+                    </m:r>
+                  </m:oMath>
+                </a14:m>
+                <a:r>
+                  <a:rPr lang="en-US" sz="3000" dirty="0" smtClean="0"/>
+                  <a:t> set </a:t>
+                </a:r>
+                <a14:m>
+                  <m:oMath xmlns:m="http://schemas.openxmlformats.org/officeDocument/2006/math">
+                    <m:sSub>
+                      <m:sSubPr>
+                        <m:ctrlPr>
+                          <a:rPr lang="en-US" sz="3000" b="0" i="1" smtClean="0">
+                            <a:latin typeface="Cambria Math"/>
+                          </a:rPr>
+                        </m:ctrlPr>
+                      </m:sSubPr>
+                      <m:e>
+                        <m:r>
+                          <a:rPr lang="en-US" sz="3000" b="0" i="1" smtClean="0">
+                            <a:latin typeface="Cambria Math"/>
+                          </a:rPr>
+                          <m:t>𝑤</m:t>
+                        </m:r>
+                      </m:e>
+                      <m:sub>
+                        <m:r>
+                          <a:rPr lang="en-US" sz="3000" b="0" i="1" smtClean="0">
+                            <a:latin typeface="Cambria Math"/>
+                          </a:rPr>
+                          <m:t>𝑖</m:t>
+                        </m:r>
+                      </m:sub>
+                    </m:sSub>
+                    <m:r>
+                      <a:rPr lang="en-US" sz="3000" b="0" i="1" smtClean="0">
+                        <a:latin typeface="Cambria Math"/>
+                      </a:rPr>
+                      <m:t>=1</m:t>
+                    </m:r>
+                  </m:oMath>
+                </a14:m>
+                <a:r>
+                  <a:rPr lang="en-US" sz="3000" dirty="0" smtClean="0"/>
+                  <a:t> in </a:t>
+                </a:r>
+                <a14:m>
+                  <m:oMath xmlns:m="http://schemas.openxmlformats.org/officeDocument/2006/math">
+                    <m:r>
+                      <a:rPr lang="en-US" sz="3000" b="1" i="1" smtClean="0">
+                        <a:latin typeface="Cambria Math"/>
+                      </a:rPr>
+                      <m:t>𝒘</m:t>
+                    </m:r>
+                    <m:r>
+                      <a:rPr lang="en-US" sz="3000" b="1" i="1" smtClean="0">
+                        <a:latin typeface="Cambria Math"/>
+                      </a:rPr>
+                      <m:t>=(</m:t>
+                    </m:r>
+                    <m:sSub>
+                      <m:sSubPr>
+                        <m:ctrlPr>
+                          <a:rPr lang="en-US" sz="3000" b="0" i="1" smtClean="0">
+                            <a:latin typeface="Cambria Math"/>
+                          </a:rPr>
+                        </m:ctrlPr>
+                      </m:sSubPr>
+                      <m:e>
+                        <m:r>
+                          <a:rPr lang="en-US" sz="3000" b="0" i="1" smtClean="0">
+                            <a:latin typeface="Cambria Math"/>
+                          </a:rPr>
+                          <m:t>𝑤</m:t>
+                        </m:r>
+                      </m:e>
+                      <m:sub>
+                        <m:r>
+                          <a:rPr lang="en-US" sz="3000" b="0" i="1" smtClean="0">
+                            <a:latin typeface="Cambria Math"/>
+                          </a:rPr>
+                          <m:t>1</m:t>
+                        </m:r>
+                      </m:sub>
+                    </m:sSub>
+                    <m:r>
+                      <a:rPr lang="en-US" sz="3000" b="0" i="1" smtClean="0">
+                        <a:latin typeface="Cambria Math"/>
+                      </a:rPr>
+                      <m:t>,…,</m:t>
+                    </m:r>
+                    <m:sSub>
+                      <m:sSubPr>
+                        <m:ctrlPr>
+                          <a:rPr lang="en-US" sz="3000" i="1" smtClean="0">
+                            <a:latin typeface="Cambria Math"/>
+                          </a:rPr>
+                        </m:ctrlPr>
+                      </m:sSubPr>
+                      <m:e>
+                        <m:r>
+                          <a:rPr lang="en-US" sz="3000" b="0" i="1" smtClean="0">
+                            <a:latin typeface="Cambria Math"/>
+                          </a:rPr>
+                          <m:t>𝑤</m:t>
+                        </m:r>
+                      </m:e>
+                      <m:sub>
+                        <m:r>
+                          <a:rPr lang="en-US" sz="3000" b="0" i="1" smtClean="0">
+                            <a:latin typeface="Cambria Math"/>
+                          </a:rPr>
+                          <m:t>𝑛</m:t>
+                        </m:r>
+                      </m:sub>
+                    </m:sSub>
+                    <m:r>
+                      <a:rPr lang="en-US" sz="3000" b="1" i="1" smtClean="0">
+                        <a:latin typeface="Cambria Math"/>
+                      </a:rPr>
+                      <m:t>)</m:t>
+                    </m:r>
+                  </m:oMath>
+                </a14:m>
+                <a:endParaRPr lang="en-US" sz="3000" b="1" dirty="0" smtClean="0"/>
+              </a:p>
+              <a:p>
+                <a:r>
+                  <a:rPr lang="en-US" sz="3000" dirty="0" smtClean="0"/>
+                  <a:t>For </a:t>
+                </a:r>
+                <a14:m>
+                  <m:oMath xmlns:m="http://schemas.openxmlformats.org/officeDocument/2006/math">
+                    <m:r>
+                      <a:rPr lang="en-US" sz="3000" b="0" i="1" smtClean="0">
+                        <a:latin typeface="Cambria Math"/>
+                      </a:rPr>
+                      <m:t>𝑡</m:t>
+                    </m:r>
+                    <m:r>
+                      <a:rPr lang="en-US" sz="3000" b="0" i="1" smtClean="0">
+                        <a:latin typeface="Cambria Math"/>
+                      </a:rPr>
+                      <m:t>=1,…, </m:t>
+                    </m:r>
+                    <m:sSub>
+                      <m:sSubPr>
+                        <m:ctrlPr>
+                          <a:rPr lang="en-US" sz="3000" b="1" i="1" smtClean="0">
+                            <a:latin typeface="Cambria Math"/>
+                          </a:rPr>
+                        </m:ctrlPr>
+                      </m:sSubPr>
+                      <m:e>
+                        <m:r>
+                          <a:rPr lang="en-US" sz="3000" b="1" i="1" smtClean="0">
+                            <a:latin typeface="Cambria Math"/>
+                          </a:rPr>
+                          <m:t>𝒕</m:t>
+                        </m:r>
+                      </m:e>
+                      <m:sub>
+                        <m:r>
+                          <a:rPr lang="en-US" sz="3000" b="1" i="1" smtClean="0">
+                            <a:latin typeface="Cambria Math"/>
+                          </a:rPr>
+                          <m:t>𝟎</m:t>
+                        </m:r>
+                      </m:sub>
+                    </m:sSub>
+                  </m:oMath>
+                </a14:m>
+                <a:r>
+                  <a:rPr lang="en-US" sz="3000" b="1" dirty="0" smtClean="0"/>
+                  <a:t> </a:t>
+                </a:r>
+                <a:r>
+                  <a:rPr lang="en-US" sz="3000" dirty="0" smtClean="0"/>
+                  <a:t>do:</a:t>
+                </a:r>
+              </a:p>
+              <a:p>
+                <a:pPr lvl="1"/>
+                <a:r>
+                  <a:rPr lang="en-US" sz="2600" dirty="0" smtClean="0"/>
+                  <a:t>Call weak learner on </a:t>
+                </a:r>
+                <a14:m>
+                  <m:oMath xmlns:m="http://schemas.openxmlformats.org/officeDocument/2006/math">
+                    <m:d>
+                      <m:dPr>
+                        <m:ctrlPr>
+                          <a:rPr lang="en-US" sz="2600" b="0" i="0" smtClean="0">
+                            <a:latin typeface="Cambria Math"/>
+                          </a:rPr>
+                        </m:ctrlPr>
+                      </m:dPr>
+                      <m:e>
+                        <m:r>
+                          <a:rPr lang="en-US" sz="2600" b="0" i="1" smtClean="0">
+                            <a:latin typeface="Cambria Math"/>
+                          </a:rPr>
+                          <m:t>𝑆</m:t>
+                        </m:r>
+                        <m:r>
+                          <a:rPr lang="en-US" sz="2600" b="0" i="1" smtClean="0">
+                            <a:latin typeface="Cambria Math"/>
+                          </a:rPr>
+                          <m:t>,</m:t>
+                        </m:r>
+                        <m:r>
+                          <a:rPr lang="en-US" sz="2600" b="1" i="1" smtClean="0">
+                            <a:latin typeface="Cambria Math"/>
+                          </a:rPr>
+                          <m:t>𝒘</m:t>
+                        </m:r>
+                      </m:e>
+                    </m:d>
+                    <m:r>
+                      <a:rPr lang="en-US" sz="2600" b="0" i="1" smtClean="0">
+                        <a:latin typeface="Cambria Math"/>
+                      </a:rPr>
+                      <m:t>⇒</m:t>
+                    </m:r>
+                  </m:oMath>
+                </a14:m>
+                <a:r>
+                  <a:rPr lang="en-US" sz="2600" b="0" dirty="0" smtClean="0"/>
+                  <a:t> hypothesis </a:t>
+                </a:r>
+                <a14:m>
+                  <m:oMath xmlns:m="http://schemas.openxmlformats.org/officeDocument/2006/math">
+                    <m:sSub>
+                      <m:sSubPr>
+                        <m:ctrlPr>
+                          <a:rPr lang="en-US" sz="2600" b="0" i="1" smtClean="0">
+                            <a:latin typeface="Cambria Math"/>
+                          </a:rPr>
+                        </m:ctrlPr>
+                      </m:sSubPr>
+                      <m:e>
+                        <m:r>
+                          <a:rPr lang="en-US" sz="2600" b="0" i="1" smtClean="0">
+                            <a:latin typeface="Cambria Math"/>
+                          </a:rPr>
+                          <m:t>h</m:t>
+                        </m:r>
+                      </m:e>
+                      <m:sub>
+                        <m:r>
+                          <a:rPr lang="en-US" sz="2600" b="0" i="1" smtClean="0">
+                            <a:latin typeface="Cambria Math"/>
+                          </a:rPr>
+                          <m:t>𝑡</m:t>
+                        </m:r>
+                      </m:sub>
+                    </m:sSub>
+                  </m:oMath>
+                </a14:m>
+                <a:endParaRPr lang="en-US" sz="2600" b="0" dirty="0" smtClean="0"/>
+              </a:p>
+              <a:p>
+                <a:pPr lvl="1"/>
+                <a:r>
+                  <a:rPr lang="en-US" sz="2600" dirty="0" smtClean="0"/>
+                  <a:t>For misclassified </a:t>
+                </a:r>
+                <a14:m>
+                  <m:oMath xmlns:m="http://schemas.openxmlformats.org/officeDocument/2006/math">
+                    <m:sSub>
+                      <m:sSubPr>
+                        <m:ctrlPr>
+                          <a:rPr lang="en-US" sz="2600" b="0" i="1" smtClean="0">
+                            <a:latin typeface="Cambria Math"/>
+                          </a:rPr>
+                        </m:ctrlPr>
+                      </m:sSubPr>
+                      <m:e>
+                        <m:r>
+                          <a:rPr lang="en-US" sz="2600" b="0" i="1" smtClean="0">
+                            <a:latin typeface="Cambria Math"/>
+                          </a:rPr>
+                          <m:t>𝑥</m:t>
+                        </m:r>
+                      </m:e>
+                      <m:sub>
+                        <m:r>
+                          <a:rPr lang="en-US" sz="2600" b="0" i="1" smtClean="0">
+                            <a:latin typeface="Cambria Math"/>
+                          </a:rPr>
+                          <m:t>𝑖</m:t>
+                        </m:r>
+                      </m:sub>
+                    </m:sSub>
+                  </m:oMath>
+                </a14:m>
+                <a:r>
+                  <a:rPr lang="en-US" sz="2600" b="0" dirty="0" smtClean="0"/>
+                  <a:t> multiply </a:t>
+                </a:r>
+                <a14:m>
+                  <m:oMath xmlns:m="http://schemas.openxmlformats.org/officeDocument/2006/math">
+                    <m:sSub>
+                      <m:sSubPr>
+                        <m:ctrlPr>
+                          <a:rPr lang="en-US" sz="2600" b="0" i="1" smtClean="0">
+                            <a:latin typeface="Cambria Math"/>
+                          </a:rPr>
+                        </m:ctrlPr>
+                      </m:sSubPr>
+                      <m:e>
+                        <m:r>
+                          <a:rPr lang="en-US" sz="2600" b="0" i="1" smtClean="0">
+                            <a:latin typeface="Cambria Math"/>
+                          </a:rPr>
+                          <m:t>𝑤</m:t>
+                        </m:r>
+                      </m:e>
+                      <m:sub>
+                        <m:r>
+                          <a:rPr lang="en-US" sz="2600" b="0" i="1" smtClean="0">
+                            <a:latin typeface="Cambria Math"/>
+                          </a:rPr>
+                          <m:t>𝑖</m:t>
+                        </m:r>
+                      </m:sub>
+                    </m:sSub>
+                  </m:oMath>
+                </a14:m>
+                <a:r>
+                  <a:rPr lang="en-US" sz="2600" b="0" dirty="0" smtClean="0"/>
+                  <a:t> by </a:t>
+                </a:r>
+                <a14:m>
+                  <m:oMath xmlns:m="http://schemas.openxmlformats.org/officeDocument/2006/math">
+                    <m:r>
+                      <a:rPr lang="en-US" sz="2600" b="0" i="1" smtClean="0">
+                        <a:latin typeface="Cambria Math"/>
+                      </a:rPr>
+                      <m:t>𝛼</m:t>
+                    </m:r>
+                    <m:r>
+                      <a:rPr lang="en-US" sz="2600" b="0" i="1" smtClean="0">
+                        <a:latin typeface="Cambria Math"/>
+                      </a:rPr>
+                      <m:t>=( </m:t>
+                    </m:r>
+                    <m:f>
+                      <m:fPr>
+                        <m:ctrlPr>
+                          <a:rPr lang="en-US" sz="2600" b="0" i="1" smtClean="0">
+                            <a:latin typeface="Cambria Math"/>
+                          </a:rPr>
+                        </m:ctrlPr>
+                      </m:fPr>
+                      <m:num>
+                        <m:r>
+                          <a:rPr lang="en-US" sz="2600" b="0" i="1" smtClean="0">
+                            <a:latin typeface="Cambria Math"/>
+                          </a:rPr>
+                          <m:t>1</m:t>
+                        </m:r>
+                      </m:num>
+                      <m:den>
+                        <m:r>
+                          <a:rPr lang="en-US" sz="2600" b="0" i="1" smtClean="0">
+                            <a:latin typeface="Cambria Math"/>
+                          </a:rPr>
+                          <m:t>2</m:t>
+                        </m:r>
+                      </m:den>
+                    </m:f>
+                    <m:r>
+                      <a:rPr lang="en-US" sz="2600" b="0" i="1" smtClean="0">
+                        <a:latin typeface="Cambria Math"/>
+                      </a:rPr>
+                      <m:t>+</m:t>
+                    </m:r>
+                    <m:r>
+                      <a:rPr lang="en-US" sz="2600" b="0" i="1" smtClean="0">
+                        <a:latin typeface="Cambria Math"/>
+                      </a:rPr>
+                      <m:t>𝛾</m:t>
+                    </m:r>
+                    <m:r>
+                      <a:rPr lang="en-US" sz="2600" b="0" i="1" smtClean="0">
+                        <a:latin typeface="Cambria Math"/>
+                      </a:rPr>
+                      <m:t>)/( </m:t>
+                    </m:r>
+                    <m:f>
+                      <m:fPr>
+                        <m:ctrlPr>
+                          <a:rPr lang="en-US" sz="2600" b="0" i="1" smtClean="0">
+                            <a:latin typeface="Cambria Math"/>
+                          </a:rPr>
+                        </m:ctrlPr>
+                      </m:fPr>
+                      <m:num>
+                        <m:r>
+                          <a:rPr lang="en-US" sz="2600" b="0" i="1" smtClean="0">
+                            <a:latin typeface="Cambria Math"/>
+                          </a:rPr>
+                          <m:t>1</m:t>
+                        </m:r>
+                      </m:num>
+                      <m:den>
+                        <m:r>
+                          <a:rPr lang="en-US" sz="2600" b="0" i="1" smtClean="0">
+                            <a:latin typeface="Cambria Math"/>
+                          </a:rPr>
+                          <m:t>2</m:t>
+                        </m:r>
+                      </m:den>
+                    </m:f>
+                    <m:r>
+                      <a:rPr lang="en-US" sz="2600" b="0" i="1" smtClean="0">
+                        <a:latin typeface="Cambria Math"/>
+                      </a:rPr>
+                      <m:t>−</m:t>
+                    </m:r>
+                    <m:r>
+                      <a:rPr lang="en-US" sz="2600" b="0" i="1" smtClean="0">
+                        <a:latin typeface="Cambria Math"/>
+                      </a:rPr>
+                      <m:t>𝛾</m:t>
+                    </m:r>
+                    <m:r>
+                      <a:rPr lang="en-US" sz="2600" b="0" i="1" smtClean="0">
+                        <a:latin typeface="Cambria Math"/>
+                      </a:rPr>
+                      <m:t>)</m:t>
+                    </m:r>
+                  </m:oMath>
+                </a14:m>
+                <a:endParaRPr lang="en-US" sz="2600" b="0" dirty="0" smtClean="0"/>
+              </a:p>
+              <a:p>
+                <a:r>
+                  <a:rPr lang="en-US" sz="3000" dirty="0" smtClean="0"/>
+                  <a:t>Output: MAJ</a:t>
+                </a:r>
+                <a14:m>
+                  <m:oMath xmlns:m="http://schemas.openxmlformats.org/officeDocument/2006/math">
+                    <m:r>
+                      <a:rPr lang="en-US" sz="3000" i="1" dirty="0" smtClean="0">
+                        <a:latin typeface="Cambria Math"/>
+                      </a:rPr>
+                      <m:t>(</m:t>
+                    </m:r>
+                    <m:sSub>
+                      <m:sSubPr>
+                        <m:ctrlPr>
+                          <a:rPr lang="en-US" sz="3000" b="0" i="1" dirty="0" smtClean="0">
+                            <a:latin typeface="Cambria Math"/>
+                          </a:rPr>
+                        </m:ctrlPr>
+                      </m:sSubPr>
+                      <m:e>
+                        <m:r>
+                          <a:rPr lang="en-US" sz="3000" b="0" i="1" dirty="0" smtClean="0">
+                            <a:latin typeface="Cambria Math"/>
+                          </a:rPr>
+                          <m:t>h</m:t>
+                        </m:r>
+                      </m:e>
+                      <m:sub>
+                        <m:r>
+                          <a:rPr lang="en-US" sz="3000" b="0" i="1" dirty="0" smtClean="0">
+                            <a:latin typeface="Cambria Math"/>
+                          </a:rPr>
+                          <m:t>1</m:t>
+                        </m:r>
+                      </m:sub>
+                    </m:sSub>
+                    <m:r>
+                      <a:rPr lang="en-US" sz="3000" b="0" i="1" dirty="0" smtClean="0">
+                        <a:latin typeface="Cambria Math"/>
+                      </a:rPr>
+                      <m:t>, …, </m:t>
+                    </m:r>
+                    <m:sSub>
+                      <m:sSubPr>
+                        <m:ctrlPr>
+                          <a:rPr lang="en-US" sz="3000" b="0" i="1" dirty="0" smtClean="0">
+                            <a:latin typeface="Cambria Math"/>
+                          </a:rPr>
+                        </m:ctrlPr>
+                      </m:sSubPr>
+                      <m:e>
+                        <m:r>
+                          <a:rPr lang="en-US" sz="3000" b="0" i="1" dirty="0" smtClean="0">
+                            <a:latin typeface="Cambria Math"/>
+                          </a:rPr>
+                          <m:t>h</m:t>
+                        </m:r>
+                      </m:e>
+                      <m:sub>
+                        <m:sSub>
+                          <m:sSubPr>
+                            <m:ctrlPr>
+                              <a:rPr lang="en-US" sz="3000" b="1" i="1" dirty="0" smtClean="0">
+                                <a:latin typeface="Cambria Math"/>
+                              </a:rPr>
+                            </m:ctrlPr>
+                          </m:sSubPr>
+                          <m:e>
+                            <m:r>
+                              <a:rPr lang="en-US" sz="3000" b="1" i="1" dirty="0" smtClean="0">
+                                <a:latin typeface="Cambria Math"/>
+                              </a:rPr>
+                              <m:t>𝒕</m:t>
+                            </m:r>
+                          </m:e>
+                          <m:sub>
+                            <m:r>
+                              <a:rPr lang="en-US" sz="3000" b="1" i="1" dirty="0" smtClean="0">
+                                <a:latin typeface="Cambria Math"/>
+                              </a:rPr>
+                              <m:t>𝟎</m:t>
+                            </m:r>
+                          </m:sub>
+                        </m:sSub>
+                      </m:sub>
+                    </m:sSub>
+                    <m:r>
+                      <a:rPr lang="en-US" sz="3000" i="1" dirty="0" smtClean="0">
+                        <a:latin typeface="Cambria Math"/>
+                      </a:rPr>
+                      <m:t>)</m:t>
+                    </m:r>
+                  </m:oMath>
+                </a14:m>
+                <a:endParaRPr lang="en-US" sz="3000" dirty="0" smtClean="0"/>
+              </a:p>
+              <a:p>
+                <a:endParaRPr lang="en-US" dirty="0"/>
+              </a:p>
+            </p:txBody>
+          </p:sp>
+        </mc:Choice>
+        <mc:Fallback>
+          <p:sp>
+            <p:nvSpPr>
+              <p:cNvPr id="3" name="Content Placeholder 2"/>
+              <p:cNvSpPr>
+                <a:spLocks noGrp="1" noRot="1" noChangeAspect="1" noMove="1" noResize="1" noEditPoints="1" noAdjustHandles="1" noChangeArrowheads="1" noChangeShapeType="1" noTextEdit="1"/>
+              </p:cNvSpPr>
+              <p:nvPr>
+                <p:ph idx="1"/>
+              </p:nvPr>
+            </p:nvSpPr>
+            <p:spPr>
+              <a:xfrm>
+                <a:off x="304800" y="1371600"/>
+                <a:ext cx="8839200" cy="5486400"/>
+              </a:xfrm>
+              <a:blipFill rotWithShape="1">
+                <a:blip r:embed="rId2"/>
+                <a:stretch>
+                  <a:fillRect l="-1586" t="-1333"/>
+                </a:stretch>
+              </a:blipFill>
+            </p:spPr>
+            <p:txBody>
+              <a:bodyPr/>
+              <a:lstStyle/>
+              <a:p>
+                <a:r>
+                  <a:rPr lang="en-US">
+                    <a:noFill/>
+                  </a:rPr>
+                  <a:t> </a:t>
+                </a:r>
+              </a:p>
+            </p:txBody>
+          </p:sp>
+        </mc:Fallback>
+      </mc:AlternateContent>
+    </p:spTree>
+    <p:extLst>
+      <p:ext uri="{BB962C8B-B14F-4D97-AF65-F5344CB8AC3E}">
+        <p14:creationId xmlns:p14="http://schemas.microsoft.com/office/powerpoint/2010/main" val="2620442230"/>
+      </p:ext>
+    </p:extLst>
+  </p:cSld>
+  <p:clrMapOvr>
+    <a:masterClrMapping/>
+  </p:clrMapOvr>
+  <p:timing>
+    <p:tnLst>
+      <p:par>
+        <p:cTn id="1" dur="indefinite" restart="never" nodeType="tmRoot">
+          <p:childTnLst>
+            <p:seq concurrent="1" nextAc="seek">
+              <p:cTn id="2" dur="indefinite" nodeType="mainSeq">
+                <p:childTnLst>
+                  <p:par>
+                    <p:cTn id="3" fill="hold">
+                      <p:stCondLst>
+                        <p:cond delay="indefinite"/>
+                      </p:stCondLst>
+                      <p:childTnLst>
+                        <p:par>
+                          <p:cTn id="4" fill="hold">
+                            <p:stCondLst>
+                              <p:cond delay="0"/>
+                            </p:stCondLst>
+                            <p:childTnLst>
+                              <p:par>
+                                <p:cTn id="5" presetID="1" presetClass="entr" presetSubtype="0" fill="hold" grpId="0" nodeType="clickEffect">
+                                  <p:stCondLst>
+                                    <p:cond delay="0"/>
+                                  </p:stCondLst>
+                                  <p:childTnLst>
+                                    <p:set>
+                                      <p:cBhvr>
+                                        <p:cTn id="6" dur="1" fill="hold">
+                                          <p:stCondLst>
+                                            <p:cond delay="0"/>
+                                          </p:stCondLst>
+                                        </p:cTn>
+                                        <p:tgtEl>
+                                          <p:spTgt spid="3">
+                                            <p:txEl>
+                                              <p:pRg st="0" end="0"/>
+                                            </p:txEl>
+                                          </p:spTgt>
+                                        </p:tgtEl>
+                                        <p:attrNameLst>
+                                          <p:attrName>style.visibility</p:attrName>
+                                        </p:attrNameLst>
+                                      </p:cBhvr>
+                                      <p:to>
+                                        <p:strVal val="visible"/>
+                                      </p:to>
+                                    </p:set>
+                                  </p:childTnLst>
+                                </p:cTn>
+                              </p:par>
+                            </p:childTnLst>
+                          </p:cTn>
+                        </p:par>
+                      </p:childTnLst>
+                    </p:cTn>
+                  </p:par>
+                  <p:par>
+                    <p:cTn id="7" fill="hold">
+                      <p:stCondLst>
+                        <p:cond delay="indefinite"/>
+                      </p:stCondLst>
+                      <p:childTnLst>
+                        <p:par>
+                          <p:cTn id="8" fill="hold">
+                            <p:stCondLst>
+                              <p:cond delay="0"/>
+                            </p:stCondLst>
+                            <p:childTnLst>
+                              <p:par>
+                                <p:cTn id="9" presetID="1" presetClass="entr" presetSubtype="0" fill="hold" grpId="0" nodeType="clickEffect">
+                                  <p:stCondLst>
+                                    <p:cond delay="0"/>
+                                  </p:stCondLst>
+                                  <p:childTnLst>
+                                    <p:set>
+                                      <p:cBhvr>
+                                        <p:cTn id="10" dur="1" fill="hold">
+                                          <p:stCondLst>
+                                            <p:cond delay="0"/>
+                                          </p:stCondLst>
+                                        </p:cTn>
+                                        <p:tgtEl>
+                                          <p:spTgt spid="3">
+                                            <p:txEl>
+                                              <p:pRg st="1" end="1"/>
+                                            </p:txEl>
+                                          </p:spTgt>
+                                        </p:tgtEl>
+                                        <p:attrNameLst>
+                                          <p:attrName>style.visibility</p:attrName>
+                                        </p:attrNameLst>
+                                      </p:cBhvr>
+                                      <p:to>
+                                        <p:strVal val="visible"/>
+                                      </p:to>
+                                    </p:set>
+                                  </p:childTnLst>
+                                </p:cTn>
+                              </p:par>
+                              <p:par>
+                                <p:cTn id="11" presetID="1" presetClass="entr" presetSubtype="0" fill="hold" grpId="0" nodeType="withEffect">
+                                  <p:stCondLst>
+                                    <p:cond delay="0"/>
+                                  </p:stCondLst>
+                                  <p:childTnLst>
+                                    <p:set>
+                                      <p:cBhvr>
+                                        <p:cTn id="12" dur="1" fill="hold">
+                                          <p:stCondLst>
+                                            <p:cond delay="0"/>
+                                          </p:stCondLst>
+                                        </p:cTn>
+                                        <p:tgtEl>
+                                          <p:spTgt spid="3">
+                                            <p:txEl>
+                                              <p:pRg st="2" end="2"/>
+                                            </p:txEl>
+                                          </p:spTgt>
+                                        </p:tgtEl>
+                                        <p:attrNameLst>
+                                          <p:attrName>style.visibility</p:attrName>
+                                        </p:attrNameLst>
+                                      </p:cBhvr>
+                                      <p:to>
+                                        <p:strVal val="visible"/>
+                                      </p:to>
+                                    </p:set>
+                                  </p:childTnLst>
+                                </p:cTn>
+                              </p:par>
+                            </p:childTnLst>
+                          </p:cTn>
+                        </p:par>
+                      </p:childTnLst>
+                    </p:cTn>
+                  </p:par>
+                  <p:par>
+                    <p:cTn id="13" fill="hold">
+                      <p:stCondLst>
+                        <p:cond delay="indefinite"/>
+                      </p:stCondLst>
+                      <p:childTnLst>
+                        <p:par>
+                          <p:cTn id="14" fill="hold">
+                            <p:stCondLst>
+                              <p:cond delay="0"/>
+                            </p:stCondLst>
+                            <p:childTnLst>
+                              <p:par>
+                                <p:cTn id="15" presetID="1" presetClass="entr" presetSubtype="0" fill="hold" grpId="0" nodeType="clickEffect">
+                                  <p:stCondLst>
+                                    <p:cond delay="0"/>
+                                  </p:stCondLst>
+                                  <p:childTnLst>
+                                    <p:set>
+                                      <p:cBhvr>
+                                        <p:cTn id="16" dur="1" fill="hold">
+                                          <p:stCondLst>
+                                            <p:cond delay="0"/>
+                                          </p:stCondLst>
+                                        </p:cTn>
+                                        <p:tgtEl>
+                                          <p:spTgt spid="3">
+                                            <p:txEl>
+                                              <p:pRg st="3" end="3"/>
+                                            </p:txEl>
+                                          </p:spTgt>
+                                        </p:tgtEl>
+                                        <p:attrNameLst>
+                                          <p:attrName>style.visibility</p:attrName>
+                                        </p:attrNameLst>
+                                      </p:cBhvr>
+                                      <p:to>
+                                        <p:strVal val="visible"/>
+                                      </p:to>
+                                    </p:set>
+                                  </p:childTnLst>
+                                </p:cTn>
+                              </p:par>
+                            </p:childTnLst>
+                          </p:cTn>
+                        </p:par>
+                      </p:childTnLst>
+                    </p:cTn>
+                  </p:par>
+                  <p:par>
+                    <p:cTn id="17" fill="hold">
+                      <p:stCondLst>
+                        <p:cond delay="indefinite"/>
+                      </p:stCondLst>
+                      <p:childTnLst>
+                        <p:par>
+                          <p:cTn id="18" fill="hold">
+                            <p:stCondLst>
+                              <p:cond delay="0"/>
+                            </p:stCondLst>
+                            <p:childTnLst>
+                              <p:par>
+                                <p:cTn id="19" presetID="1" presetClass="entr" presetSubtype="0" fill="hold" grpId="0" nodeType="clickEffect">
+                                  <p:stCondLst>
+                                    <p:cond delay="0"/>
+                                  </p:stCondLst>
+                                  <p:childTnLst>
+                                    <p:set>
+                                      <p:cBhvr>
+                                        <p:cTn id="20" dur="1" fill="hold">
+                                          <p:stCondLst>
+                                            <p:cond delay="0"/>
+                                          </p:stCondLst>
+                                        </p:cTn>
+                                        <p:tgtEl>
+                                          <p:spTgt spid="3">
+                                            <p:txEl>
+                                              <p:pRg st="4" end="4"/>
+                                            </p:txEl>
+                                          </p:spTgt>
+                                        </p:tgtEl>
+                                        <p:attrNameLst>
+                                          <p:attrName>style.visibility</p:attrName>
+                                        </p:attrNameLst>
+                                      </p:cBhvr>
+                                      <p:to>
+                                        <p:strVal val="visible"/>
+                                      </p:to>
+                                    </p:set>
+                                  </p:childTnLst>
+                                </p:cTn>
+                              </p:par>
+                            </p:childTnLst>
+                          </p:cTn>
+                        </p:par>
+                      </p:childTnLst>
+                    </p:cTn>
+                  </p:par>
+                  <p:par>
+                    <p:cTn id="21" fill="hold">
+                      <p:stCondLst>
+                        <p:cond delay="indefinite"/>
+                      </p:stCondLst>
+                      <p:childTnLst>
+                        <p:par>
+                          <p:cTn id="22" fill="hold">
+                            <p:stCondLst>
+                              <p:cond delay="0"/>
+                            </p:stCondLst>
+                            <p:childTnLst>
+                              <p:par>
+                                <p:cTn id="23" presetID="1" presetClass="entr" presetSubtype="0" fill="hold" grpId="0" nodeType="clickEffect">
+                                  <p:stCondLst>
+                                    <p:cond delay="0"/>
+                                  </p:stCondLst>
+                                  <p:childTnLst>
+                                    <p:set>
+                                      <p:cBhvr>
+                                        <p:cTn id="24" dur="1" fill="hold">
+                                          <p:stCondLst>
+                                            <p:cond delay="0"/>
+                                          </p:stCondLst>
+                                        </p:cTn>
+                                        <p:tgtEl>
+                                          <p:spTgt spid="3">
+                                            <p:txEl>
+                                              <p:pRg st="5" end="5"/>
+                                            </p:txEl>
+                                          </p:spTgt>
+                                        </p:tgtEl>
+                                        <p:attrNameLst>
+                                          <p:attrName>style.visibility</p:attrName>
+                                        </p:attrNameLst>
+                                      </p:cBhvr>
+                                      <p:to>
+                                        <p:strVal val="visible"/>
+                                      </p:to>
+                                    </p:set>
+                                  </p:childTnLst>
+                                </p:cTn>
+                              </p:par>
+                              <p:par>
+                                <p:cTn id="25" presetID="1" presetClass="entr" presetSubtype="0" fill="hold" grpId="0" nodeType="withEffect">
+                                  <p:stCondLst>
+                                    <p:cond delay="0"/>
+                                  </p:stCondLst>
+                                  <p:childTnLst>
+                                    <p:set>
+                                      <p:cBhvr>
+                                        <p:cTn id="26" dur="1" fill="hold">
+                                          <p:stCondLst>
+                                            <p:cond delay="0"/>
+                                          </p:stCondLst>
+                                        </p:cTn>
+                                        <p:tgtEl>
+                                          <p:spTgt spid="3">
+                                            <p:txEl>
+                                              <p:pRg st="6" end="6"/>
+                                            </p:txEl>
+                                          </p:spTgt>
+                                        </p:tgtEl>
+                                        <p:attrNameLst>
+                                          <p:attrName>style.visibility</p:attrName>
+                                        </p:attrNameLst>
+                                      </p:cBhvr>
+                                      <p:to>
+                                        <p:strVal val="visible"/>
+                                      </p:to>
+                                    </p:set>
+                                  </p:childTnLst>
+                                </p:cTn>
+                              </p:par>
+                              <p:par>
+                                <p:cTn id="27" presetID="1" presetClass="entr" presetSubtype="0" fill="hold" grpId="0" nodeType="withEffect">
+                                  <p:stCondLst>
+                                    <p:cond delay="0"/>
+                                  </p:stCondLst>
+                                  <p:childTnLst>
+                                    <p:set>
+                                      <p:cBhvr>
+                                        <p:cTn id="28" dur="1" fill="hold">
+                                          <p:stCondLst>
+                                            <p:cond delay="0"/>
+                                          </p:stCondLst>
+                                        </p:cTn>
+                                        <p:tgtEl>
+                                          <p:spTgt spid="3">
+                                            <p:txEl>
+                                              <p:pRg st="7" end="7"/>
+                                            </p:txEl>
+                                          </p:spTgt>
+                                        </p:tgtEl>
+                                        <p:attrNameLst>
+                                          <p:attrName>style.visibility</p:attrName>
+                                        </p:attrNameLst>
+                                      </p:cBhvr>
+                                      <p:to>
+                                        <p:strVal val="visible"/>
+                                      </p:to>
+                                    </p:set>
+                                  </p:childTnLst>
+                                </p:cTn>
+                              </p:par>
+                            </p:childTnLst>
+                          </p:cTn>
+                        </p:par>
+                      </p:childTnLst>
+                    </p:cTn>
+                  </p:par>
+                  <p:par>
+                    <p:cTn id="29" fill="hold">
+                      <p:stCondLst>
+                        <p:cond delay="indefinite"/>
+                      </p:stCondLst>
+                      <p:childTnLst>
+                        <p:par>
+                          <p:cTn id="30" fill="hold">
+                            <p:stCondLst>
+                              <p:cond delay="0"/>
+                            </p:stCondLst>
+                            <p:childTnLst>
+                              <p:par>
+                                <p:cTn id="31" presetID="1" presetClass="entr" presetSubtype="0" fill="hold" grpId="0" nodeType="clickEffect">
+                                  <p:stCondLst>
+                                    <p:cond delay="0"/>
+                                  </p:stCondLst>
+                                  <p:childTnLst>
+                                    <p:set>
+                                      <p:cBhvr>
+                                        <p:cTn id="32" dur="1" fill="hold">
+                                          <p:stCondLst>
+                                            <p:cond delay="0"/>
+                                          </p:stCondLst>
+                                        </p:cTn>
+                                        <p:tgtEl>
+                                          <p:spTgt spid="3">
+                                            <p:txEl>
+                                              <p:pRg st="8" end="8"/>
+                                            </p:txEl>
+                                          </p:spTgt>
+                                        </p:tgtEl>
+                                        <p:attrNameLst>
+                                          <p:attrName>style.visibility</p:attrName>
+                                        </p:attrNameLst>
+                                      </p:cBhvr>
+                                      <p:to>
+                                        <p:strVal val="visible"/>
+                                      </p:to>
+                                    </p:set>
+                                  </p:childTnLst>
+                                </p:cTn>
+                              </p:par>
+                            </p:childTnLst>
+                          </p:cTn>
+                        </p:par>
+                      </p:childTnLst>
+                    </p:cTn>
+                  </p:par>
+                </p:childTnLst>
+              </p:cTn>
+              <p:prevCondLst>
+                <p:cond evt="onPrev" delay="0">
+                  <p:tgtEl>
+                    <p:sldTgt/>
+                  </p:tgtEl>
+                </p:cond>
+              </p:prevCondLst>
+              <p:nextCondLst>
+                <p:cond evt="onNext" delay="0">
+                  <p:tgtEl>
+                    <p:sldTgt/>
+                  </p:tgtEl>
+                </p:cond>
+              </p:nextCondLst>
+            </p:seq>
+          </p:childTnLst>
+        </p:cTn>
+      </p:par>
+    </p:tnLst>
+    <p:bldLst>
+      <p:bldP spid="3" grpId="0" uiExpand="1" build="p"/>
+    </p:bldLst>
+  </p:timing>
+</p:sld>
+</file>
+
+<file path=ppt/slides/slide17.xml><?xml version="1.0" encoding="utf-8"?>
+<p:sld xmlns:a="http://schemas.openxmlformats.org/drawingml/2006/main" xmlns:r="http://schemas.openxmlformats.org/officeDocument/2006/relationships" xmlns:p="http://schemas.openxmlformats.org/presentationml/2006/main">
+  <p:cSld>
+    <p:spTree>
+      <p:nvGrpSpPr>
+        <p:cNvPr id="1" name=""/>
+        <p:cNvGrpSpPr/>
+        <p:nvPr/>
+      </p:nvGrpSpPr>
+      <p:grpSpPr>
+        <a:xfrm>
+          <a:off x="0" y="0"/>
+          <a:ext cx="0" cy="0"/>
+          <a:chOff x="0" y="0"/>
+          <a:chExt cx="0" cy="0"/>
+        </a:xfrm>
+      </p:grpSpPr>
+      <p:sp>
+        <p:nvSpPr>
+          <p:cNvPr id="2" name="Title 1"/>
+          <p:cNvSpPr>
+            <a:spLocks noGrp="1"/>
+          </p:cNvSpPr>
+          <p:nvPr>
+            <p:ph type="title"/>
+          </p:nvPr>
+        </p:nvSpPr>
+        <p:spPr/>
+        <p:txBody>
+          <a:bodyPr/>
+          <a:lstStyle/>
+          <a:p>
+            <a:r>
+              <a:rPr lang="en-US" dirty="0" smtClean="0">
+                <a:solidFill>
+                  <a:srgbClr val="0070C0"/>
+                </a:solidFill>
+              </a:rPr>
+              <a:t>Boosting: analysis</a:t>
+            </a:r>
+            <a:endParaRPr lang="en-US" dirty="0">
+              <a:solidFill>
+                <a:srgbClr val="0070C0"/>
+              </a:solidFill>
+            </a:endParaRPr>
+          </a:p>
+        </p:txBody>
+      </p:sp>
+      <mc:AlternateContent xmlns:mc="http://schemas.openxmlformats.org/markup-compatibility/2006">
+        <mc:Choice xmlns:a14="http://schemas.microsoft.com/office/drawing/2010/main" Requires="a14">
+          <p:sp>
+            <p:nvSpPr>
+              <p:cNvPr id="3" name="Content Placeholder 2"/>
+              <p:cNvSpPr>
+                <a:spLocks noGrp="1"/>
+              </p:cNvSpPr>
+              <p:nvPr>
+                <p:ph idx="1"/>
+              </p:nvPr>
+            </p:nvSpPr>
+            <p:spPr>
+              <a:xfrm>
+                <a:off x="304800" y="1295400"/>
+                <a:ext cx="8915400" cy="5562600"/>
+              </a:xfrm>
+            </p:spPr>
+            <p:txBody>
+              <a:bodyPr>
+                <a:normAutofit fontScale="92500" lnSpcReduction="10000"/>
+              </a:bodyPr>
+              <a:lstStyle/>
+              <a:p>
+                <a:r>
+                  <a:rPr lang="en-US" sz="3000" b="1" dirty="0" smtClean="0"/>
+                  <a:t>Def (</a:t>
+                </a:r>
+                <a14:m>
+                  <m:oMath xmlns:m="http://schemas.openxmlformats.org/officeDocument/2006/math">
+                    <m:r>
+                      <a:rPr lang="en-US" sz="3000" b="1" i="1" smtClean="0">
+                        <a:latin typeface="Cambria Math"/>
+                      </a:rPr>
+                      <m:t>𝜸</m:t>
+                    </m:r>
+                  </m:oMath>
+                </a14:m>
+                <a:r>
+                  <a:rPr lang="en-US" sz="3000" b="1" dirty="0" smtClean="0"/>
+                  <a:t>-weak learner on sample): </a:t>
+                </a:r>
+                <a:r>
+                  <a:rPr lang="en-US" sz="3000" dirty="0" smtClean="0"/>
+                  <a:t>For labeled examples </a:t>
+                </a:r>
+                <a14:m>
+                  <m:oMath xmlns:m="http://schemas.openxmlformats.org/officeDocument/2006/math">
+                    <m:sSub>
+                      <m:sSubPr>
+                        <m:ctrlPr>
+                          <a:rPr lang="en-US" sz="3000" b="0" i="1" smtClean="0">
+                            <a:latin typeface="Cambria Math"/>
+                          </a:rPr>
+                        </m:ctrlPr>
+                      </m:sSubPr>
+                      <m:e>
+                        <m:r>
+                          <a:rPr lang="en-US" sz="3000" b="0" i="1" smtClean="0">
+                            <a:latin typeface="Cambria Math"/>
+                          </a:rPr>
+                          <m:t>𝑥</m:t>
+                        </m:r>
+                      </m:e>
+                      <m:sub>
+                        <m:r>
+                          <a:rPr lang="en-US" sz="3000" b="0" i="1" smtClean="0">
+                            <a:latin typeface="Cambria Math"/>
+                          </a:rPr>
+                          <m:t>𝑖</m:t>
+                        </m:r>
+                      </m:sub>
+                    </m:sSub>
+                  </m:oMath>
+                </a14:m>
+                <a:r>
+                  <a:rPr lang="en-US" sz="3000" dirty="0" smtClean="0"/>
+                  <a:t> weighted by </a:t>
+                </a:r>
+                <a14:m>
+                  <m:oMath xmlns:m="http://schemas.openxmlformats.org/officeDocument/2006/math">
+                    <m:sSub>
+                      <m:sSubPr>
+                        <m:ctrlPr>
+                          <a:rPr lang="en-US" sz="3000" b="0" i="1" smtClean="0">
+                            <a:latin typeface="Cambria Math"/>
+                          </a:rPr>
+                        </m:ctrlPr>
+                      </m:sSubPr>
+                      <m:e>
+                        <m:r>
+                          <a:rPr lang="en-US" sz="3000" b="0" i="1" smtClean="0">
+                            <a:latin typeface="Cambria Math"/>
+                          </a:rPr>
+                          <m:t>𝑤</m:t>
+                        </m:r>
+                      </m:e>
+                      <m:sub>
+                        <m:r>
+                          <a:rPr lang="en-US" sz="3000" b="0" i="1" smtClean="0">
+                            <a:latin typeface="Cambria Math"/>
+                          </a:rPr>
+                          <m:t>𝑖</m:t>
+                        </m:r>
+                      </m:sub>
+                    </m:sSub>
+                  </m:oMath>
+                </a14:m>
+                <a:r>
+                  <a:rPr lang="en-US" sz="3000" dirty="0" smtClean="0"/>
+                  <a:t> with weight of correct</a:t>
+                </a:r>
+              </a:p>
+              <a:p>
+                <a:pPr marL="0" indent="0" algn="ctr">
+                  <a:buNone/>
+                </a:pPr>
+                <a14:m>
+                  <m:oMath xmlns:m="http://schemas.openxmlformats.org/officeDocument/2006/math">
+                    <m:r>
+                      <a:rPr lang="en-US" sz="3000" b="0" i="1" smtClean="0">
+                        <a:latin typeface="Cambria Math"/>
+                      </a:rPr>
+                      <m:t>≥</m:t>
+                    </m:r>
+                    <m:d>
+                      <m:dPr>
+                        <m:ctrlPr>
+                          <a:rPr lang="en-US" sz="3000" b="0" i="1" smtClean="0">
+                            <a:latin typeface="Cambria Math"/>
+                          </a:rPr>
+                        </m:ctrlPr>
+                      </m:dPr>
+                      <m:e>
+                        <m:f>
+                          <m:fPr>
+                            <m:ctrlPr>
+                              <a:rPr lang="en-US" sz="3000" b="0" i="1" smtClean="0">
+                                <a:latin typeface="Cambria Math"/>
+                              </a:rPr>
+                            </m:ctrlPr>
+                          </m:fPr>
+                          <m:num>
+                            <m:r>
+                              <a:rPr lang="en-US" sz="3000" b="0" i="1" smtClean="0">
+                                <a:latin typeface="Cambria Math"/>
+                              </a:rPr>
+                              <m:t>1</m:t>
+                            </m:r>
+                          </m:num>
+                          <m:den>
+                            <m:r>
+                              <a:rPr lang="en-US" sz="3000" b="0" i="1" smtClean="0">
+                                <a:latin typeface="Cambria Math"/>
+                              </a:rPr>
+                              <m:t>2</m:t>
+                            </m:r>
+                          </m:den>
+                        </m:f>
+                        <m:r>
+                          <a:rPr lang="en-US" sz="3000" b="0" i="1" smtClean="0">
+                            <a:latin typeface="Cambria Math"/>
+                          </a:rPr>
+                          <m:t>+</m:t>
+                        </m:r>
+                        <m:r>
+                          <a:rPr lang="en-US" sz="3000" b="0" i="1" smtClean="0">
+                            <a:latin typeface="Cambria Math"/>
+                          </a:rPr>
+                          <m:t>𝛾</m:t>
+                        </m:r>
+                      </m:e>
+                    </m:d>
+                    <m:nary>
+                      <m:naryPr>
+                        <m:chr m:val="∑"/>
+                        <m:ctrlPr>
+                          <a:rPr lang="en-US" sz="3000" b="0" i="1" smtClean="0">
+                            <a:latin typeface="Cambria Math"/>
+                          </a:rPr>
+                        </m:ctrlPr>
+                      </m:naryPr>
+                      <m:sub>
+                        <m:r>
+                          <a:rPr lang="en-US" sz="3000" b="0" i="1" smtClean="0">
+                            <a:latin typeface="Cambria Math"/>
+                          </a:rPr>
+                          <m:t>𝑖</m:t>
+                        </m:r>
+                        <m:r>
+                          <a:rPr lang="en-US" sz="3000" b="0" i="1" smtClean="0">
+                            <a:latin typeface="Cambria Math"/>
+                          </a:rPr>
+                          <m:t>=1</m:t>
+                        </m:r>
+                      </m:sub>
+                      <m:sup>
+                        <m:r>
+                          <a:rPr lang="en-US" sz="3000" b="0" i="1" smtClean="0">
+                            <a:latin typeface="Cambria Math"/>
+                          </a:rPr>
+                          <m:t>𝑛</m:t>
+                        </m:r>
+                      </m:sup>
+                      <m:e>
+                        <m:sSub>
+                          <m:sSubPr>
+                            <m:ctrlPr>
+                              <a:rPr lang="en-US" sz="3000" b="0" i="1" smtClean="0">
+                                <a:latin typeface="Cambria Math"/>
+                              </a:rPr>
+                            </m:ctrlPr>
+                          </m:sSubPr>
+                          <m:e>
+                            <m:r>
+                              <a:rPr lang="en-US" sz="3000" b="0" i="1" smtClean="0">
+                                <a:latin typeface="Cambria Math"/>
+                              </a:rPr>
+                              <m:t>𝑤</m:t>
+                            </m:r>
+                          </m:e>
+                          <m:sub>
+                            <m:r>
+                              <a:rPr lang="en-US" sz="3000" b="0" i="1" smtClean="0">
+                                <a:latin typeface="Cambria Math"/>
+                              </a:rPr>
+                              <m:t>𝑖</m:t>
+                            </m:r>
+                          </m:sub>
+                        </m:sSub>
+                      </m:e>
+                    </m:nary>
+                  </m:oMath>
+                </a14:m>
+                <a:r>
+                  <a:rPr lang="en-US" sz="3000" dirty="0" smtClean="0"/>
+                  <a:t> </a:t>
+                </a:r>
+              </a:p>
+              <a:p>
+                <a:r>
+                  <a:rPr lang="en-US" sz="3000" b="1" dirty="0" err="1" smtClean="0"/>
+                  <a:t>Thm</a:t>
+                </a:r>
+                <a:r>
+                  <a:rPr lang="en-US" sz="3000" b="1" dirty="0" smtClean="0"/>
+                  <a:t>. </a:t>
+                </a:r>
+                <a:r>
+                  <a:rPr lang="en-US" sz="3000" dirty="0" smtClean="0"/>
+                  <a:t>If </a:t>
+                </a:r>
+                <a14:m>
+                  <m:oMath xmlns:m="http://schemas.openxmlformats.org/officeDocument/2006/math">
+                    <m:r>
+                      <a:rPr lang="en-US" sz="3000" b="0" i="1" smtClean="0">
+                        <a:latin typeface="Cambria Math"/>
+                      </a:rPr>
+                      <m:t>𝐴</m:t>
+                    </m:r>
+                  </m:oMath>
+                </a14:m>
+                <a:r>
+                  <a:rPr lang="en-US" sz="3000" dirty="0" smtClean="0"/>
+                  <a:t> is </a:t>
+                </a:r>
+                <a14:m>
+                  <m:oMath xmlns:m="http://schemas.openxmlformats.org/officeDocument/2006/math">
+                    <m:r>
+                      <a:rPr lang="en-US" sz="3000" b="0" i="1" smtClean="0">
+                        <a:latin typeface="Cambria Math"/>
+                      </a:rPr>
+                      <m:t>𝛾</m:t>
+                    </m:r>
+                  </m:oMath>
+                </a14:m>
+                <a:r>
+                  <a:rPr lang="en-US" sz="3000" dirty="0" smtClean="0"/>
+                  <a:t>-weak learner on </a:t>
+                </a:r>
+                <a14:m>
+                  <m:oMath xmlns:m="http://schemas.openxmlformats.org/officeDocument/2006/math">
+                    <m:r>
+                      <a:rPr lang="en-US" sz="3000" b="0" i="1" smtClean="0">
+                        <a:latin typeface="Cambria Math"/>
+                      </a:rPr>
+                      <m:t>𝑆</m:t>
+                    </m:r>
+                  </m:oMath>
+                </a14:m>
+                <a:r>
+                  <a:rPr lang="en-US" sz="3000" dirty="0" smtClean="0"/>
+                  <a:t> </a:t>
+                </a:r>
+                <a14:m>
+                  <m:oMath xmlns:m="http://schemas.openxmlformats.org/officeDocument/2006/math">
+                    <m:r>
+                      <a:rPr lang="en-US" sz="3000" b="0" i="1" dirty="0" smtClean="0">
+                        <a:latin typeface="Cambria Math"/>
+                      </a:rPr>
+                      <m:t>⇒</m:t>
+                    </m:r>
+                  </m:oMath>
+                </a14:m>
+                <a:r>
+                  <a:rPr lang="en-US" sz="3000" dirty="0" smtClean="0"/>
+                  <a:t> </a:t>
+                </a:r>
+              </a:p>
+              <a:p>
+                <a:pPr marL="0" indent="0">
+                  <a:buNone/>
+                </a:pPr>
+                <a:r>
+                  <a:rPr lang="en-US" sz="3000" dirty="0" smtClean="0"/>
+                  <a:t>for </a:t>
+                </a:r>
+                <a14:m>
+                  <m:oMath xmlns:m="http://schemas.openxmlformats.org/officeDocument/2006/math">
+                    <m:sSub>
+                      <m:sSubPr>
+                        <m:ctrlPr>
+                          <a:rPr lang="en-US" sz="3000" b="1" i="1" smtClean="0">
+                            <a:latin typeface="Cambria Math"/>
+                          </a:rPr>
+                        </m:ctrlPr>
+                      </m:sSubPr>
+                      <m:e>
+                        <m:r>
+                          <a:rPr lang="en-US" sz="3000" b="1" i="1" smtClean="0">
+                            <a:latin typeface="Cambria Math"/>
+                          </a:rPr>
+                          <m:t>𝒕</m:t>
+                        </m:r>
+                      </m:e>
+                      <m:sub>
+                        <m:r>
+                          <a:rPr lang="en-US" sz="3000" b="1" i="1" smtClean="0">
+                            <a:latin typeface="Cambria Math"/>
+                          </a:rPr>
+                          <m:t>𝟎</m:t>
+                        </m:r>
+                      </m:sub>
+                    </m:sSub>
+                    <m:r>
+                      <a:rPr lang="en-US" sz="3000" b="1" i="1" smtClean="0">
+                        <a:latin typeface="Cambria Math"/>
+                      </a:rPr>
+                      <m:t>=</m:t>
+                    </m:r>
+                    <m:r>
+                      <a:rPr lang="en-US" sz="3000" b="0" i="1" smtClean="0">
+                        <a:latin typeface="Cambria Math"/>
+                      </a:rPr>
+                      <m:t>𝑂</m:t>
+                    </m:r>
+                    <m:d>
+                      <m:dPr>
+                        <m:ctrlPr>
+                          <a:rPr lang="en-US" sz="3000" b="1" i="1" smtClean="0">
+                            <a:latin typeface="Cambria Math"/>
+                          </a:rPr>
+                        </m:ctrlPr>
+                      </m:dPr>
+                      <m:e>
+                        <m:f>
+                          <m:fPr>
+                            <m:ctrlPr>
+                              <a:rPr lang="en-US" sz="3000" i="1" smtClean="0">
+                                <a:latin typeface="Cambria Math"/>
+                              </a:rPr>
+                            </m:ctrlPr>
+                          </m:fPr>
+                          <m:num>
+                            <m:r>
+                              <a:rPr lang="en-US" sz="3000" b="0" i="1" smtClean="0">
+                                <a:latin typeface="Cambria Math"/>
+                              </a:rPr>
+                              <m:t>1</m:t>
+                            </m:r>
+                          </m:num>
+                          <m:den>
+                            <m:sSup>
+                              <m:sSupPr>
+                                <m:ctrlPr>
+                                  <a:rPr lang="en-US" sz="3000" i="1" smtClean="0">
+                                    <a:latin typeface="Cambria Math"/>
+                                  </a:rPr>
+                                </m:ctrlPr>
+                              </m:sSupPr>
+                              <m:e>
+                                <m:r>
+                                  <a:rPr lang="en-US" sz="3000" b="0" i="1" smtClean="0">
+                                    <a:latin typeface="Cambria Math"/>
+                                  </a:rPr>
+                                  <m:t>𝛾</m:t>
+                                </m:r>
+                              </m:e>
+                              <m:sup>
+                                <m:r>
+                                  <a:rPr lang="en-US" sz="3000" b="0" i="1" smtClean="0">
+                                    <a:latin typeface="Cambria Math"/>
+                                  </a:rPr>
+                                  <m:t>2</m:t>
+                                </m:r>
+                              </m:sup>
+                            </m:sSup>
+                          </m:den>
+                        </m:f>
+                        <m:r>
+                          <a:rPr lang="en-US" sz="3000" b="0" i="1" smtClean="0">
+                            <a:latin typeface="Cambria Math"/>
+                          </a:rPr>
+                          <m:t>𝑙𝑜𝑔</m:t>
+                        </m:r>
+                        <m:r>
+                          <a:rPr lang="en-US" sz="3000" b="0" i="1" smtClean="0">
+                            <a:latin typeface="Cambria Math"/>
+                          </a:rPr>
+                          <m:t> </m:t>
+                        </m:r>
+                        <m:r>
+                          <a:rPr lang="en-US" sz="3000" b="0" i="1" smtClean="0">
+                            <a:latin typeface="Cambria Math"/>
+                          </a:rPr>
+                          <m:t>𝑛</m:t>
+                        </m:r>
+                      </m:e>
+                    </m:d>
+                  </m:oMath>
+                </a14:m>
+                <a:r>
+                  <a:rPr lang="en-US" sz="3000" b="1" dirty="0" smtClean="0"/>
+                  <a:t> </a:t>
+                </a:r>
+                <a:r>
+                  <a:rPr lang="en-US" sz="3000" dirty="0" smtClean="0"/>
+                  <a:t>boosting achieves 0 error on </a:t>
+                </a:r>
+                <a14:m>
+                  <m:oMath xmlns:m="http://schemas.openxmlformats.org/officeDocument/2006/math">
+                    <m:r>
+                      <a:rPr lang="en-US" sz="3000" i="1" dirty="0" smtClean="0">
+                        <a:latin typeface="Cambria Math"/>
+                      </a:rPr>
+                      <m:t>𝑆</m:t>
+                    </m:r>
+                  </m:oMath>
+                </a14:m>
+                <a:r>
+                  <a:rPr lang="en-US" sz="3000" dirty="0" smtClean="0"/>
+                  <a:t>.</a:t>
+                </a:r>
+              </a:p>
+              <a:p>
+                <a:r>
+                  <a:rPr lang="en-US" sz="3000" b="1" dirty="0" smtClean="0"/>
+                  <a:t>Proof. </a:t>
+                </a:r>
+                <a:r>
+                  <a:rPr lang="en-US" sz="3000" dirty="0" smtClean="0"/>
+                  <a:t> m = # mistakes of the final classifier</a:t>
+                </a:r>
+              </a:p>
+              <a:p>
+                <a:pPr lvl="1"/>
+                <a:r>
+                  <a:rPr lang="en-US" sz="2600" dirty="0" smtClean="0"/>
+                  <a:t>Each was misclassified </a:t>
+                </a:r>
+                <a14:m>
+                  <m:oMath xmlns:m="http://schemas.openxmlformats.org/officeDocument/2006/math">
+                    <m:r>
+                      <a:rPr lang="en-US" sz="2600" b="0" i="1" smtClean="0">
+                        <a:latin typeface="Cambria Math"/>
+                      </a:rPr>
+                      <m:t>≥</m:t>
+                    </m:r>
+                    <m:f>
+                      <m:fPr>
+                        <m:ctrlPr>
+                          <a:rPr lang="en-US" sz="2600" b="0" i="1" smtClean="0">
+                            <a:latin typeface="Cambria Math"/>
+                          </a:rPr>
+                        </m:ctrlPr>
+                      </m:fPr>
+                      <m:num>
+                        <m:sSub>
+                          <m:sSubPr>
+                            <m:ctrlPr>
+                              <a:rPr lang="en-US" sz="2600" b="1" i="1" smtClean="0">
+                                <a:latin typeface="Cambria Math"/>
+                              </a:rPr>
+                            </m:ctrlPr>
+                          </m:sSubPr>
+                          <m:e>
+                            <m:r>
+                              <a:rPr lang="en-US" sz="2600" b="1" i="1" smtClean="0">
+                                <a:latin typeface="Cambria Math"/>
+                              </a:rPr>
+                              <m:t>𝒕</m:t>
+                            </m:r>
+                          </m:e>
+                          <m:sub>
+                            <m:r>
+                              <a:rPr lang="en-US" sz="2600" b="1" i="1" smtClean="0">
+                                <a:latin typeface="Cambria Math"/>
+                              </a:rPr>
+                              <m:t>𝟎</m:t>
+                            </m:r>
+                          </m:sub>
+                        </m:sSub>
+                      </m:num>
+                      <m:den>
+                        <m:r>
+                          <a:rPr lang="en-US" sz="2600" b="0" i="1" smtClean="0">
+                            <a:latin typeface="Cambria Math"/>
+                          </a:rPr>
+                          <m:t>2</m:t>
+                        </m:r>
+                      </m:den>
+                    </m:f>
+                    <m:r>
+                      <a:rPr lang="en-US" sz="2600" b="0" i="1" smtClean="0">
+                        <a:latin typeface="Cambria Math"/>
+                      </a:rPr>
+                      <m:t> </m:t>
+                    </m:r>
+                  </m:oMath>
+                </a14:m>
+                <a:r>
+                  <a:rPr lang="en-US" sz="2600" b="0" i="0" dirty="0" smtClean="0">
+                    <a:latin typeface="+mj-lt"/>
+                  </a:rPr>
+                  <a:t>times</a:t>
+                </a:r>
+                <a14:m>
+                  <m:oMath xmlns:m="http://schemas.openxmlformats.org/officeDocument/2006/math">
+                    <m:r>
+                      <a:rPr lang="en-US" sz="2600" b="0" i="0" smtClean="0">
+                        <a:latin typeface="Cambria Math"/>
+                      </a:rPr>
+                      <m:t> </m:t>
+                    </m:r>
+                    <m:r>
+                      <a:rPr lang="en-US" sz="2600" b="0" i="1" smtClean="0">
+                        <a:latin typeface="Cambria Math"/>
+                      </a:rPr>
+                      <m:t>⇒</m:t>
+                    </m:r>
+                  </m:oMath>
+                </a14:m>
+                <a:r>
+                  <a:rPr lang="en-US" sz="2600" dirty="0" smtClean="0"/>
+                  <a:t> weight </a:t>
+                </a:r>
+                <a14:m>
+                  <m:oMath xmlns:m="http://schemas.openxmlformats.org/officeDocument/2006/math">
+                    <m:r>
+                      <a:rPr lang="en-US" sz="2600" b="0" i="1" smtClean="0">
+                        <a:latin typeface="Cambria Math"/>
+                      </a:rPr>
+                      <m:t>≥</m:t>
+                    </m:r>
+                    <m:sSup>
+                      <m:sSupPr>
+                        <m:ctrlPr>
+                          <a:rPr lang="en-US" sz="2600" b="0" i="1" smtClean="0">
+                            <a:latin typeface="Cambria Math"/>
+                          </a:rPr>
+                        </m:ctrlPr>
+                      </m:sSupPr>
+                      <m:e>
+                        <m:r>
+                          <a:rPr lang="en-US" sz="2600" b="0" i="1" smtClean="0">
+                            <a:latin typeface="Cambria Math"/>
+                          </a:rPr>
+                          <m:t>𝛼</m:t>
+                        </m:r>
+                      </m:e>
+                      <m:sup>
+                        <m:sSub>
+                          <m:sSubPr>
+                            <m:ctrlPr>
+                              <a:rPr lang="en-US" sz="2600" b="1" i="1" smtClean="0">
+                                <a:latin typeface="Cambria Math"/>
+                              </a:rPr>
+                            </m:ctrlPr>
+                          </m:sSubPr>
+                          <m:e>
+                            <m:r>
+                              <a:rPr lang="en-US" sz="2600" b="1" i="1" smtClean="0">
+                                <a:latin typeface="Cambria Math"/>
+                              </a:rPr>
+                              <m:t>𝒕</m:t>
+                            </m:r>
+                          </m:e>
+                          <m:sub>
+                            <m:r>
+                              <a:rPr lang="en-US" sz="2600" b="1" i="1" smtClean="0">
+                                <a:latin typeface="Cambria Math"/>
+                              </a:rPr>
+                              <m:t>𝟎</m:t>
+                            </m:r>
+                          </m:sub>
+                        </m:sSub>
+                        <m:r>
+                          <a:rPr lang="en-US" sz="2600" b="0" i="1" smtClean="0">
+                            <a:latin typeface="Cambria Math"/>
+                          </a:rPr>
+                          <m:t>/2 </m:t>
+                        </m:r>
+                      </m:sup>
+                    </m:sSup>
+                  </m:oMath>
+                </a14:m>
+                <a:endParaRPr lang="en-US" sz="2600" dirty="0" smtClean="0"/>
+              </a:p>
+              <a:p>
+                <a:pPr lvl="1"/>
+                <a:r>
+                  <a:rPr lang="en-US" sz="2600" dirty="0" smtClean="0"/>
+                  <a:t>Total weight </a:t>
+                </a:r>
+                <a14:m>
+                  <m:oMath xmlns:m="http://schemas.openxmlformats.org/officeDocument/2006/math">
+                    <m:r>
+                      <a:rPr lang="en-US" sz="2600" b="0" i="1" smtClean="0">
+                        <a:latin typeface="Cambria Math"/>
+                      </a:rPr>
+                      <m:t>≥</m:t>
+                    </m:r>
+                    <m:r>
+                      <a:rPr lang="en-US" sz="2600" b="0" i="1" smtClean="0">
+                        <a:latin typeface="Cambria Math"/>
+                      </a:rPr>
+                      <m:t>𝑚</m:t>
+                    </m:r>
+                    <m:sSup>
+                      <m:sSupPr>
+                        <m:ctrlPr>
+                          <a:rPr lang="en-US" sz="2600" b="0" i="1" smtClean="0">
+                            <a:latin typeface="Cambria Math"/>
+                          </a:rPr>
+                        </m:ctrlPr>
+                      </m:sSupPr>
+                      <m:e>
+                        <m:r>
+                          <a:rPr lang="en-US" sz="2600" b="0" i="1" smtClean="0">
+                            <a:latin typeface="Cambria Math"/>
+                          </a:rPr>
+                          <m:t>𝛼</m:t>
+                        </m:r>
+                      </m:e>
+                      <m:sup>
+                        <m:sSub>
+                          <m:sSubPr>
+                            <m:ctrlPr>
+                              <a:rPr lang="en-US" sz="2600" b="1" i="1" smtClean="0">
+                                <a:latin typeface="Cambria Math"/>
+                              </a:rPr>
+                            </m:ctrlPr>
+                          </m:sSubPr>
+                          <m:e>
+                            <m:r>
+                              <a:rPr lang="en-US" sz="2600" b="1" i="1" smtClean="0">
+                                <a:latin typeface="Cambria Math"/>
+                              </a:rPr>
+                              <m:t>𝒕</m:t>
+                            </m:r>
+                          </m:e>
+                          <m:sub>
+                            <m:r>
+                              <a:rPr lang="en-US" sz="2600" b="1" i="1" smtClean="0">
+                                <a:latin typeface="Cambria Math"/>
+                              </a:rPr>
+                              <m:t>𝟎</m:t>
+                            </m:r>
+                          </m:sub>
+                        </m:sSub>
+                        <m:r>
+                          <a:rPr lang="en-US" sz="2600" b="0" i="1" smtClean="0">
+                            <a:latin typeface="Cambria Math"/>
+                          </a:rPr>
+                          <m:t>/2 </m:t>
+                        </m:r>
+                      </m:sup>
+                    </m:sSup>
+                  </m:oMath>
+                </a14:m>
+                <a:endParaRPr lang="en-US" sz="2600" dirty="0" smtClean="0"/>
+              </a:p>
+              <a:p>
+                <a:pPr lvl="1"/>
+                <a:r>
+                  <a:rPr lang="en-US" sz="2600" dirty="0" smtClean="0"/>
+                  <a:t>Total weight at </a:t>
+                </a:r>
+                <a14:m>
+                  <m:oMath xmlns:m="http://schemas.openxmlformats.org/officeDocument/2006/math">
+                    <m:r>
+                      <a:rPr lang="en-US" sz="2600" b="0" i="1" smtClean="0">
+                        <a:latin typeface="Cambria Math"/>
+                      </a:rPr>
+                      <m:t>𝑡</m:t>
+                    </m:r>
+                    <m:r>
+                      <a:rPr lang="en-US" sz="2600" b="0" i="0" smtClean="0">
+                        <a:latin typeface="Cambria Math"/>
+                      </a:rPr>
+                      <m:t>=</m:t>
+                    </m:r>
+                    <m:r>
+                      <m:rPr>
+                        <m:sty m:val="p"/>
+                      </m:rPr>
+                      <a:rPr lang="en-US" sz="2600" b="0" i="0" smtClean="0">
+                        <a:latin typeface="Cambria Math"/>
+                      </a:rPr>
+                      <m:t>W</m:t>
+                    </m:r>
+                    <m:d>
+                      <m:dPr>
+                        <m:ctrlPr>
+                          <a:rPr lang="en-US" sz="2600" b="0" i="0" smtClean="0">
+                            <a:latin typeface="Cambria Math"/>
+                          </a:rPr>
+                        </m:ctrlPr>
+                      </m:dPr>
+                      <m:e>
+                        <m:r>
+                          <m:rPr>
+                            <m:sty m:val="p"/>
+                          </m:rPr>
+                          <a:rPr lang="en-US" sz="2600" b="0" i="0" smtClean="0">
+                            <a:latin typeface="Cambria Math"/>
+                          </a:rPr>
+                          <m:t>t</m:t>
+                        </m:r>
+                      </m:e>
+                    </m:d>
+                  </m:oMath>
+                </a14:m>
+                <a:endParaRPr lang="en-US" sz="2600" b="0" dirty="0" smtClean="0"/>
+              </a:p>
+              <a:p>
+                <a:pPr lvl="1"/>
+                <a14:m>
+                  <m:oMath xmlns:m="http://schemas.openxmlformats.org/officeDocument/2006/math">
+                    <m:r>
+                      <a:rPr lang="en-US" sz="2600" b="0" i="1" smtClean="0">
+                        <a:latin typeface="Cambria Math"/>
+                      </a:rPr>
+                      <m:t>𝑊</m:t>
+                    </m:r>
+                    <m:d>
+                      <m:dPr>
+                        <m:ctrlPr>
+                          <a:rPr lang="en-US" sz="2600" b="0" i="1" smtClean="0">
+                            <a:latin typeface="Cambria Math"/>
+                          </a:rPr>
+                        </m:ctrlPr>
+                      </m:dPr>
+                      <m:e>
+                        <m:r>
+                          <a:rPr lang="en-US" sz="2600" b="0" i="1" smtClean="0">
+                            <a:latin typeface="Cambria Math"/>
+                          </a:rPr>
+                          <m:t>𝑡</m:t>
+                        </m:r>
+                        <m:r>
+                          <a:rPr lang="en-US" sz="2600" b="0" i="1" smtClean="0">
+                            <a:latin typeface="Cambria Math"/>
+                          </a:rPr>
+                          <m:t>+1</m:t>
+                        </m:r>
+                      </m:e>
+                    </m:d>
+                    <m:r>
+                      <a:rPr lang="en-US" sz="2600" b="0" i="1" smtClean="0">
+                        <a:latin typeface="Cambria Math"/>
+                      </a:rPr>
+                      <m:t>≤</m:t>
+                    </m:r>
+                    <m:d>
+                      <m:dPr>
+                        <m:ctrlPr>
+                          <a:rPr lang="en-US" sz="2600" b="0" i="1" smtClean="0">
+                            <a:latin typeface="Cambria Math"/>
+                          </a:rPr>
+                        </m:ctrlPr>
+                      </m:dPr>
+                      <m:e>
+                        <m:r>
+                          <a:rPr lang="en-US" sz="2600" b="0" i="1" smtClean="0">
+                            <a:latin typeface="Cambria Math"/>
+                          </a:rPr>
+                          <m:t>𝛼</m:t>
+                        </m:r>
+                        <m:d>
+                          <m:dPr>
+                            <m:ctrlPr>
+                              <a:rPr lang="en-US" sz="2600" b="0" i="1" smtClean="0">
+                                <a:latin typeface="Cambria Math"/>
+                              </a:rPr>
+                            </m:ctrlPr>
+                          </m:dPr>
+                          <m:e>
+                            <m:f>
+                              <m:fPr>
+                                <m:ctrlPr>
+                                  <a:rPr lang="en-US" sz="2600" b="0" i="1" smtClean="0">
+                                    <a:latin typeface="Cambria Math"/>
+                                  </a:rPr>
+                                </m:ctrlPr>
+                              </m:fPr>
+                              <m:num>
+                                <m:r>
+                                  <a:rPr lang="en-US" sz="2600" b="0" i="1" smtClean="0">
+                                    <a:latin typeface="Cambria Math"/>
+                                  </a:rPr>
+                                  <m:t>1</m:t>
+                                </m:r>
+                              </m:num>
+                              <m:den>
+                                <m:r>
+                                  <a:rPr lang="en-US" sz="2600" b="0" i="1" smtClean="0">
+                                    <a:latin typeface="Cambria Math"/>
+                                  </a:rPr>
+                                  <m:t>2</m:t>
+                                </m:r>
+                              </m:den>
+                            </m:f>
+                            <m:r>
+                              <a:rPr lang="en-US" sz="2600" b="0" i="1" smtClean="0">
+                                <a:latin typeface="Cambria Math"/>
+                              </a:rPr>
+                              <m:t>−</m:t>
+                            </m:r>
+                            <m:r>
+                              <a:rPr lang="en-US" sz="2600" b="0" i="1" smtClean="0">
+                                <a:latin typeface="Cambria Math"/>
+                              </a:rPr>
+                              <m:t>𝛾</m:t>
+                            </m:r>
+                          </m:e>
+                        </m:d>
+                        <m:r>
+                          <a:rPr lang="en-US" sz="2600" b="0" i="1" smtClean="0">
+                            <a:latin typeface="Cambria Math"/>
+                          </a:rPr>
+                          <m:t>+</m:t>
+                        </m:r>
+                        <m:d>
+                          <m:dPr>
+                            <m:ctrlPr>
+                              <a:rPr lang="en-US" sz="2600" b="0" i="1" smtClean="0">
+                                <a:latin typeface="Cambria Math"/>
+                              </a:rPr>
+                            </m:ctrlPr>
+                          </m:dPr>
+                          <m:e>
+                            <m:f>
+                              <m:fPr>
+                                <m:ctrlPr>
+                                  <a:rPr lang="en-US" sz="2600" b="0" i="1" smtClean="0">
+                                    <a:latin typeface="Cambria Math"/>
+                                  </a:rPr>
+                                </m:ctrlPr>
+                              </m:fPr>
+                              <m:num>
+                                <m:r>
+                                  <a:rPr lang="en-US" sz="2600" b="0" i="1" smtClean="0">
+                                    <a:latin typeface="Cambria Math"/>
+                                  </a:rPr>
+                                  <m:t>1</m:t>
+                                </m:r>
+                              </m:num>
+                              <m:den>
+                                <m:r>
+                                  <a:rPr lang="en-US" sz="2600" b="0" i="1" smtClean="0">
+                                    <a:latin typeface="Cambria Math"/>
+                                  </a:rPr>
+                                  <m:t>2</m:t>
+                                </m:r>
+                              </m:den>
+                            </m:f>
+                            <m:r>
+                              <a:rPr lang="en-US" sz="2600" b="0" i="1" smtClean="0">
+                                <a:latin typeface="Cambria Math"/>
+                              </a:rPr>
+                              <m:t>+</m:t>
+                            </m:r>
+                            <m:r>
+                              <a:rPr lang="en-US" sz="2600" b="0" i="1" smtClean="0">
+                                <a:latin typeface="Cambria Math"/>
+                              </a:rPr>
+                              <m:t>𝛾</m:t>
+                            </m:r>
+                          </m:e>
+                        </m:d>
+                      </m:e>
+                    </m:d>
+                    <m:r>
+                      <a:rPr lang="en-US" sz="2600" b="0" i="1" smtClean="0">
+                        <a:latin typeface="Cambria Math"/>
+                      </a:rPr>
+                      <m:t>𝑊</m:t>
+                    </m:r>
+                    <m:d>
+                      <m:dPr>
+                        <m:ctrlPr>
+                          <a:rPr lang="en-US" sz="2600" b="0" i="1" smtClean="0">
+                            <a:latin typeface="Cambria Math"/>
+                          </a:rPr>
+                        </m:ctrlPr>
+                      </m:dPr>
+                      <m:e>
+                        <m:r>
+                          <a:rPr lang="en-US" sz="2600" b="0" i="1" smtClean="0">
+                            <a:latin typeface="Cambria Math"/>
+                          </a:rPr>
+                          <m:t>𝑡</m:t>
+                        </m:r>
+                      </m:e>
+                    </m:d>
+                    <m:r>
+                      <a:rPr lang="en-US" sz="2600" b="0" i="1" smtClean="0">
+                        <a:latin typeface="Cambria Math"/>
+                      </a:rPr>
+                      <m:t>=</m:t>
+                    </m:r>
+                    <m:d>
+                      <m:dPr>
+                        <m:ctrlPr>
+                          <a:rPr lang="en-US" sz="2600" b="0" i="1" smtClean="0">
+                            <a:latin typeface="Cambria Math"/>
+                          </a:rPr>
+                        </m:ctrlPr>
+                      </m:dPr>
+                      <m:e>
+                        <m:r>
+                          <a:rPr lang="en-US" sz="2600" b="0" i="1" smtClean="0">
+                            <a:latin typeface="Cambria Math"/>
+                          </a:rPr>
+                          <m:t>1+2</m:t>
+                        </m:r>
+                        <m:r>
+                          <a:rPr lang="en-US" sz="2600" b="0" i="1" smtClean="0">
+                            <a:latin typeface="Cambria Math"/>
+                          </a:rPr>
+                          <m:t>𝛾</m:t>
+                        </m:r>
+                      </m:e>
+                    </m:d>
+                    <m:r>
+                      <a:rPr lang="en-US" sz="2600" b="0" i="1" smtClean="0">
+                        <a:latin typeface="Cambria Math"/>
+                      </a:rPr>
+                      <m:t>𝑊</m:t>
+                    </m:r>
+                    <m:r>
+                      <a:rPr lang="en-US" sz="2600" b="0" i="1" smtClean="0">
+                        <a:latin typeface="Cambria Math"/>
+                      </a:rPr>
+                      <m:t>(</m:t>
+                    </m:r>
+                    <m:r>
+                      <a:rPr lang="en-US" sz="2600" b="0" i="1" smtClean="0">
+                        <a:latin typeface="Cambria Math"/>
+                      </a:rPr>
+                      <m:t>𝑡</m:t>
+                    </m:r>
+                    <m:r>
+                      <a:rPr lang="en-US" sz="2600" b="0" i="1" smtClean="0">
+                        <a:latin typeface="Cambria Math"/>
+                      </a:rPr>
+                      <m:t>)</m:t>
+                    </m:r>
+                  </m:oMath>
+                </a14:m>
+                <a:endParaRPr lang="en-US" sz="2600" dirty="0" smtClean="0"/>
+              </a:p>
+            </p:txBody>
+          </p:sp>
+        </mc:Choice>
+        <mc:Fallback>
+          <p:sp>
+            <p:nvSpPr>
+              <p:cNvPr id="3" name="Content Placeholder 2"/>
+              <p:cNvSpPr>
+                <a:spLocks noGrp="1" noRot="1" noChangeAspect="1" noMove="1" noResize="1" noEditPoints="1" noAdjustHandles="1" noChangeArrowheads="1" noChangeShapeType="1" noTextEdit="1"/>
+              </p:cNvSpPr>
+              <p:nvPr>
+                <p:ph idx="1"/>
+              </p:nvPr>
+            </p:nvSpPr>
+            <p:spPr>
+              <a:xfrm>
+                <a:off x="304800" y="1295400"/>
+                <a:ext cx="8915400" cy="5562600"/>
+              </a:xfrm>
+              <a:blipFill rotWithShape="1">
+                <a:blip r:embed="rId2"/>
+                <a:stretch>
+                  <a:fillRect l="-1367" t="-1754"/>
+                </a:stretch>
+              </a:blipFill>
+            </p:spPr>
+            <p:txBody>
+              <a:bodyPr/>
+              <a:lstStyle/>
+              <a:p>
+                <a:r>
+                  <a:rPr lang="en-US">
+                    <a:noFill/>
+                  </a:rPr>
+                  <a:t> </a:t>
+                </a:r>
+              </a:p>
+            </p:txBody>
+          </p:sp>
+        </mc:Fallback>
+      </mc:AlternateContent>
+    </p:spTree>
+    <p:extLst>
+      <p:ext uri="{BB962C8B-B14F-4D97-AF65-F5344CB8AC3E}">
+        <p14:creationId xmlns:p14="http://schemas.microsoft.com/office/powerpoint/2010/main" val="1685838842"/>
+      </p:ext>
+    </p:extLst>
+  </p:cSld>
+  <p:clrMapOvr>
+    <a:masterClrMapping/>
+  </p:clrMapOvr>
+  <p:timing>
+    <p:tnLst>
+      <p:par>
+        <p:cTn id="1" dur="indefinite" restart="never" nodeType="tmRoot">
+          <p:childTnLst>
+            <p:seq concurrent="1" nextAc="seek">
+              <p:cTn id="2" dur="indefinite" nodeType="mainSeq">
+                <p:childTnLst>
+                  <p:par>
+                    <p:cTn id="3" fill="hold">
+                      <p:stCondLst>
+                        <p:cond delay="indefinite"/>
+                      </p:stCondLst>
+                      <p:childTnLst>
+                        <p:par>
+                          <p:cTn id="4" fill="hold">
+                            <p:stCondLst>
+                              <p:cond delay="0"/>
+                            </p:stCondLst>
+                            <p:childTnLst>
+                              <p:par>
+                                <p:cTn id="5" presetID="1" presetClass="entr" presetSubtype="0" fill="hold" grpId="0" nodeType="clickEffect">
+                                  <p:stCondLst>
+                                    <p:cond delay="0"/>
+                                  </p:stCondLst>
+                                  <p:childTnLst>
+                                    <p:set>
+                                      <p:cBhvr>
+                                        <p:cTn id="6" dur="1" fill="hold">
+                                          <p:stCondLst>
+                                            <p:cond delay="0"/>
+                                          </p:stCondLst>
+                                        </p:cTn>
+                                        <p:tgtEl>
+                                          <p:spTgt spid="3">
+                                            <p:txEl>
+                                              <p:pRg st="0" end="0"/>
+                                            </p:txEl>
+                                          </p:spTgt>
+                                        </p:tgtEl>
+                                        <p:attrNameLst>
+                                          <p:attrName>style.visibility</p:attrName>
+                                        </p:attrNameLst>
+                                      </p:cBhvr>
+                                      <p:to>
+                                        <p:strVal val="visible"/>
+                                      </p:to>
+                                    </p:set>
+                                  </p:childTnLst>
+                                </p:cTn>
+                              </p:par>
+                              <p:par>
+                                <p:cTn id="7" presetID="1" presetClass="entr" presetSubtype="0" fill="hold" grpId="0" nodeType="withEffect">
+                                  <p:stCondLst>
+                                    <p:cond delay="0"/>
+                                  </p:stCondLst>
+                                  <p:childTnLst>
+                                    <p:set>
+                                      <p:cBhvr>
+                                        <p:cTn id="8" dur="1" fill="hold">
+                                          <p:stCondLst>
+                                            <p:cond delay="0"/>
+                                          </p:stCondLst>
+                                        </p:cTn>
+                                        <p:tgtEl>
+                                          <p:spTgt spid="3">
+                                            <p:txEl>
+                                              <p:pRg st="1" end="1"/>
+                                            </p:txEl>
+                                          </p:spTgt>
+                                        </p:tgtEl>
+                                        <p:attrNameLst>
+                                          <p:attrName>style.visibility</p:attrName>
+                                        </p:attrNameLst>
+                                      </p:cBhvr>
+                                      <p:to>
+                                        <p:strVal val="visible"/>
+                                      </p:to>
+                                    </p:set>
+                                  </p:childTnLst>
+                                </p:cTn>
+                              </p:par>
+                            </p:childTnLst>
+                          </p:cTn>
+                        </p:par>
+                      </p:childTnLst>
+                    </p:cTn>
+                  </p:par>
+                  <p:par>
+                    <p:cTn id="9" fill="hold">
+                      <p:stCondLst>
+                        <p:cond delay="indefinite"/>
+                      </p:stCondLst>
+                      <p:childTnLst>
+                        <p:par>
+                          <p:cTn id="10" fill="hold">
+                            <p:stCondLst>
+                              <p:cond delay="0"/>
+                            </p:stCondLst>
+                            <p:childTnLst>
+                              <p:par>
+                                <p:cTn id="11" presetID="1" presetClass="entr" presetSubtype="0" fill="hold" grpId="0" nodeType="clickEffect">
+                                  <p:stCondLst>
+                                    <p:cond delay="0"/>
+                                  </p:stCondLst>
+                                  <p:childTnLst>
+                                    <p:set>
+                                      <p:cBhvr>
+                                        <p:cTn id="12" dur="1" fill="hold">
+                                          <p:stCondLst>
+                                            <p:cond delay="0"/>
+                                          </p:stCondLst>
+                                        </p:cTn>
+                                        <p:tgtEl>
+                                          <p:spTgt spid="3">
+                                            <p:txEl>
+                                              <p:pRg st="2" end="2"/>
+                                            </p:txEl>
+                                          </p:spTgt>
+                                        </p:tgtEl>
+                                        <p:attrNameLst>
+                                          <p:attrName>style.visibility</p:attrName>
+                                        </p:attrNameLst>
+                                      </p:cBhvr>
+                                      <p:to>
+                                        <p:strVal val="visible"/>
+                                      </p:to>
+                                    </p:set>
+                                  </p:childTnLst>
+                                </p:cTn>
+                              </p:par>
+                              <p:par>
+                                <p:cTn id="13" presetID="1" presetClass="entr" presetSubtype="0" fill="hold" grpId="0" nodeType="withEffect">
+                                  <p:stCondLst>
+                                    <p:cond delay="0"/>
+                                  </p:stCondLst>
+                                  <p:childTnLst>
+                                    <p:set>
+                                      <p:cBhvr>
+                                        <p:cTn id="14" dur="1" fill="hold">
+                                          <p:stCondLst>
+                                            <p:cond delay="0"/>
+                                          </p:stCondLst>
+                                        </p:cTn>
+                                        <p:tgtEl>
+                                          <p:spTgt spid="3">
+                                            <p:txEl>
+                                              <p:pRg st="3" end="3"/>
+                                            </p:txEl>
+                                          </p:spTgt>
+                                        </p:tgtEl>
+                                        <p:attrNameLst>
+                                          <p:attrName>style.visibility</p:attrName>
+                                        </p:attrNameLst>
+                                      </p:cBhvr>
+                                      <p:to>
+                                        <p:strVal val="visible"/>
+                                      </p:to>
+                                    </p:set>
+                                  </p:childTnLst>
+                                </p:cTn>
+                              </p:par>
+                            </p:childTnLst>
+                          </p:cTn>
+                        </p:par>
+                      </p:childTnLst>
+                    </p:cTn>
+                  </p:par>
+                  <p:par>
+                    <p:cTn id="15" fill="hold">
+                      <p:stCondLst>
+                        <p:cond delay="indefinite"/>
+                      </p:stCondLst>
+                      <p:childTnLst>
+                        <p:par>
+                          <p:cTn id="16" fill="hold">
+                            <p:stCondLst>
+                              <p:cond delay="0"/>
+                            </p:stCondLst>
+                            <p:childTnLst>
+                              <p:par>
+                                <p:cTn id="17" presetID="1" presetClass="entr" presetSubtype="0" fill="hold" grpId="0" nodeType="clickEffect">
+                                  <p:stCondLst>
+                                    <p:cond delay="0"/>
+                                  </p:stCondLst>
+                                  <p:childTnLst>
+                                    <p:set>
+                                      <p:cBhvr>
+                                        <p:cTn id="18" dur="1" fill="hold">
+                                          <p:stCondLst>
+                                            <p:cond delay="0"/>
+                                          </p:stCondLst>
+                                        </p:cTn>
+                                        <p:tgtEl>
+                                          <p:spTgt spid="3">
+                                            <p:txEl>
+                                              <p:pRg st="4" end="4"/>
+                                            </p:txEl>
+                                          </p:spTgt>
+                                        </p:tgtEl>
+                                        <p:attrNameLst>
+                                          <p:attrName>style.visibility</p:attrName>
+                                        </p:attrNameLst>
+                                      </p:cBhvr>
+                                      <p:to>
+                                        <p:strVal val="visible"/>
+                                      </p:to>
+                                    </p:set>
+                                  </p:childTnLst>
+                                </p:cTn>
+                              </p:par>
+                            </p:childTnLst>
+                          </p:cTn>
+                        </p:par>
+                      </p:childTnLst>
+                    </p:cTn>
+                  </p:par>
+                  <p:par>
+                    <p:cTn id="19" fill="hold">
+                      <p:stCondLst>
+                        <p:cond delay="indefinite"/>
+                      </p:stCondLst>
+                      <p:childTnLst>
+                        <p:par>
+                          <p:cTn id="20" fill="hold">
+                            <p:stCondLst>
+                              <p:cond delay="0"/>
+                            </p:stCondLst>
+                            <p:childTnLst>
+                              <p:par>
+                                <p:cTn id="21" presetID="1" presetClass="entr" presetSubtype="0" fill="hold" grpId="0" nodeType="clickEffect">
+                                  <p:stCondLst>
+                                    <p:cond delay="0"/>
+                                  </p:stCondLst>
+                                  <p:childTnLst>
+                                    <p:set>
+                                      <p:cBhvr>
+                                        <p:cTn id="22" dur="1" fill="hold">
+                                          <p:stCondLst>
+                                            <p:cond delay="0"/>
+                                          </p:stCondLst>
+                                        </p:cTn>
+                                        <p:tgtEl>
+                                          <p:spTgt spid="3">
+                                            <p:txEl>
+                                              <p:pRg st="5" end="5"/>
+                                            </p:txEl>
+                                          </p:spTgt>
+                                        </p:tgtEl>
+                                        <p:attrNameLst>
+                                          <p:attrName>style.visibility</p:attrName>
+                                        </p:attrNameLst>
+                                      </p:cBhvr>
+                                      <p:to>
+                                        <p:strVal val="visible"/>
+                                      </p:to>
+                                    </p:set>
+                                  </p:childTnLst>
+                                </p:cTn>
+                              </p:par>
+                            </p:childTnLst>
+                          </p:cTn>
+                        </p:par>
+                      </p:childTnLst>
+                    </p:cTn>
+                  </p:par>
+                  <p:par>
+                    <p:cTn id="23" fill="hold">
+                      <p:stCondLst>
+                        <p:cond delay="indefinite"/>
+                      </p:stCondLst>
+                      <p:childTnLst>
+                        <p:par>
+                          <p:cTn id="24" fill="hold">
+                            <p:stCondLst>
+                              <p:cond delay="0"/>
+                            </p:stCondLst>
+                            <p:childTnLst>
+                              <p:par>
+                                <p:cTn id="25" presetID="1" presetClass="entr" presetSubtype="0" fill="hold" grpId="0" nodeType="clickEffect">
+                                  <p:stCondLst>
+                                    <p:cond delay="0"/>
+                                  </p:stCondLst>
+                                  <p:childTnLst>
+                                    <p:set>
+                                      <p:cBhvr>
+                                        <p:cTn id="26" dur="1" fill="hold">
+                                          <p:stCondLst>
+                                            <p:cond delay="0"/>
+                                          </p:stCondLst>
+                                        </p:cTn>
+                                        <p:tgtEl>
+                                          <p:spTgt spid="3">
+                                            <p:txEl>
+                                              <p:pRg st="6" end="6"/>
+                                            </p:txEl>
+                                          </p:spTgt>
+                                        </p:tgtEl>
+                                        <p:attrNameLst>
+                                          <p:attrName>style.visibility</p:attrName>
+                                        </p:attrNameLst>
+                                      </p:cBhvr>
+                                      <p:to>
+                                        <p:strVal val="visible"/>
+                                      </p:to>
+                                    </p:set>
+                                  </p:childTnLst>
+                                </p:cTn>
+                              </p:par>
+                            </p:childTnLst>
+                          </p:cTn>
+                        </p:par>
+                      </p:childTnLst>
+                    </p:cTn>
+                  </p:par>
+                  <p:par>
+                    <p:cTn id="27" fill="hold">
+                      <p:stCondLst>
+                        <p:cond delay="indefinite"/>
+                      </p:stCondLst>
+                      <p:childTnLst>
+                        <p:par>
+                          <p:cTn id="28" fill="hold">
+                            <p:stCondLst>
+                              <p:cond delay="0"/>
+                            </p:stCondLst>
+                            <p:childTnLst>
+                              <p:par>
+                                <p:cTn id="29" presetID="1" presetClass="entr" presetSubtype="0" fill="hold" grpId="0" nodeType="clickEffect">
+                                  <p:stCondLst>
+                                    <p:cond delay="0"/>
+                                  </p:stCondLst>
+                                  <p:childTnLst>
+                                    <p:set>
+                                      <p:cBhvr>
+                                        <p:cTn id="30" dur="1" fill="hold">
+                                          <p:stCondLst>
+                                            <p:cond delay="0"/>
+                                          </p:stCondLst>
+                                        </p:cTn>
+                                        <p:tgtEl>
+                                          <p:spTgt spid="3">
+                                            <p:txEl>
+                                              <p:pRg st="7" end="7"/>
+                                            </p:txEl>
+                                          </p:spTgt>
+                                        </p:tgtEl>
+                                        <p:attrNameLst>
+                                          <p:attrName>style.visibility</p:attrName>
+                                        </p:attrNameLst>
+                                      </p:cBhvr>
+                                      <p:to>
+                                        <p:strVal val="visible"/>
+                                      </p:to>
+                                    </p:set>
+                                  </p:childTnLst>
+                                </p:cTn>
+                              </p:par>
+                            </p:childTnLst>
+                          </p:cTn>
+                        </p:par>
+                      </p:childTnLst>
+                    </p:cTn>
+                  </p:par>
+                  <p:par>
+                    <p:cTn id="31" fill="hold">
+                      <p:stCondLst>
+                        <p:cond delay="indefinite"/>
+                      </p:stCondLst>
+                      <p:childTnLst>
+                        <p:par>
+                          <p:cTn id="32" fill="hold">
+                            <p:stCondLst>
+                              <p:cond delay="0"/>
+                            </p:stCondLst>
+                            <p:childTnLst>
+                              <p:par>
+                                <p:cTn id="33" presetID="1" presetClass="entr" presetSubtype="0" fill="hold" grpId="0" nodeType="clickEffect">
+                                  <p:stCondLst>
+                                    <p:cond delay="0"/>
+                                  </p:stCondLst>
+                                  <p:childTnLst>
+                                    <p:set>
+                                      <p:cBhvr>
+                                        <p:cTn id="34" dur="1" fill="hold">
+                                          <p:stCondLst>
+                                            <p:cond delay="0"/>
+                                          </p:stCondLst>
+                                        </p:cTn>
+                                        <p:tgtEl>
+                                          <p:spTgt spid="3">
+                                            <p:txEl>
+                                              <p:pRg st="8" end="8"/>
+                                            </p:txEl>
+                                          </p:spTgt>
+                                        </p:tgtEl>
+                                        <p:attrNameLst>
+                                          <p:attrName>style.visibility</p:attrName>
+                                        </p:attrNameLst>
+                                      </p:cBhvr>
+                                      <p:to>
+                                        <p:strVal val="visible"/>
+                                      </p:to>
+                                    </p:set>
+                                  </p:childTnLst>
+                                </p:cTn>
+                              </p:par>
+                            </p:childTnLst>
+                          </p:cTn>
+                        </p:par>
+                      </p:childTnLst>
+                    </p:cTn>
+                  </p:par>
+                </p:childTnLst>
+              </p:cTn>
+              <p:prevCondLst>
+                <p:cond evt="onPrev" delay="0">
+                  <p:tgtEl>
+                    <p:sldTgt/>
+                  </p:tgtEl>
+                </p:cond>
+              </p:prevCondLst>
+              <p:nextCondLst>
+                <p:cond evt="onNext" delay="0">
+                  <p:tgtEl>
+                    <p:sldTgt/>
+                  </p:tgtEl>
+                </p:cond>
+              </p:nextCondLst>
+            </p:seq>
+          </p:childTnLst>
+        </p:cTn>
+      </p:par>
+    </p:tnLst>
+    <p:bldLst>
+      <p:bldP spid="3" grpId="0" uiExpand="1" build="p"/>
+    </p:bldLst>
+  </p:timing>
+</p:sld>
+</file>
+
+<file path=ppt/slides/slide18.xml><?xml version="1.0" encoding="utf-8"?>
+<p:sld xmlns:a="http://schemas.openxmlformats.org/drawingml/2006/main" xmlns:r="http://schemas.openxmlformats.org/officeDocument/2006/relationships" xmlns:p="http://schemas.openxmlformats.org/presentationml/2006/main">
+  <p:cSld>
+    <p:spTree>
+      <p:nvGrpSpPr>
+        <p:cNvPr id="1" name=""/>
+        <p:cNvGrpSpPr/>
+        <p:nvPr/>
+      </p:nvGrpSpPr>
+      <p:grpSpPr>
+        <a:xfrm>
+          <a:off x="0" y="0"/>
+          <a:ext cx="0" cy="0"/>
+          <a:chOff x="0" y="0"/>
+          <a:chExt cx="0" cy="0"/>
+        </a:xfrm>
+      </p:grpSpPr>
+      <p:sp>
+        <p:nvSpPr>
+          <p:cNvPr id="2" name="Title 1"/>
+          <p:cNvSpPr>
+            <a:spLocks noGrp="1"/>
+          </p:cNvSpPr>
+          <p:nvPr>
+            <p:ph type="title"/>
+          </p:nvPr>
+        </p:nvSpPr>
+        <p:spPr/>
+        <p:txBody>
+          <a:bodyPr/>
+          <a:lstStyle/>
+          <a:p>
+            <a:r>
+              <a:rPr lang="en-US" dirty="0" smtClean="0">
+                <a:solidFill>
+                  <a:srgbClr val="0070C0"/>
+                </a:solidFill>
+              </a:rPr>
+              <a:t>Boosting: analysis (cont.)</a:t>
+            </a:r>
+            <a:endParaRPr lang="en-US" dirty="0"/>
+          </a:p>
+        </p:txBody>
+      </p:sp>
+      <mc:AlternateContent xmlns:mc="http://schemas.openxmlformats.org/markup-compatibility/2006">
+        <mc:Choice xmlns:a14="http://schemas.microsoft.com/office/drawing/2010/main" Requires="a14">
+          <p:sp>
+            <p:nvSpPr>
+              <p:cNvPr id="3" name="Content Placeholder 2"/>
+              <p:cNvSpPr>
+                <a:spLocks noGrp="1"/>
+              </p:cNvSpPr>
+              <p:nvPr>
+                <p:ph idx="1"/>
+              </p:nvPr>
+            </p:nvSpPr>
+            <p:spPr>
+              <a:xfrm>
+                <a:off x="381000" y="1600200"/>
+                <a:ext cx="9254648" cy="5257800"/>
+              </a:xfrm>
+            </p:spPr>
+            <p:txBody>
+              <a:bodyPr>
+                <a:normAutofit lnSpcReduction="10000"/>
+              </a:bodyPr>
+              <a:lstStyle/>
+              <a:p>
+                <a14:m>
+                  <m:oMath xmlns:m="http://schemas.openxmlformats.org/officeDocument/2006/math">
+                    <m:r>
+                      <a:rPr lang="en-US" sz="3000" b="0" i="1" smtClean="0">
+                        <a:latin typeface="Cambria Math"/>
+                      </a:rPr>
+                      <m:t>𝑊</m:t>
+                    </m:r>
+                    <m:d>
+                      <m:dPr>
+                        <m:ctrlPr>
+                          <a:rPr lang="en-US" sz="3000" b="0" i="1" smtClean="0">
+                            <a:latin typeface="Cambria Math"/>
+                          </a:rPr>
+                        </m:ctrlPr>
+                      </m:dPr>
+                      <m:e>
+                        <m:r>
+                          <a:rPr lang="en-US" sz="3000" b="0" i="1" smtClean="0">
+                            <a:latin typeface="Cambria Math"/>
+                          </a:rPr>
+                          <m:t>0</m:t>
+                        </m:r>
+                      </m:e>
+                    </m:d>
+                    <m:r>
+                      <a:rPr lang="en-US" sz="3000" b="0" i="1" smtClean="0">
+                        <a:latin typeface="Cambria Math"/>
+                      </a:rPr>
+                      <m:t>=</m:t>
+                    </m:r>
+                    <m:r>
+                      <a:rPr lang="en-US" sz="3000" b="0" i="1" smtClean="0">
+                        <a:latin typeface="Cambria Math"/>
+                      </a:rPr>
+                      <m:t>𝑛</m:t>
+                    </m:r>
+                    <m:r>
+                      <a:rPr lang="en-US" sz="3000" b="0" i="1" smtClean="0">
+                        <a:latin typeface="Cambria Math"/>
+                      </a:rPr>
+                      <m:t>⇒</m:t>
+                    </m:r>
+                    <m:r>
+                      <a:rPr lang="en-US" sz="3000" b="0" i="1" smtClean="0">
+                        <a:latin typeface="Cambria Math"/>
+                      </a:rPr>
+                      <m:t>𝑊</m:t>
+                    </m:r>
+                    <m:d>
+                      <m:dPr>
+                        <m:ctrlPr>
+                          <a:rPr lang="en-US" sz="3000" b="0" i="1" smtClean="0">
+                            <a:latin typeface="Cambria Math"/>
+                          </a:rPr>
+                        </m:ctrlPr>
+                      </m:dPr>
+                      <m:e>
+                        <m:sSub>
+                          <m:sSubPr>
+                            <m:ctrlPr>
+                              <a:rPr lang="en-US" sz="3000" b="1" i="1" smtClean="0">
+                                <a:latin typeface="Cambria Math"/>
+                              </a:rPr>
+                            </m:ctrlPr>
+                          </m:sSubPr>
+                          <m:e>
+                            <m:r>
+                              <a:rPr lang="en-US" sz="3000" b="1" i="1" smtClean="0">
+                                <a:latin typeface="Cambria Math"/>
+                              </a:rPr>
+                              <m:t>𝒕</m:t>
+                            </m:r>
+                          </m:e>
+                          <m:sub>
+                            <m:r>
+                              <a:rPr lang="en-US" sz="3000" b="1" i="1" smtClean="0">
+                                <a:latin typeface="Cambria Math"/>
+                              </a:rPr>
+                              <m:t>𝟎</m:t>
+                            </m:r>
+                          </m:sub>
+                        </m:sSub>
+                      </m:e>
+                    </m:d>
+                    <m:r>
+                      <a:rPr lang="en-US" sz="3000" b="0" i="1" smtClean="0">
+                        <a:latin typeface="Cambria Math"/>
+                      </a:rPr>
+                      <m:t>≤</m:t>
+                    </m:r>
+                    <m:r>
+                      <a:rPr lang="en-US" sz="3000" b="0" i="1" smtClean="0">
+                        <a:latin typeface="Cambria Math"/>
+                      </a:rPr>
+                      <m:t>𝑛</m:t>
+                    </m:r>
+                    <m:sSup>
+                      <m:sSupPr>
+                        <m:ctrlPr>
+                          <a:rPr lang="en-US" sz="3000" b="0" i="1" smtClean="0">
+                            <a:latin typeface="Cambria Math"/>
+                          </a:rPr>
+                        </m:ctrlPr>
+                      </m:sSupPr>
+                      <m:e>
+                        <m:d>
+                          <m:dPr>
+                            <m:ctrlPr>
+                              <a:rPr lang="en-US" sz="3000" b="0" i="1" smtClean="0">
+                                <a:latin typeface="Cambria Math"/>
+                              </a:rPr>
+                            </m:ctrlPr>
+                          </m:dPr>
+                          <m:e>
+                            <m:r>
+                              <a:rPr lang="en-US" sz="3000" b="0" i="1" smtClean="0">
+                                <a:latin typeface="Cambria Math"/>
+                              </a:rPr>
+                              <m:t>1</m:t>
+                            </m:r>
+                            <m:r>
+                              <a:rPr lang="en-US" sz="3000" b="0" i="1" smtClean="0">
+                                <a:latin typeface="Cambria Math"/>
+                              </a:rPr>
+                              <m:t>+</m:t>
+                            </m:r>
+                            <m:r>
+                              <a:rPr lang="en-US" sz="3000" b="0" i="1" smtClean="0">
+                                <a:latin typeface="Cambria Math"/>
+                              </a:rPr>
+                              <m:t>2</m:t>
+                            </m:r>
+                            <m:r>
+                              <a:rPr lang="en-US" sz="3000" b="0" i="1" smtClean="0">
+                                <a:latin typeface="Cambria Math"/>
+                              </a:rPr>
+                              <m:t>𝛾</m:t>
+                            </m:r>
+                          </m:e>
+                        </m:d>
+                      </m:e>
+                      <m:sup>
+                        <m:sSub>
+                          <m:sSubPr>
+                            <m:ctrlPr>
+                              <a:rPr lang="en-US" sz="3000" b="1" i="1" smtClean="0">
+                                <a:latin typeface="Cambria Math"/>
+                              </a:rPr>
+                            </m:ctrlPr>
+                          </m:sSubPr>
+                          <m:e>
+                            <m:r>
+                              <a:rPr lang="en-US" sz="3000" b="1" i="1" smtClean="0">
+                                <a:latin typeface="Cambria Math"/>
+                              </a:rPr>
+                              <m:t>𝒕</m:t>
+                            </m:r>
+                          </m:e>
+                          <m:sub>
+                            <m:r>
+                              <a:rPr lang="en-US" sz="3000" b="1" i="1" smtClean="0">
+                                <a:latin typeface="Cambria Math"/>
+                              </a:rPr>
+                              <m:t>𝟎</m:t>
+                            </m:r>
+                          </m:sub>
+                        </m:sSub>
+                      </m:sup>
+                    </m:sSup>
+                  </m:oMath>
+                </a14:m>
+                <a:endParaRPr lang="en-US" sz="3000" dirty="0" smtClean="0"/>
+              </a:p>
+              <a:p>
+                <a14:m>
+                  <m:oMath xmlns:m="http://schemas.openxmlformats.org/officeDocument/2006/math">
+                    <m:r>
+                      <a:rPr lang="en-US" sz="3000" b="0" i="1" smtClean="0">
+                        <a:latin typeface="Cambria Math"/>
+                      </a:rPr>
+                      <m:t>𝑚</m:t>
+                    </m:r>
+                    <m:sSup>
+                      <m:sSupPr>
+                        <m:ctrlPr>
+                          <a:rPr lang="en-US" sz="3000" b="0" i="1" smtClean="0">
+                            <a:latin typeface="Cambria Math"/>
+                          </a:rPr>
+                        </m:ctrlPr>
+                      </m:sSupPr>
+                      <m:e>
+                        <m:r>
+                          <a:rPr lang="en-US" sz="3000" b="0" i="1" smtClean="0">
+                            <a:latin typeface="Cambria Math"/>
+                          </a:rPr>
+                          <m:t>𝛼</m:t>
+                        </m:r>
+                      </m:e>
+                      <m:sup>
+                        <m:sSub>
+                          <m:sSubPr>
+                            <m:ctrlPr>
+                              <a:rPr lang="en-US" sz="3000" b="1" i="1" smtClean="0">
+                                <a:latin typeface="Cambria Math"/>
+                              </a:rPr>
+                            </m:ctrlPr>
+                          </m:sSubPr>
+                          <m:e>
+                            <m:r>
+                              <a:rPr lang="en-US" sz="3000" b="1" i="1" smtClean="0">
+                                <a:latin typeface="Cambria Math"/>
+                              </a:rPr>
+                              <m:t>𝒕</m:t>
+                            </m:r>
+                          </m:e>
+                          <m:sub>
+                            <m:r>
+                              <a:rPr lang="en-US" sz="3000" b="1" i="1" smtClean="0">
+                                <a:latin typeface="Cambria Math"/>
+                              </a:rPr>
+                              <m:t>𝟎</m:t>
+                            </m:r>
+                          </m:sub>
+                        </m:sSub>
+                        <m:r>
+                          <a:rPr lang="en-US" sz="3000" b="0" i="1" smtClean="0">
+                            <a:latin typeface="Cambria Math"/>
+                          </a:rPr>
+                          <m:t>/</m:t>
+                        </m:r>
+                        <m:r>
+                          <a:rPr lang="en-US" sz="3000" b="0" i="1" smtClean="0">
+                            <a:latin typeface="Cambria Math"/>
+                          </a:rPr>
+                          <m:t>2</m:t>
+                        </m:r>
+                        <m:r>
+                          <a:rPr lang="en-US" sz="3000" b="0" i="1" smtClean="0">
+                            <a:latin typeface="Cambria Math"/>
+                          </a:rPr>
+                          <m:t> </m:t>
+                        </m:r>
+                      </m:sup>
+                    </m:sSup>
+                    <m:r>
+                      <a:rPr lang="en-US" sz="3000" b="0" i="1" smtClean="0">
+                        <a:latin typeface="Cambria Math"/>
+                      </a:rPr>
+                      <m:t> </m:t>
+                    </m:r>
+                    <m:r>
+                      <a:rPr lang="en-US" sz="3000" b="0" i="1" smtClean="0">
+                        <a:latin typeface="Cambria Math"/>
+                      </a:rPr>
+                      <m:t>≤</m:t>
+                    </m:r>
+                    <m:r>
+                      <a:rPr lang="en-US" sz="3000" b="0" i="1" smtClean="0">
+                        <a:latin typeface="Cambria Math"/>
+                      </a:rPr>
+                      <m:t>𝑊</m:t>
+                    </m:r>
+                    <m:d>
+                      <m:dPr>
+                        <m:ctrlPr>
+                          <a:rPr lang="en-US" sz="3000" b="0" i="1" smtClean="0">
+                            <a:latin typeface="Cambria Math"/>
+                          </a:rPr>
+                        </m:ctrlPr>
+                      </m:dPr>
+                      <m:e>
+                        <m:sSub>
+                          <m:sSubPr>
+                            <m:ctrlPr>
+                              <a:rPr lang="en-US" sz="3000" b="1" i="1" smtClean="0">
+                                <a:latin typeface="Cambria Math"/>
+                              </a:rPr>
+                            </m:ctrlPr>
+                          </m:sSubPr>
+                          <m:e>
+                            <m:r>
+                              <a:rPr lang="en-US" sz="3000" b="1" i="1" smtClean="0">
+                                <a:latin typeface="Cambria Math"/>
+                              </a:rPr>
+                              <m:t>𝒕</m:t>
+                            </m:r>
+                          </m:e>
+                          <m:sub>
+                            <m:r>
+                              <a:rPr lang="en-US" sz="3000" b="1" i="1" smtClean="0">
+                                <a:latin typeface="Cambria Math"/>
+                              </a:rPr>
+                              <m:t>𝟎</m:t>
+                            </m:r>
+                          </m:sub>
+                        </m:sSub>
+                      </m:e>
+                    </m:d>
+                    <m:r>
+                      <a:rPr lang="en-US" sz="3000" b="0" i="1" smtClean="0">
+                        <a:latin typeface="Cambria Math"/>
+                      </a:rPr>
+                      <m:t>≤</m:t>
+                    </m:r>
+                    <m:r>
+                      <a:rPr lang="en-US" sz="3000" b="0" i="1" smtClean="0">
+                        <a:latin typeface="Cambria Math"/>
+                      </a:rPr>
+                      <m:t>𝑛</m:t>
+                    </m:r>
+                    <m:sSup>
+                      <m:sSupPr>
+                        <m:ctrlPr>
+                          <a:rPr lang="en-US" sz="3000" b="0" i="1" smtClean="0">
+                            <a:latin typeface="Cambria Math"/>
+                          </a:rPr>
+                        </m:ctrlPr>
+                      </m:sSupPr>
+                      <m:e>
+                        <m:d>
+                          <m:dPr>
+                            <m:ctrlPr>
+                              <a:rPr lang="en-US" sz="3000" b="0" i="1" smtClean="0">
+                                <a:latin typeface="Cambria Math"/>
+                              </a:rPr>
+                            </m:ctrlPr>
+                          </m:dPr>
+                          <m:e>
+                            <m:r>
+                              <a:rPr lang="en-US" sz="3000" b="0" i="1" smtClean="0">
+                                <a:latin typeface="Cambria Math"/>
+                              </a:rPr>
+                              <m:t>1</m:t>
+                            </m:r>
+                            <m:r>
+                              <a:rPr lang="en-US" sz="3000" b="0" i="1" smtClean="0">
+                                <a:latin typeface="Cambria Math"/>
+                              </a:rPr>
+                              <m:t>+</m:t>
+                            </m:r>
+                            <m:r>
+                              <a:rPr lang="en-US" sz="3000" b="0" i="1" smtClean="0">
+                                <a:latin typeface="Cambria Math"/>
+                              </a:rPr>
+                              <m:t>2</m:t>
+                            </m:r>
+                            <m:r>
+                              <a:rPr lang="en-US" sz="3000" b="0" i="1" smtClean="0">
+                                <a:latin typeface="Cambria Math"/>
+                              </a:rPr>
+                              <m:t>𝛾</m:t>
+                            </m:r>
+                          </m:e>
+                        </m:d>
+                      </m:e>
+                      <m:sup>
+                        <m:sSub>
+                          <m:sSubPr>
+                            <m:ctrlPr>
+                              <a:rPr lang="en-US" sz="3000" b="1" i="1" smtClean="0">
+                                <a:latin typeface="Cambria Math"/>
+                              </a:rPr>
+                            </m:ctrlPr>
+                          </m:sSubPr>
+                          <m:e>
+                            <m:r>
+                              <a:rPr lang="en-US" sz="3000" b="1" i="1" smtClean="0">
+                                <a:latin typeface="Cambria Math"/>
+                              </a:rPr>
+                              <m:t>𝒕</m:t>
+                            </m:r>
+                          </m:e>
+                          <m:sub>
+                            <m:r>
+                              <a:rPr lang="en-US" sz="3000" b="1" i="1" smtClean="0">
+                                <a:latin typeface="Cambria Math"/>
+                              </a:rPr>
+                              <m:t>𝟎</m:t>
+                            </m:r>
+                          </m:sub>
+                        </m:sSub>
+                      </m:sup>
+                    </m:sSup>
+                  </m:oMath>
+                </a14:m>
+                <a:endParaRPr lang="en-US" sz="3000" dirty="0" smtClean="0"/>
+              </a:p>
+              <a:p>
+                <a:pPr marL="342900" lvl="1" indent="-342900">
+                  <a:buFont typeface="Arial" pitchFamily="34" charset="0"/>
+                  <a:buChar char="•"/>
+                </a:pPr>
+                <a14:m>
+                  <m:oMath xmlns:m="http://schemas.openxmlformats.org/officeDocument/2006/math">
+                    <m:r>
+                      <a:rPr lang="en-US" sz="3000" b="0" i="1" smtClean="0">
+                        <a:latin typeface="Cambria Math"/>
+                      </a:rPr>
+                      <m:t>𝛼</m:t>
+                    </m:r>
+                    <m:r>
+                      <a:rPr lang="en-US" sz="3000" b="0" i="1" smtClean="0">
+                        <a:latin typeface="Cambria Math"/>
+                      </a:rPr>
+                      <m:t>=( </m:t>
+                    </m:r>
+                    <m:f>
+                      <m:fPr>
+                        <m:ctrlPr>
+                          <a:rPr lang="en-US" sz="3000" b="0" i="1" smtClean="0">
+                            <a:latin typeface="Cambria Math"/>
+                          </a:rPr>
+                        </m:ctrlPr>
+                      </m:fPr>
+                      <m:num>
+                        <m:r>
+                          <a:rPr lang="en-US" sz="3000" b="0" i="1" smtClean="0">
+                            <a:latin typeface="Cambria Math"/>
+                          </a:rPr>
+                          <m:t>1</m:t>
+                        </m:r>
+                      </m:num>
+                      <m:den>
+                        <m:r>
+                          <a:rPr lang="en-US" sz="3000" b="0" i="1" smtClean="0">
+                            <a:latin typeface="Cambria Math"/>
+                          </a:rPr>
+                          <m:t>2</m:t>
+                        </m:r>
+                      </m:den>
+                    </m:f>
+                    <m:r>
+                      <a:rPr lang="en-US" sz="3000" b="0" i="1" smtClean="0">
+                        <a:latin typeface="Cambria Math"/>
+                      </a:rPr>
+                      <m:t>+</m:t>
+                    </m:r>
+                    <m:r>
+                      <a:rPr lang="en-US" sz="3000" b="0" i="1" smtClean="0">
+                        <a:latin typeface="Cambria Math"/>
+                      </a:rPr>
+                      <m:t>𝛾</m:t>
+                    </m:r>
+                    <m:r>
+                      <a:rPr lang="en-US" sz="3000" b="0" i="1" smtClean="0">
+                        <a:latin typeface="Cambria Math"/>
+                      </a:rPr>
+                      <m:t>)/( </m:t>
+                    </m:r>
+                    <m:f>
+                      <m:fPr>
+                        <m:ctrlPr>
+                          <a:rPr lang="en-US" sz="3000" b="0" i="1" smtClean="0">
+                            <a:latin typeface="Cambria Math"/>
+                          </a:rPr>
+                        </m:ctrlPr>
+                      </m:fPr>
+                      <m:num>
+                        <m:r>
+                          <a:rPr lang="en-US" sz="3000" b="0" i="1" smtClean="0">
+                            <a:latin typeface="Cambria Math"/>
+                          </a:rPr>
+                          <m:t>1</m:t>
+                        </m:r>
+                      </m:num>
+                      <m:den>
+                        <m:r>
+                          <a:rPr lang="en-US" sz="3000" b="0" i="1" smtClean="0">
+                            <a:latin typeface="Cambria Math"/>
+                          </a:rPr>
+                          <m:t>2</m:t>
+                        </m:r>
+                      </m:den>
+                    </m:f>
+                    <m:r>
+                      <a:rPr lang="en-US" sz="3000" b="0" i="1" smtClean="0">
+                        <a:latin typeface="Cambria Math"/>
+                      </a:rPr>
+                      <m:t>−</m:t>
+                    </m:r>
+                    <m:r>
+                      <a:rPr lang="en-US" sz="3000" b="0" i="1" smtClean="0">
+                        <a:latin typeface="Cambria Math"/>
+                      </a:rPr>
+                      <m:t>𝛾</m:t>
+                    </m:r>
+                    <m:r>
+                      <a:rPr lang="en-US" sz="3000" b="0" i="1" smtClean="0">
+                        <a:latin typeface="Cambria Math"/>
+                      </a:rPr>
+                      <m:t>)</m:t>
+                    </m:r>
+                  </m:oMath>
+                </a14:m>
+                <a:r>
+                  <a:rPr lang="en-US" sz="3000" b="0" dirty="0" smtClean="0"/>
+                  <a:t> </a:t>
+                </a:r>
+                <a14:m>
+                  <m:oMath xmlns:m="http://schemas.openxmlformats.org/officeDocument/2006/math">
+                    <m:r>
+                      <a:rPr lang="en-US" sz="3000" b="0" i="1" dirty="0" smtClean="0">
+                        <a:latin typeface="Cambria Math"/>
+                      </a:rPr>
+                      <m:t>=(</m:t>
+                    </m:r>
+                    <m:r>
+                      <a:rPr lang="en-US" sz="3000" b="0" i="1" dirty="0" smtClean="0">
+                        <a:latin typeface="Cambria Math"/>
+                      </a:rPr>
+                      <m:t>1</m:t>
+                    </m:r>
+                    <m:r>
+                      <a:rPr lang="en-US" sz="3000" b="0" i="1" dirty="0" smtClean="0">
+                        <a:latin typeface="Cambria Math"/>
+                      </a:rPr>
+                      <m:t>+</m:t>
+                    </m:r>
+                    <m:r>
+                      <a:rPr lang="en-US" sz="3000" b="0" i="1" dirty="0" smtClean="0">
+                        <a:latin typeface="Cambria Math"/>
+                      </a:rPr>
+                      <m:t>2</m:t>
+                    </m:r>
+                    <m:r>
+                      <a:rPr lang="en-US" sz="3000" b="0" i="1" dirty="0" smtClean="0">
+                        <a:latin typeface="Cambria Math"/>
+                      </a:rPr>
+                      <m:t>𝛾</m:t>
+                    </m:r>
+                    <m:r>
+                      <a:rPr lang="en-US" sz="3000" b="0" i="1" dirty="0" smtClean="0">
+                        <a:latin typeface="Cambria Math"/>
+                      </a:rPr>
+                      <m:t>)/(</m:t>
+                    </m:r>
+                    <m:r>
+                      <a:rPr lang="en-US" sz="3000" b="0" i="1" dirty="0" smtClean="0">
+                        <a:latin typeface="Cambria Math"/>
+                      </a:rPr>
+                      <m:t>1</m:t>
+                    </m:r>
+                    <m:r>
+                      <a:rPr lang="en-US" sz="3000" b="0" i="1" dirty="0" smtClean="0">
+                        <a:latin typeface="Cambria Math"/>
+                      </a:rPr>
+                      <m:t>−</m:t>
+                    </m:r>
+                    <m:r>
+                      <a:rPr lang="en-US" sz="3000" b="0" i="1" dirty="0" smtClean="0">
+                        <a:latin typeface="Cambria Math"/>
+                      </a:rPr>
+                      <m:t>2</m:t>
+                    </m:r>
+                    <m:r>
+                      <a:rPr lang="en-US" sz="3000" b="0" i="1" dirty="0" smtClean="0">
+                        <a:latin typeface="Cambria Math"/>
+                      </a:rPr>
+                      <m:t>𝛾</m:t>
+                    </m:r>
+                    <m:r>
+                      <a:rPr lang="en-US" sz="3000" b="0" i="1" dirty="0" smtClean="0">
+                        <a:latin typeface="Cambria Math"/>
+                      </a:rPr>
+                      <m:t>)</m:t>
+                    </m:r>
+                  </m:oMath>
+                </a14:m>
+                <a:endParaRPr lang="en-US" sz="3000" b="0" dirty="0" smtClean="0"/>
+              </a:p>
+              <a:p>
+                <a:pPr marL="342900" lvl="1" indent="-342900">
+                  <a:buFont typeface="Arial" pitchFamily="34" charset="0"/>
+                  <a:buChar char="•"/>
+                </a:pPr>
+                <a14:m>
+                  <m:oMath xmlns:m="http://schemas.openxmlformats.org/officeDocument/2006/math">
+                    <m:r>
+                      <a:rPr lang="en-US" sz="3000" b="0" i="1" smtClean="0">
+                        <a:latin typeface="Cambria Math"/>
+                      </a:rPr>
+                      <m:t>𝑚</m:t>
+                    </m:r>
+                    <m:r>
+                      <a:rPr lang="en-US" sz="3000" b="0" i="1" smtClean="0">
+                        <a:latin typeface="Cambria Math"/>
+                      </a:rPr>
+                      <m:t>≤</m:t>
+                    </m:r>
+                    <m:r>
+                      <a:rPr lang="en-US" sz="3000" b="0" i="1" smtClean="0">
+                        <a:latin typeface="Cambria Math"/>
+                      </a:rPr>
+                      <m:t>𝑛</m:t>
+                    </m:r>
+                    <m:sSup>
+                      <m:sSupPr>
+                        <m:ctrlPr>
+                          <a:rPr lang="en-US" sz="3000" b="0" i="1" smtClean="0">
+                            <a:latin typeface="Cambria Math"/>
+                          </a:rPr>
+                        </m:ctrlPr>
+                      </m:sSupPr>
+                      <m:e>
+                        <m:d>
+                          <m:dPr>
+                            <m:ctrlPr>
+                              <a:rPr lang="en-US" sz="3000" b="0" i="1" smtClean="0">
+                                <a:latin typeface="Cambria Math"/>
+                              </a:rPr>
+                            </m:ctrlPr>
+                          </m:dPr>
+                          <m:e>
+                            <m:r>
+                              <a:rPr lang="en-US" sz="3000" b="0" i="1" smtClean="0">
+                                <a:latin typeface="Cambria Math"/>
+                              </a:rPr>
+                              <m:t>1</m:t>
+                            </m:r>
+                            <m:r>
+                              <a:rPr lang="en-US" sz="3000" b="0" i="1" smtClean="0">
+                                <a:latin typeface="Cambria Math"/>
+                              </a:rPr>
+                              <m:t>−</m:t>
+                            </m:r>
+                            <m:r>
+                              <a:rPr lang="en-US" sz="3000" b="0" i="1" smtClean="0">
+                                <a:latin typeface="Cambria Math"/>
+                              </a:rPr>
+                              <m:t>2</m:t>
+                            </m:r>
+                            <m:r>
+                              <a:rPr lang="en-US" sz="3000" b="0" i="1" smtClean="0">
+                                <a:latin typeface="Cambria Math"/>
+                              </a:rPr>
+                              <m:t>𝛾</m:t>
+                            </m:r>
+                          </m:e>
+                        </m:d>
+                      </m:e>
+                      <m:sup>
+                        <m:sSub>
+                          <m:sSubPr>
+                            <m:ctrlPr>
+                              <a:rPr lang="en-US" sz="3000" b="1" i="1" smtClean="0">
+                                <a:latin typeface="Cambria Math"/>
+                              </a:rPr>
+                            </m:ctrlPr>
+                          </m:sSubPr>
+                          <m:e>
+                            <m:r>
+                              <a:rPr lang="en-US" sz="3000" b="1" i="1" smtClean="0">
+                                <a:latin typeface="Cambria Math"/>
+                              </a:rPr>
+                              <m:t>𝒕</m:t>
+                            </m:r>
+                          </m:e>
+                          <m:sub>
+                            <m:r>
+                              <a:rPr lang="en-US" sz="3000" b="1" i="1" smtClean="0">
+                                <a:latin typeface="Cambria Math"/>
+                              </a:rPr>
+                              <m:t>𝟎</m:t>
+                            </m:r>
+                          </m:sub>
+                        </m:sSub>
+                        <m:r>
+                          <a:rPr lang="en-US" sz="3000" b="0" i="1" smtClean="0">
+                            <a:latin typeface="Cambria Math"/>
+                          </a:rPr>
+                          <m:t>/</m:t>
+                        </m:r>
+                        <m:r>
+                          <a:rPr lang="en-US" sz="3000" b="0" i="1" smtClean="0">
+                            <a:latin typeface="Cambria Math"/>
+                          </a:rPr>
+                          <m:t>2</m:t>
+                        </m:r>
+                      </m:sup>
+                    </m:sSup>
+                  </m:oMath>
+                </a14:m>
+                <a:r>
+                  <a:rPr lang="en-US" sz="3000" b="0" dirty="0" smtClean="0"/>
+                  <a:t> </a:t>
+                </a:r>
+                <a14:m>
+                  <m:oMath xmlns:m="http://schemas.openxmlformats.org/officeDocument/2006/math">
+                    <m:sSup>
+                      <m:sSupPr>
+                        <m:ctrlPr>
+                          <a:rPr lang="en-US" sz="3000" b="0" i="1" smtClean="0">
+                            <a:latin typeface="Cambria Math"/>
+                          </a:rPr>
+                        </m:ctrlPr>
+                      </m:sSupPr>
+                      <m:e>
+                        <m:d>
+                          <m:dPr>
+                            <m:ctrlPr>
+                              <a:rPr lang="en-US" sz="3000" b="0" i="1" smtClean="0">
+                                <a:latin typeface="Cambria Math"/>
+                              </a:rPr>
+                            </m:ctrlPr>
+                          </m:dPr>
+                          <m:e>
+                            <m:r>
+                              <a:rPr lang="en-US" sz="3000" b="0" i="1" smtClean="0">
+                                <a:latin typeface="Cambria Math"/>
+                              </a:rPr>
+                              <m:t>1</m:t>
+                            </m:r>
+                            <m:r>
+                              <a:rPr lang="en-US" sz="3000" b="0" i="1" smtClean="0">
+                                <a:latin typeface="Cambria Math"/>
+                              </a:rPr>
+                              <m:t>+</m:t>
+                            </m:r>
+                            <m:r>
+                              <a:rPr lang="en-US" sz="3000" b="0" i="1" smtClean="0">
+                                <a:latin typeface="Cambria Math"/>
+                              </a:rPr>
+                              <m:t>2</m:t>
+                            </m:r>
+                            <m:r>
+                              <a:rPr lang="en-US" sz="3000" b="0" i="1" smtClean="0">
+                                <a:latin typeface="Cambria Math"/>
+                              </a:rPr>
+                              <m:t>𝛾</m:t>
+                            </m:r>
+                          </m:e>
+                        </m:d>
+                      </m:e>
+                      <m:sup>
+                        <m:sSub>
+                          <m:sSubPr>
+                            <m:ctrlPr>
+                              <a:rPr lang="en-US" sz="3000" b="1" i="1" smtClean="0">
+                                <a:latin typeface="Cambria Math"/>
+                              </a:rPr>
+                            </m:ctrlPr>
+                          </m:sSubPr>
+                          <m:e>
+                            <m:r>
+                              <a:rPr lang="en-US" sz="3000" b="1" i="1" smtClean="0">
+                                <a:latin typeface="Cambria Math"/>
+                              </a:rPr>
+                              <m:t>𝒕</m:t>
+                            </m:r>
+                          </m:e>
+                          <m:sub>
+                            <m:r>
+                              <a:rPr lang="en-US" sz="3000" b="1" i="1" smtClean="0">
+                                <a:latin typeface="Cambria Math"/>
+                              </a:rPr>
+                              <m:t>𝟎</m:t>
+                            </m:r>
+                          </m:sub>
+                        </m:sSub>
+                        <m:r>
+                          <a:rPr lang="en-US" sz="3000" b="0" i="1" smtClean="0">
+                            <a:latin typeface="Cambria Math"/>
+                          </a:rPr>
+                          <m:t>/</m:t>
+                        </m:r>
+                        <m:r>
+                          <a:rPr lang="en-US" sz="3000" b="0" i="1" smtClean="0">
+                            <a:latin typeface="Cambria Math"/>
+                          </a:rPr>
+                          <m:t>2</m:t>
+                        </m:r>
+                      </m:sup>
+                    </m:sSup>
+                    <m:r>
+                      <a:rPr lang="en-US" sz="3000" b="0" i="1" smtClean="0">
+                        <a:latin typeface="Cambria Math"/>
+                      </a:rPr>
+                      <m:t>=</m:t>
+                    </m:r>
+                  </m:oMath>
+                </a14:m>
+                <a:r>
+                  <a:rPr lang="en-US" sz="3000" b="0" dirty="0" smtClean="0"/>
+                  <a:t> </a:t>
+                </a:r>
+                <a14:m>
+                  <m:oMath xmlns:m="http://schemas.openxmlformats.org/officeDocument/2006/math">
+                    <m:r>
+                      <a:rPr lang="en-US" sz="3000" b="0" i="1" smtClean="0">
+                        <a:latin typeface="Cambria Math"/>
+                      </a:rPr>
+                      <m:t>𝑛</m:t>
+                    </m:r>
+                    <m:sSup>
+                      <m:sSupPr>
+                        <m:ctrlPr>
+                          <a:rPr lang="en-US" sz="3000" b="0" i="1" smtClean="0">
+                            <a:latin typeface="Cambria Math"/>
+                          </a:rPr>
+                        </m:ctrlPr>
+                      </m:sSupPr>
+                      <m:e>
+                        <m:d>
+                          <m:dPr>
+                            <m:ctrlPr>
+                              <a:rPr lang="en-US" sz="3000" b="0" i="1" smtClean="0">
+                                <a:latin typeface="Cambria Math"/>
+                              </a:rPr>
+                            </m:ctrlPr>
+                          </m:dPr>
+                          <m:e>
+                            <m:r>
+                              <a:rPr lang="en-US" sz="3000" b="0" i="1" smtClean="0">
+                                <a:latin typeface="Cambria Math"/>
+                              </a:rPr>
+                              <m:t>1</m:t>
+                            </m:r>
+                            <m:r>
+                              <a:rPr lang="en-US" sz="3000" b="0" i="1" smtClean="0">
+                                <a:latin typeface="Cambria Math"/>
+                              </a:rPr>
+                              <m:t>−</m:t>
+                            </m:r>
+                            <m:r>
+                              <a:rPr lang="en-US" sz="3000" b="0" i="1" smtClean="0">
+                                <a:latin typeface="Cambria Math"/>
+                              </a:rPr>
+                              <m:t>4</m:t>
+                            </m:r>
+                            <m:sSup>
+                              <m:sSupPr>
+                                <m:ctrlPr>
+                                  <a:rPr lang="en-US" sz="3000" b="0" i="1" smtClean="0">
+                                    <a:latin typeface="Cambria Math"/>
+                                  </a:rPr>
+                                </m:ctrlPr>
+                              </m:sSupPr>
+                              <m:e>
+                                <m:r>
+                                  <a:rPr lang="en-US" sz="3000" b="0" i="1" smtClean="0">
+                                    <a:latin typeface="Cambria Math"/>
+                                  </a:rPr>
+                                  <m:t>𝛾</m:t>
+                                </m:r>
+                              </m:e>
+                              <m:sup>
+                                <m:r>
+                                  <a:rPr lang="en-US" sz="3000" b="0" i="1" smtClean="0">
+                                    <a:latin typeface="Cambria Math"/>
+                                  </a:rPr>
+                                  <m:t>2</m:t>
+                                </m:r>
+                              </m:sup>
+                            </m:sSup>
+                          </m:e>
+                        </m:d>
+                      </m:e>
+                      <m:sup>
+                        <m:sSub>
+                          <m:sSubPr>
+                            <m:ctrlPr>
+                              <a:rPr lang="en-US" sz="3000" b="1" i="1" smtClean="0">
+                                <a:latin typeface="Cambria Math"/>
+                              </a:rPr>
+                            </m:ctrlPr>
+                          </m:sSubPr>
+                          <m:e>
+                            <m:r>
+                              <a:rPr lang="en-US" sz="3000" b="1" i="1" smtClean="0">
+                                <a:latin typeface="Cambria Math"/>
+                              </a:rPr>
+                              <m:t>𝒕</m:t>
+                            </m:r>
+                          </m:e>
+                          <m:sub>
+                            <m:r>
+                              <a:rPr lang="en-US" sz="3000" b="1" i="1" smtClean="0">
+                                <a:latin typeface="Cambria Math"/>
+                              </a:rPr>
+                              <m:t>𝟎</m:t>
+                            </m:r>
+                          </m:sub>
+                        </m:sSub>
+                        <m:r>
+                          <a:rPr lang="en-US" sz="3000" b="0" i="1" smtClean="0">
+                            <a:latin typeface="Cambria Math"/>
+                          </a:rPr>
+                          <m:t>/</m:t>
+                        </m:r>
+                        <m:r>
+                          <a:rPr lang="en-US" sz="3000" b="0" i="1" smtClean="0">
+                            <a:latin typeface="Cambria Math"/>
+                          </a:rPr>
+                          <m:t>2</m:t>
+                        </m:r>
+                      </m:sup>
+                    </m:sSup>
+                  </m:oMath>
+                </a14:m>
+                <a:r>
+                  <a:rPr lang="en-US" sz="3200" b="0" dirty="0" smtClean="0"/>
+                  <a:t> </a:t>
+                </a:r>
+                <a:endParaRPr lang="en-US" sz="3200" b="0" dirty="0" smtClean="0"/>
+              </a:p>
+              <a:p>
+                <a:pPr marL="342900" lvl="1" indent="-342900">
+                  <a:buFont typeface="Arial" pitchFamily="34" charset="0"/>
+                  <a:buChar char="•"/>
+                </a:pPr>
+                <a14:m>
+                  <m:oMath xmlns:m="http://schemas.openxmlformats.org/officeDocument/2006/math">
+                    <m:r>
+                      <a:rPr lang="en-US" sz="3000" b="0" i="1" smtClean="0">
+                        <a:latin typeface="Cambria Math"/>
+                      </a:rPr>
+                      <m:t>1</m:t>
+                    </m:r>
+                    <m:r>
+                      <a:rPr lang="en-US" sz="3000" b="0" i="1" smtClean="0">
+                        <a:latin typeface="Cambria Math"/>
+                      </a:rPr>
+                      <m:t>−</m:t>
+                    </m:r>
+                    <m:r>
+                      <a:rPr lang="en-US" sz="3000" b="0" i="1" smtClean="0">
+                        <a:latin typeface="Cambria Math"/>
+                      </a:rPr>
+                      <m:t>𝑥</m:t>
+                    </m:r>
+                    <m:r>
+                      <a:rPr lang="en-US" sz="3000" b="0" i="1" smtClean="0">
+                        <a:latin typeface="Cambria Math"/>
+                      </a:rPr>
+                      <m:t>≤</m:t>
+                    </m:r>
+                    <m:sSup>
+                      <m:sSupPr>
+                        <m:ctrlPr>
+                          <a:rPr lang="en-US" sz="3000" i="1" smtClean="0">
+                            <a:latin typeface="Cambria Math"/>
+                          </a:rPr>
+                        </m:ctrlPr>
+                      </m:sSupPr>
+                      <m:e>
+                        <m:r>
+                          <a:rPr lang="en-US" sz="3000" b="0" i="1" smtClean="0">
+                            <a:latin typeface="Cambria Math"/>
+                          </a:rPr>
+                          <m:t>𝑒</m:t>
+                        </m:r>
+                      </m:e>
+                      <m:sup>
+                        <m:r>
+                          <a:rPr lang="en-US" sz="3000" b="0" i="1" smtClean="0">
+                            <a:latin typeface="Cambria Math"/>
+                          </a:rPr>
+                          <m:t>−</m:t>
+                        </m:r>
+                        <m:r>
+                          <a:rPr lang="en-US" sz="3000" b="0" i="1" smtClean="0">
+                            <a:latin typeface="Cambria Math"/>
+                          </a:rPr>
+                          <m:t>𝑥</m:t>
+                        </m:r>
+                      </m:sup>
+                    </m:sSup>
+                    <m:r>
+                      <a:rPr lang="en-US" sz="3000" b="0" i="1" smtClean="0">
+                        <a:latin typeface="Cambria Math"/>
+                      </a:rPr>
+                      <m:t>⇒ </m:t>
+                    </m:r>
+                    <m:r>
+                      <a:rPr lang="en-US" sz="3000" b="0" i="1" smtClean="0">
+                        <a:latin typeface="Cambria Math"/>
+                      </a:rPr>
+                      <m:t>𝑚</m:t>
+                    </m:r>
+                    <m:r>
+                      <a:rPr lang="en-US" sz="3000" b="0" i="1" smtClean="0">
+                        <a:latin typeface="Cambria Math"/>
+                      </a:rPr>
+                      <m:t>≤</m:t>
+                    </m:r>
+                    <m:r>
+                      <a:rPr lang="en-US" sz="3000" b="0" i="1" smtClean="0">
+                        <a:latin typeface="Cambria Math"/>
+                      </a:rPr>
+                      <m:t>𝑛</m:t>
+                    </m:r>
+                    <m:sSup>
+                      <m:sSupPr>
+                        <m:ctrlPr>
+                          <a:rPr lang="en-US" sz="3000" b="0" i="1" smtClean="0">
+                            <a:latin typeface="Cambria Math"/>
+                          </a:rPr>
+                        </m:ctrlPr>
+                      </m:sSupPr>
+                      <m:e>
+                        <m:r>
+                          <a:rPr lang="en-US" sz="3000" b="0" i="1" smtClean="0">
+                            <a:latin typeface="Cambria Math"/>
+                          </a:rPr>
+                          <m:t>𝑒</m:t>
+                        </m:r>
+                      </m:e>
+                      <m:sup>
+                        <m:r>
+                          <a:rPr lang="en-US" sz="3000" b="1" i="1" smtClean="0">
+                            <a:latin typeface="Cambria Math"/>
+                          </a:rPr>
+                          <m:t>−</m:t>
+                        </m:r>
+                        <m:r>
+                          <a:rPr lang="en-US" sz="3000" b="0" i="1" smtClean="0">
+                            <a:latin typeface="Cambria Math"/>
+                          </a:rPr>
+                          <m:t>2</m:t>
+                        </m:r>
+                        <m:sSup>
+                          <m:sSupPr>
+                            <m:ctrlPr>
+                              <a:rPr lang="en-US" sz="3000" i="1" smtClean="0">
+                                <a:latin typeface="Cambria Math"/>
+                              </a:rPr>
+                            </m:ctrlPr>
+                          </m:sSupPr>
+                          <m:e>
+                            <m:r>
+                              <a:rPr lang="en-US" sz="3000" b="0" i="1" smtClean="0">
+                                <a:latin typeface="Cambria Math"/>
+                              </a:rPr>
+                              <m:t>𝛾</m:t>
+                            </m:r>
+                          </m:e>
+                          <m:sup>
+                            <m:r>
+                              <a:rPr lang="en-US" sz="3000" b="0" i="1" smtClean="0">
+                                <a:latin typeface="Cambria Math"/>
+                              </a:rPr>
+                              <m:t>2</m:t>
+                            </m:r>
+                          </m:sup>
+                        </m:sSup>
+                        <m:sSub>
+                          <m:sSubPr>
+                            <m:ctrlPr>
+                              <a:rPr lang="en-US" sz="3000" b="1" i="1" smtClean="0">
+                                <a:latin typeface="Cambria Math"/>
+                              </a:rPr>
+                            </m:ctrlPr>
+                          </m:sSubPr>
+                          <m:e>
+                            <m:r>
+                              <a:rPr lang="en-US" sz="3000" b="1" i="1" smtClean="0">
+                                <a:latin typeface="Cambria Math"/>
+                              </a:rPr>
+                              <m:t>𝒕</m:t>
+                            </m:r>
+                          </m:e>
+                          <m:sub>
+                            <m:r>
+                              <a:rPr lang="en-US" sz="3000" b="1" i="1" smtClean="0">
+                                <a:latin typeface="Cambria Math"/>
+                              </a:rPr>
+                              <m:t>𝟎</m:t>
+                            </m:r>
+                          </m:sub>
+                        </m:sSub>
+                      </m:sup>
+                    </m:sSup>
+                    <m:r>
+                      <a:rPr lang="en-US" sz="3000" b="0" i="1" smtClean="0">
+                        <a:latin typeface="Cambria Math"/>
+                      </a:rPr>
+                      <m:t>⇒</m:t>
+                    </m:r>
+                    <m:sSub>
+                      <m:sSubPr>
+                        <m:ctrlPr>
+                          <a:rPr lang="en-US" sz="3000" b="1" i="1" smtClean="0">
+                            <a:latin typeface="Cambria Math"/>
+                          </a:rPr>
+                        </m:ctrlPr>
+                      </m:sSubPr>
+                      <m:e>
+                        <m:r>
+                          <a:rPr lang="en-US" sz="3000" b="1" i="1" smtClean="0">
+                            <a:latin typeface="Cambria Math"/>
+                          </a:rPr>
+                          <m:t>𝒕</m:t>
+                        </m:r>
+                      </m:e>
+                      <m:sub>
+                        <m:r>
+                          <a:rPr lang="en-US" sz="3000" b="1" i="1" smtClean="0">
+                            <a:latin typeface="Cambria Math"/>
+                          </a:rPr>
+                          <m:t>𝟎</m:t>
+                        </m:r>
+                      </m:sub>
+                    </m:sSub>
+                    <m:r>
+                      <a:rPr lang="en-US" sz="3000" b="0" i="1" smtClean="0">
+                        <a:latin typeface="Cambria Math"/>
+                      </a:rPr>
+                      <m:t>=</m:t>
+                    </m:r>
+                    <m:r>
+                      <a:rPr lang="en-US" sz="3000" b="0" i="1" smtClean="0">
+                        <a:latin typeface="Cambria Math"/>
+                      </a:rPr>
+                      <m:t>𝑂</m:t>
+                    </m:r>
+                    <m:d>
+                      <m:dPr>
+                        <m:ctrlPr>
+                          <a:rPr lang="en-US" sz="3000" b="0" i="1" smtClean="0">
+                            <a:latin typeface="Cambria Math"/>
+                          </a:rPr>
+                        </m:ctrlPr>
+                      </m:dPr>
+                      <m:e>
+                        <m:f>
+                          <m:fPr>
+                            <m:ctrlPr>
+                              <a:rPr lang="en-US" sz="3000" b="0" i="1" smtClean="0">
+                                <a:latin typeface="Cambria Math"/>
+                              </a:rPr>
+                            </m:ctrlPr>
+                          </m:fPr>
+                          <m:num>
+                            <m:r>
+                              <a:rPr lang="en-US" sz="3000" b="0" i="1" smtClean="0">
+                                <a:latin typeface="Cambria Math"/>
+                              </a:rPr>
+                              <m:t>1</m:t>
+                            </m:r>
+                          </m:num>
+                          <m:den>
+                            <m:sSup>
+                              <m:sSupPr>
+                                <m:ctrlPr>
+                                  <a:rPr lang="en-US" sz="3000" b="0" i="1" smtClean="0">
+                                    <a:latin typeface="Cambria Math"/>
+                                  </a:rPr>
+                                </m:ctrlPr>
+                              </m:sSupPr>
+                              <m:e>
+                                <m:r>
+                                  <a:rPr lang="en-US" sz="3000" b="0" i="1" smtClean="0">
+                                    <a:latin typeface="Cambria Math"/>
+                                  </a:rPr>
+                                  <m:t>𝛾</m:t>
+                                </m:r>
+                              </m:e>
+                              <m:sup>
+                                <m:r>
+                                  <a:rPr lang="en-US" sz="3000" b="0" i="1" smtClean="0">
+                                    <a:latin typeface="Cambria Math"/>
+                                  </a:rPr>
+                                  <m:t>2</m:t>
+                                </m:r>
+                              </m:sup>
+                            </m:sSup>
+                          </m:den>
+                        </m:f>
+                        <m:func>
+                          <m:funcPr>
+                            <m:ctrlPr>
+                              <a:rPr lang="en-US" sz="3000" b="0" i="1" smtClean="0">
+                                <a:latin typeface="Cambria Math"/>
+                              </a:rPr>
+                            </m:ctrlPr>
+                          </m:funcPr>
+                          <m:fName>
+                            <m:r>
+                              <m:rPr>
+                                <m:sty m:val="p"/>
+                              </m:rPr>
+                              <a:rPr lang="en-US" sz="3000" b="0" i="0" smtClean="0">
+                                <a:latin typeface="Cambria Math"/>
+                              </a:rPr>
+                              <m:t>log</m:t>
+                            </m:r>
+                          </m:fName>
+                          <m:e>
+                            <m:r>
+                              <a:rPr lang="en-US" sz="3000" b="0" i="1" smtClean="0">
+                                <a:latin typeface="Cambria Math"/>
+                              </a:rPr>
+                              <m:t>𝑛</m:t>
+                            </m:r>
+                          </m:e>
+                        </m:func>
+                      </m:e>
+                    </m:d>
+                  </m:oMath>
+                </a14:m>
+                <a:endParaRPr lang="en-US" sz="3000" dirty="0" smtClean="0"/>
+              </a:p>
+              <a:p>
+                <a:pPr marL="0" lvl="1" indent="0">
+                  <a:buNone/>
+                </a:pPr>
+                <a:r>
+                  <a:rPr lang="en-US" sz="3000" dirty="0" smtClean="0"/>
+                  <a:t>Comments:</a:t>
+                </a:r>
+              </a:p>
+              <a:p>
+                <a:pPr marL="457200" lvl="1" indent="-457200"/>
+                <a:r>
+                  <a:rPr lang="en-US" sz="3000" dirty="0" smtClean="0"/>
+                  <a:t>Applies even if the weak learners are </a:t>
+                </a:r>
+                <a:r>
+                  <a:rPr lang="en-US" sz="3000" b="1" dirty="0" smtClean="0"/>
+                  <a:t>adversarial</a:t>
+                </a:r>
+              </a:p>
+              <a:p>
+                <a:pPr marL="457200" lvl="1" indent="-457200"/>
+                <a:r>
+                  <a:rPr lang="en-US" sz="3000" dirty="0" smtClean="0"/>
+                  <a:t>VC-dim bounds </a:t>
+                </a:r>
+                <a14:m>
+                  <m:oMath xmlns:m="http://schemas.openxmlformats.org/officeDocument/2006/math">
+                    <m:r>
+                      <a:rPr lang="en-US" sz="3000" b="1" i="1" smtClean="0">
+                        <a:latin typeface="Cambria Math"/>
+                      </a:rPr>
+                      <m:t>⇒</m:t>
+                    </m:r>
+                    <m:r>
+                      <a:rPr lang="en-US" sz="3000" b="0" i="1" smtClean="0">
+                        <a:latin typeface="Cambria Math"/>
+                      </a:rPr>
+                      <m:t>𝑛</m:t>
+                    </m:r>
+                    <m:r>
+                      <a:rPr lang="en-US" sz="3000" b="1" i="1" smtClean="0">
+                        <a:latin typeface="Cambria Math"/>
+                      </a:rPr>
+                      <m:t>=</m:t>
+                    </m:r>
+                    <m:acc>
+                      <m:accPr>
+                        <m:chr m:val="̃"/>
+                        <m:ctrlPr>
+                          <a:rPr lang="en-US" sz="3000" i="1" smtClean="0">
+                            <a:latin typeface="Cambria Math"/>
+                          </a:rPr>
+                        </m:ctrlPr>
+                      </m:accPr>
+                      <m:e>
+                        <m:r>
+                          <a:rPr lang="en-US" sz="3000" b="0" i="1" smtClean="0">
+                            <a:latin typeface="Cambria Math"/>
+                          </a:rPr>
+                          <m:t>𝑂</m:t>
+                        </m:r>
+                      </m:e>
+                    </m:acc>
+                    <m:d>
+                      <m:dPr>
+                        <m:ctrlPr>
+                          <a:rPr lang="en-US" sz="3000" b="0" i="1" smtClean="0">
+                            <a:latin typeface="Cambria Math"/>
+                          </a:rPr>
+                        </m:ctrlPr>
+                      </m:dPr>
+                      <m:e>
+                        <m:f>
+                          <m:fPr>
+                            <m:ctrlPr>
+                              <a:rPr lang="en-US" sz="3000" b="0" i="1" smtClean="0">
+                                <a:latin typeface="Cambria Math"/>
+                              </a:rPr>
+                            </m:ctrlPr>
+                          </m:fPr>
+                          <m:num>
+                            <m:r>
+                              <a:rPr lang="en-US" sz="3000" b="0" i="1" smtClean="0">
+                                <a:latin typeface="Cambria Math"/>
+                              </a:rPr>
+                              <m:t>1</m:t>
+                            </m:r>
+                          </m:num>
+                          <m:den>
+                            <m:r>
+                              <a:rPr lang="en-US" sz="3000" b="0" i="1" smtClean="0">
+                                <a:latin typeface="Cambria Math"/>
+                              </a:rPr>
+                              <m:t>𝜖</m:t>
+                            </m:r>
+                          </m:den>
+                        </m:f>
+                        <m:f>
+                          <m:fPr>
+                            <m:ctrlPr>
+                              <a:rPr lang="en-US" sz="3000" b="0" i="1" smtClean="0">
+                                <a:latin typeface="Cambria Math"/>
+                              </a:rPr>
+                            </m:ctrlPr>
+                          </m:fPr>
+                          <m:num>
+                            <m:r>
+                              <a:rPr lang="en-US" sz="3000" b="0" i="1" smtClean="0">
+                                <a:latin typeface="Cambria Math"/>
+                              </a:rPr>
+                              <m:t>𝑉𝐶</m:t>
+                            </m:r>
+                            <m:r>
+                              <a:rPr lang="en-US" sz="3000" b="0" i="1" smtClean="0">
+                                <a:latin typeface="Cambria Math"/>
+                              </a:rPr>
+                              <m:t>−</m:t>
+                            </m:r>
+                            <m:r>
+                              <m:rPr>
+                                <m:sty m:val="p"/>
+                              </m:rPr>
+                              <a:rPr lang="en-US" sz="3000" b="0" i="0" smtClean="0">
+                                <a:latin typeface="Cambria Math"/>
+                              </a:rPr>
+                              <m:t>dim</m:t>
+                            </m:r>
+                            <m:r>
+                              <a:rPr lang="en-US" sz="3000" b="0" i="1" smtClean="0">
+                                <a:latin typeface="Cambria Math"/>
+                              </a:rPr>
+                              <m:t>⁡(</m:t>
+                            </m:r>
+                            <m:r>
+                              <a:rPr lang="en-US" sz="3000" b="0" i="1" smtClean="0">
+                                <a:latin typeface="Cambria Math"/>
+                              </a:rPr>
+                              <m:t>𝐻</m:t>
+                            </m:r>
+                            <m:r>
+                              <a:rPr lang="en-US" sz="3000" b="0" i="1" smtClean="0">
+                                <a:latin typeface="Cambria Math"/>
+                              </a:rPr>
+                              <m:t>)</m:t>
+                            </m:r>
+                          </m:num>
+                          <m:den>
+                            <m:sSup>
+                              <m:sSupPr>
+                                <m:ctrlPr>
+                                  <a:rPr lang="en-US" sz="3000" b="0" i="1" smtClean="0">
+                                    <a:latin typeface="Cambria Math"/>
+                                  </a:rPr>
+                                </m:ctrlPr>
+                              </m:sSupPr>
+                              <m:e>
+                                <m:r>
+                                  <a:rPr lang="en-US" sz="3000" b="0" i="1" smtClean="0">
+                                    <a:latin typeface="Cambria Math"/>
+                                  </a:rPr>
+                                  <m:t>𝛾</m:t>
+                                </m:r>
+                              </m:e>
+                              <m:sup>
+                                <m:r>
+                                  <a:rPr lang="en-US" sz="3000" b="0" i="1" smtClean="0">
+                                    <a:latin typeface="Cambria Math"/>
+                                  </a:rPr>
+                                  <m:t>2</m:t>
+                                </m:r>
+                              </m:sup>
+                            </m:sSup>
+                          </m:den>
+                        </m:f>
+                      </m:e>
+                    </m:d>
+                  </m:oMath>
+                </a14:m>
+                <a:endParaRPr lang="en-US" sz="3000" dirty="0" smtClean="0"/>
+              </a:p>
+              <a:p>
+                <a:pPr marL="342900" lvl="1" indent="-342900">
+                  <a:buFont typeface="Arial" pitchFamily="34" charset="0"/>
+                  <a:buChar char="•"/>
+                </a:pPr>
+                <a:endParaRPr lang="en-US" sz="3200" dirty="0" smtClean="0"/>
+              </a:p>
+              <a:p>
+                <a:endParaRPr lang="en-US" dirty="0"/>
+              </a:p>
+            </p:txBody>
+          </p:sp>
+        </mc:Choice>
+        <mc:Fallback>
+          <p:sp>
+            <p:nvSpPr>
+              <p:cNvPr id="3" name="Content Placeholder 2"/>
+              <p:cNvSpPr>
+                <a:spLocks noGrp="1" noRot="1" noChangeAspect="1" noMove="1" noResize="1" noEditPoints="1" noAdjustHandles="1" noChangeArrowheads="1" noChangeShapeType="1" noTextEdit="1"/>
+              </p:cNvSpPr>
+              <p:nvPr>
+                <p:ph idx="1"/>
+              </p:nvPr>
+            </p:nvSpPr>
+            <p:spPr>
+              <a:xfrm>
+                <a:off x="381000" y="1600200"/>
+                <a:ext cx="9254648" cy="5257800"/>
+              </a:xfrm>
+              <a:blipFill rotWithShape="1">
+                <a:blip r:embed="rId2"/>
+                <a:stretch>
+                  <a:fillRect l="-1581"/>
+                </a:stretch>
+              </a:blipFill>
+            </p:spPr>
+            <p:txBody>
+              <a:bodyPr/>
+              <a:lstStyle/>
+              <a:p>
+                <a:r>
+                  <a:rPr lang="en-US">
+                    <a:noFill/>
+                  </a:rPr>
+                  <a:t> </a:t>
+                </a:r>
+              </a:p>
+            </p:txBody>
+          </p:sp>
+        </mc:Fallback>
+      </mc:AlternateContent>
+    </p:spTree>
+    <p:extLst>
+      <p:ext uri="{BB962C8B-B14F-4D97-AF65-F5344CB8AC3E}">
+        <p14:creationId xmlns:p14="http://schemas.microsoft.com/office/powerpoint/2010/main" val="3352653175"/>
+      </p:ext>
+    </p:extLst>
+  </p:cSld>
+  <p:clrMapOvr>
+    <a:masterClrMapping/>
+  </p:clrMapOvr>
+  <p:timing>
+    <p:tnLst>
+      <p:par>
+        <p:cTn id="1" dur="indefinite" restart="never" nodeType="tmRoot">
+          <p:childTnLst>
+            <p:seq concurrent="1" nextAc="seek">
+              <p:cTn id="2" dur="indefinite" nodeType="mainSeq">
+                <p:childTnLst>
+                  <p:par>
+                    <p:cTn id="3" fill="hold">
+                      <p:stCondLst>
+                        <p:cond delay="indefinite"/>
+                      </p:stCondLst>
+                      <p:childTnLst>
+                        <p:par>
+                          <p:cTn id="4" fill="hold">
+                            <p:stCondLst>
+                              <p:cond delay="0"/>
+                            </p:stCondLst>
+                            <p:childTnLst>
+                              <p:par>
+                                <p:cTn id="5" presetID="1" presetClass="entr" presetSubtype="0" fill="hold" grpId="0" nodeType="clickEffect">
+                                  <p:stCondLst>
+                                    <p:cond delay="0"/>
+                                  </p:stCondLst>
+                                  <p:childTnLst>
+                                    <p:set>
+                                      <p:cBhvr>
+                                        <p:cTn id="6" dur="1" fill="hold">
+                                          <p:stCondLst>
+                                            <p:cond delay="0"/>
+                                          </p:stCondLst>
+                                        </p:cTn>
+                                        <p:tgtEl>
+                                          <p:spTgt spid="3">
+                                            <p:txEl>
+                                              <p:pRg st="0" end="0"/>
+                                            </p:txEl>
+                                          </p:spTgt>
+                                        </p:tgtEl>
+                                        <p:attrNameLst>
+                                          <p:attrName>style.visibility</p:attrName>
+                                        </p:attrNameLst>
+                                      </p:cBhvr>
+                                      <p:to>
+                                        <p:strVal val="visible"/>
+                                      </p:to>
+                                    </p:set>
+                                  </p:childTnLst>
+                                </p:cTn>
+                              </p:par>
+                            </p:childTnLst>
+                          </p:cTn>
+                        </p:par>
+                      </p:childTnLst>
+                    </p:cTn>
+                  </p:par>
+                  <p:par>
+                    <p:cTn id="7" fill="hold">
+                      <p:stCondLst>
+                        <p:cond delay="indefinite"/>
+                      </p:stCondLst>
+                      <p:childTnLst>
+                        <p:par>
+                          <p:cTn id="8" fill="hold">
+                            <p:stCondLst>
+                              <p:cond delay="0"/>
+                            </p:stCondLst>
+                            <p:childTnLst>
+                              <p:par>
+                                <p:cTn id="9" presetID="1" presetClass="entr" presetSubtype="0" fill="hold" grpId="0" nodeType="clickEffect">
+                                  <p:stCondLst>
+                                    <p:cond delay="0"/>
+                                  </p:stCondLst>
+                                  <p:childTnLst>
+                                    <p:set>
+                                      <p:cBhvr>
+                                        <p:cTn id="10" dur="1" fill="hold">
+                                          <p:stCondLst>
+                                            <p:cond delay="0"/>
+                                          </p:stCondLst>
+                                        </p:cTn>
+                                        <p:tgtEl>
+                                          <p:spTgt spid="3">
+                                            <p:txEl>
+                                              <p:pRg st="1" end="1"/>
+                                            </p:txEl>
+                                          </p:spTgt>
+                                        </p:tgtEl>
+                                        <p:attrNameLst>
+                                          <p:attrName>style.visibility</p:attrName>
+                                        </p:attrNameLst>
+                                      </p:cBhvr>
+                                      <p:to>
+                                        <p:strVal val="visible"/>
+                                      </p:to>
+                                    </p:set>
+                                  </p:childTnLst>
+                                </p:cTn>
+                              </p:par>
+                            </p:childTnLst>
+                          </p:cTn>
+                        </p:par>
+                      </p:childTnLst>
+                    </p:cTn>
+                  </p:par>
+                  <p:par>
+                    <p:cTn id="11" fill="hold">
+                      <p:stCondLst>
+                        <p:cond delay="indefinite"/>
+                      </p:stCondLst>
+                      <p:childTnLst>
+                        <p:par>
+                          <p:cTn id="12" fill="hold">
+                            <p:stCondLst>
+                              <p:cond delay="0"/>
+                            </p:stCondLst>
+                            <p:childTnLst>
+                              <p:par>
+                                <p:cTn id="13" presetID="1" presetClass="entr" presetSubtype="0" fill="hold" grpId="0" nodeType="clickEffect">
+                                  <p:stCondLst>
+                                    <p:cond delay="0"/>
+                                  </p:stCondLst>
+                                  <p:childTnLst>
+                                    <p:set>
+                                      <p:cBhvr>
+                                        <p:cTn id="14" dur="1" fill="hold">
+                                          <p:stCondLst>
+                                            <p:cond delay="0"/>
+                                          </p:stCondLst>
+                                        </p:cTn>
+                                        <p:tgtEl>
+                                          <p:spTgt spid="3">
+                                            <p:txEl>
+                                              <p:pRg st="2" end="2"/>
+                                            </p:txEl>
+                                          </p:spTgt>
+                                        </p:tgtEl>
+                                        <p:attrNameLst>
+                                          <p:attrName>style.visibility</p:attrName>
+                                        </p:attrNameLst>
+                                      </p:cBhvr>
+                                      <p:to>
+                                        <p:strVal val="visible"/>
+                                      </p:to>
+                                    </p:set>
+                                  </p:childTnLst>
+                                </p:cTn>
+                              </p:par>
+                            </p:childTnLst>
+                          </p:cTn>
+                        </p:par>
+                      </p:childTnLst>
+                    </p:cTn>
+                  </p:par>
+                  <p:par>
+                    <p:cTn id="15" fill="hold">
+                      <p:stCondLst>
+                        <p:cond delay="indefinite"/>
+                      </p:stCondLst>
+                      <p:childTnLst>
+                        <p:par>
+                          <p:cTn id="16" fill="hold">
+                            <p:stCondLst>
+                              <p:cond delay="0"/>
+                            </p:stCondLst>
+                            <p:childTnLst>
+                              <p:par>
+                                <p:cTn id="17" presetID="1" presetClass="entr" presetSubtype="0" fill="hold" grpId="0" nodeType="clickEffect">
+                                  <p:stCondLst>
+                                    <p:cond delay="0"/>
+                                  </p:stCondLst>
+                                  <p:childTnLst>
+                                    <p:set>
+                                      <p:cBhvr>
+                                        <p:cTn id="18" dur="1" fill="hold">
+                                          <p:stCondLst>
+                                            <p:cond delay="0"/>
+                                          </p:stCondLst>
+                                        </p:cTn>
+                                        <p:tgtEl>
+                                          <p:spTgt spid="3">
+                                            <p:txEl>
+                                              <p:pRg st="3" end="3"/>
+                                            </p:txEl>
+                                          </p:spTgt>
+                                        </p:tgtEl>
+                                        <p:attrNameLst>
+                                          <p:attrName>style.visibility</p:attrName>
+                                        </p:attrNameLst>
+                                      </p:cBhvr>
+                                      <p:to>
+                                        <p:strVal val="visible"/>
+                                      </p:to>
+                                    </p:set>
+                                  </p:childTnLst>
+                                </p:cTn>
+                              </p:par>
+                            </p:childTnLst>
+                          </p:cTn>
+                        </p:par>
+                      </p:childTnLst>
+                    </p:cTn>
+                  </p:par>
+                  <p:par>
+                    <p:cTn id="19" fill="hold">
+                      <p:stCondLst>
+                        <p:cond delay="indefinite"/>
+                      </p:stCondLst>
+                      <p:childTnLst>
+                        <p:par>
+                          <p:cTn id="20" fill="hold">
+                            <p:stCondLst>
+                              <p:cond delay="0"/>
+                            </p:stCondLst>
+                            <p:childTnLst>
+                              <p:par>
+                                <p:cTn id="21" presetID="1" presetClass="entr" presetSubtype="0" fill="hold" grpId="0" nodeType="clickEffect">
+                                  <p:stCondLst>
+                                    <p:cond delay="0"/>
+                                  </p:stCondLst>
+                                  <p:childTnLst>
+                                    <p:set>
+                                      <p:cBhvr>
+                                        <p:cTn id="22" dur="1" fill="hold">
+                                          <p:stCondLst>
+                                            <p:cond delay="0"/>
+                                          </p:stCondLst>
+                                        </p:cTn>
+                                        <p:tgtEl>
+                                          <p:spTgt spid="3">
+                                            <p:txEl>
+                                              <p:pRg st="4" end="4"/>
+                                            </p:txEl>
+                                          </p:spTgt>
+                                        </p:tgtEl>
+                                        <p:attrNameLst>
+                                          <p:attrName>style.visibility</p:attrName>
+                                        </p:attrNameLst>
+                                      </p:cBhvr>
+                                      <p:to>
+                                        <p:strVal val="visible"/>
+                                      </p:to>
+                                    </p:set>
+                                  </p:childTnLst>
+                                </p:cTn>
+                              </p:par>
+                            </p:childTnLst>
+                          </p:cTn>
+                        </p:par>
+                      </p:childTnLst>
+                    </p:cTn>
+                  </p:par>
+                  <p:par>
+                    <p:cTn id="23" fill="hold">
+                      <p:stCondLst>
+                        <p:cond delay="indefinite"/>
+                      </p:stCondLst>
+                      <p:childTnLst>
+                        <p:par>
+                          <p:cTn id="24" fill="hold">
+                            <p:stCondLst>
+                              <p:cond delay="0"/>
+                            </p:stCondLst>
+                            <p:childTnLst>
+                              <p:par>
+                                <p:cTn id="25" presetID="1" presetClass="entr" presetSubtype="0" fill="hold" grpId="0" nodeType="clickEffect">
+                                  <p:stCondLst>
+                                    <p:cond delay="0"/>
+                                  </p:stCondLst>
+                                  <p:childTnLst>
+                                    <p:set>
+                                      <p:cBhvr>
+                                        <p:cTn id="26" dur="1" fill="hold">
+                                          <p:stCondLst>
+                                            <p:cond delay="0"/>
+                                          </p:stCondLst>
+                                        </p:cTn>
+                                        <p:tgtEl>
+                                          <p:spTgt spid="3">
+                                            <p:txEl>
+                                              <p:pRg st="5" end="5"/>
+                                            </p:txEl>
+                                          </p:spTgt>
+                                        </p:tgtEl>
+                                        <p:attrNameLst>
+                                          <p:attrName>style.visibility</p:attrName>
+                                        </p:attrNameLst>
+                                      </p:cBhvr>
+                                      <p:to>
+                                        <p:strVal val="visible"/>
+                                      </p:to>
+                                    </p:set>
+                                  </p:childTnLst>
+                                </p:cTn>
+                              </p:par>
+                              <p:par>
+                                <p:cTn id="27" presetID="1" presetClass="entr" presetSubtype="0" fill="hold" grpId="0" nodeType="withEffect">
+                                  <p:stCondLst>
+                                    <p:cond delay="0"/>
+                                  </p:stCondLst>
+                                  <p:childTnLst>
+                                    <p:set>
+                                      <p:cBhvr>
+                                        <p:cTn id="28" dur="1" fill="hold">
+                                          <p:stCondLst>
+                                            <p:cond delay="0"/>
+                                          </p:stCondLst>
+                                        </p:cTn>
+                                        <p:tgtEl>
+                                          <p:spTgt spid="3">
+                                            <p:txEl>
+                                              <p:pRg st="6" end="6"/>
+                                            </p:txEl>
+                                          </p:spTgt>
+                                        </p:tgtEl>
+                                        <p:attrNameLst>
+                                          <p:attrName>style.visibility</p:attrName>
+                                        </p:attrNameLst>
+                                      </p:cBhvr>
+                                      <p:to>
+                                        <p:strVal val="visible"/>
+                                      </p:to>
+                                    </p:set>
+                                  </p:childTnLst>
+                                </p:cTn>
+                              </p:par>
+                            </p:childTnLst>
+                          </p:cTn>
+                        </p:par>
+                      </p:childTnLst>
+                    </p:cTn>
+                  </p:par>
+                  <p:par>
+                    <p:cTn id="29" fill="hold">
+                      <p:stCondLst>
+                        <p:cond delay="indefinite"/>
+                      </p:stCondLst>
+                      <p:childTnLst>
+                        <p:par>
+                          <p:cTn id="30" fill="hold">
+                            <p:stCondLst>
+                              <p:cond delay="0"/>
+                            </p:stCondLst>
+                            <p:childTnLst>
+                              <p:par>
+                                <p:cTn id="31" presetID="1" presetClass="entr" presetSubtype="0" fill="hold" grpId="0" nodeType="clickEffect">
+                                  <p:stCondLst>
+                                    <p:cond delay="0"/>
+                                  </p:stCondLst>
+                                  <p:childTnLst>
+                                    <p:set>
+                                      <p:cBhvr>
+                                        <p:cTn id="32" dur="1" fill="hold">
+                                          <p:stCondLst>
+                                            <p:cond delay="0"/>
+                                          </p:stCondLst>
+                                        </p:cTn>
+                                        <p:tgtEl>
+                                          <p:spTgt spid="3">
+                                            <p:txEl>
+                                              <p:pRg st="7" end="7"/>
+                                            </p:txEl>
+                                          </p:spTgt>
+                                        </p:tgtEl>
+                                        <p:attrNameLst>
+                                          <p:attrName>style.visibility</p:attrName>
+                                        </p:attrNameLst>
+                                      </p:cBhvr>
+                                      <p:to>
+                                        <p:strVal val="visible"/>
+                                      </p:to>
+                                    </p:set>
+                                  </p:childTnLst>
+                                </p:cTn>
+                              </p:par>
+                            </p:childTnLst>
+                          </p:cTn>
+                        </p:par>
+                      </p:childTnLst>
+                    </p:cTn>
+                  </p:par>
+                </p:childTnLst>
+              </p:cTn>
+              <p:prevCondLst>
+                <p:cond evt="onPrev" delay="0">
+                  <p:tgtEl>
+                    <p:sldTgt/>
+                  </p:tgtEl>
+                </p:cond>
+              </p:prevCondLst>
+              <p:nextCondLst>
+                <p:cond evt="onNext" delay="0">
+                  <p:tgtEl>
+                    <p:sldTgt/>
+                  </p:tgtEl>
+                </p:cond>
+              </p:nextCondLst>
+            </p:seq>
+          </p:childTnLst>
+        </p:cTn>
+      </p:par>
+    </p:tnLst>
+    <p:bldLst>
+      <p:bldP spid="3" grpId="0" uiExpand="1" build="p"/>
+    </p:bldLst>
+  </p:timing>
+</p:sld>
+</file>
+
 <file path=ppt/slides/slide2.xml><?xml version="1.0" encoding="utf-8"?>
 <p:sld xmlns:a="http://schemas.openxmlformats.org/drawingml/2006/main" xmlns:r="http://schemas.openxmlformats.org/officeDocument/2006/relationships" xmlns:p="http://schemas.openxmlformats.org/presentationml/2006/main">
   <p:cSld>
@@ -6082,7 +15731,13 @@
                                     <a:rPr lang="en-US" b="0" i="1" smtClean="0">
                                       <a:latin typeface="Cambria Math"/>
                                     </a:rPr>
-                                    <m:t>1 −</m:t>
+                                    <m:t>1</m:t>
+                                  </m:r>
+                                  <m:r>
+                                    <a:rPr lang="en-US" b="0" i="1" smtClean="0">
+                                      <a:latin typeface="Cambria Math"/>
+                                    </a:rPr>
+                                    <m:t> −</m:t>
                                   </m:r>
                                   <m:sSub>
                                     <m:sSubPr>
@@ -6125,7 +15780,13 @@
                             <a:rPr lang="en-US" b="0" i="1" smtClean="0">
                               <a:latin typeface="Cambria Math"/>
                             </a:rPr>
-                            <m:t>=0</m:t>
+                            <m:t>=</m:t>
+                          </m:r>
+                          <m:r>
+                            <a:rPr lang="en-US" b="0" i="1" smtClean="0">
+                              <a:latin typeface="Cambria Math"/>
+                            </a:rPr>
+                            <m:t>0</m:t>
                           </m:r>
                         </m:e>
                       </m:nary>
@@ -6193,7 +15854,19 @@
                             <a:rPr lang="en-US" b="0" i="1" smtClean="0">
                               <a:latin typeface="Cambria Math"/>
                             </a:rPr>
-                            <m:t>0,1</m:t>
+                            <m:t>0</m:t>
+                          </m:r>
+                          <m:r>
+                            <a:rPr lang="en-US" b="0" i="1" smtClean="0">
+                              <a:latin typeface="Cambria Math"/>
+                            </a:rPr>
+                            <m:t>,</m:t>
+                          </m:r>
+                          <m:r>
+                            <a:rPr lang="en-US" b="0" i="1" smtClean="0">
+                              <a:latin typeface="Cambria Math"/>
+                            </a:rPr>
+                            <m:t>1</m:t>
                           </m:r>
                         </m:e>
                       </m:d>
